--- a/Big Data.pptx
+++ b/Big Data.pptx
@@ -2,23 +2,24 @@
 <file path=ppt/presentation.xml><?xml version="1.0" encoding="utf-8"?>
 <p:presentation xmlns:a="http://schemas.openxmlformats.org/drawingml/2006/main" xmlns:r="http://schemas.openxmlformats.org/officeDocument/2006/relationships" xmlns:p="http://schemas.openxmlformats.org/presentationml/2006/main" saveSubsetFonts="1">
   <p:sldMasterIdLst>
-    <p:sldMasterId id="2147483648" r:id="rId1"/>
+    <p:sldMasterId id="2147483713" r:id="rId1"/>
   </p:sldMasterIdLst>
   <p:sldIdLst>
     <p:sldId id="256" r:id="rId2"/>
-    <p:sldId id="257" r:id="rId3"/>
-    <p:sldId id="258" r:id="rId4"/>
-    <p:sldId id="259" r:id="rId5"/>
-    <p:sldId id="260" r:id="rId6"/>
-    <p:sldId id="261" r:id="rId7"/>
+    <p:sldId id="264" r:id="rId3"/>
+    <p:sldId id="257" r:id="rId4"/>
+    <p:sldId id="262" r:id="rId5"/>
+    <p:sldId id="259" r:id="rId6"/>
+    <p:sldId id="260" r:id="rId7"/>
+    <p:sldId id="261" r:id="rId8"/>
   </p:sldIdLst>
   <p:sldSz cx="12192000" cy="6858000"/>
   <p:notesSz cx="6858000" cy="9144000"/>
   <p:defaultTextStyle>
     <a:defPPr>
-      <a:defRPr lang="de-DE"/>
+      <a:defRPr lang="en-US"/>
     </a:defPPr>
-    <a:lvl1pPr marL="0" algn="l" defTabSz="914400" rtl="0" eaLnBrk="1" latinLnBrk="0" hangingPunct="1">
+    <a:lvl1pPr marL="0" algn="l" defTabSz="457200" rtl="0" eaLnBrk="1" latinLnBrk="0" hangingPunct="1">
       <a:defRPr sz="1800" kern="1200">
         <a:solidFill>
           <a:schemeClr val="tx1"/>
@@ -28,7 +29,7 @@
         <a:cs typeface="+mn-cs"/>
       </a:defRPr>
     </a:lvl1pPr>
-    <a:lvl2pPr marL="457200" algn="l" defTabSz="914400" rtl="0" eaLnBrk="1" latinLnBrk="0" hangingPunct="1">
+    <a:lvl2pPr marL="457200" algn="l" defTabSz="457200" rtl="0" eaLnBrk="1" latinLnBrk="0" hangingPunct="1">
       <a:defRPr sz="1800" kern="1200">
         <a:solidFill>
           <a:schemeClr val="tx1"/>
@@ -38,7 +39,7 @@
         <a:cs typeface="+mn-cs"/>
       </a:defRPr>
     </a:lvl2pPr>
-    <a:lvl3pPr marL="914400" algn="l" defTabSz="914400" rtl="0" eaLnBrk="1" latinLnBrk="0" hangingPunct="1">
+    <a:lvl3pPr marL="914400" algn="l" defTabSz="457200" rtl="0" eaLnBrk="1" latinLnBrk="0" hangingPunct="1">
       <a:defRPr sz="1800" kern="1200">
         <a:solidFill>
           <a:schemeClr val="tx1"/>
@@ -48,7 +49,7 @@
         <a:cs typeface="+mn-cs"/>
       </a:defRPr>
     </a:lvl3pPr>
-    <a:lvl4pPr marL="1371600" algn="l" defTabSz="914400" rtl="0" eaLnBrk="1" latinLnBrk="0" hangingPunct="1">
+    <a:lvl4pPr marL="1371600" algn="l" defTabSz="457200" rtl="0" eaLnBrk="1" latinLnBrk="0" hangingPunct="1">
       <a:defRPr sz="1800" kern="1200">
         <a:solidFill>
           <a:schemeClr val="tx1"/>
@@ -58,7 +59,7 @@
         <a:cs typeface="+mn-cs"/>
       </a:defRPr>
     </a:lvl4pPr>
-    <a:lvl5pPr marL="1828800" algn="l" defTabSz="914400" rtl="0" eaLnBrk="1" latinLnBrk="0" hangingPunct="1">
+    <a:lvl5pPr marL="1828800" algn="l" defTabSz="457200" rtl="0" eaLnBrk="1" latinLnBrk="0" hangingPunct="1">
       <a:defRPr sz="1800" kern="1200">
         <a:solidFill>
           <a:schemeClr val="tx1"/>
@@ -68,7 +69,7 @@
         <a:cs typeface="+mn-cs"/>
       </a:defRPr>
     </a:lvl5pPr>
-    <a:lvl6pPr marL="2286000" algn="l" defTabSz="914400" rtl="0" eaLnBrk="1" latinLnBrk="0" hangingPunct="1">
+    <a:lvl6pPr marL="2286000" algn="l" defTabSz="457200" rtl="0" eaLnBrk="1" latinLnBrk="0" hangingPunct="1">
       <a:defRPr sz="1800" kern="1200">
         <a:solidFill>
           <a:schemeClr val="tx1"/>
@@ -78,7 +79,7 @@
         <a:cs typeface="+mn-cs"/>
       </a:defRPr>
     </a:lvl6pPr>
-    <a:lvl7pPr marL="2743200" algn="l" defTabSz="914400" rtl="0" eaLnBrk="1" latinLnBrk="0" hangingPunct="1">
+    <a:lvl7pPr marL="2743200" algn="l" defTabSz="457200" rtl="0" eaLnBrk="1" latinLnBrk="0" hangingPunct="1">
       <a:defRPr sz="1800" kern="1200">
         <a:solidFill>
           <a:schemeClr val="tx1"/>
@@ -88,7 +89,7 @@
         <a:cs typeface="+mn-cs"/>
       </a:defRPr>
     </a:lvl7pPr>
-    <a:lvl8pPr marL="3200400" algn="l" defTabSz="914400" rtl="0" eaLnBrk="1" latinLnBrk="0" hangingPunct="1">
+    <a:lvl8pPr marL="3200400" algn="l" defTabSz="457200" rtl="0" eaLnBrk="1" latinLnBrk="0" hangingPunct="1">
       <a:defRPr sz="1800" kern="1200">
         <a:solidFill>
           <a:schemeClr val="tx1"/>
@@ -98,7 +99,7 @@
         <a:cs typeface="+mn-cs"/>
       </a:defRPr>
     </a:lvl8pPr>
-    <a:lvl9pPr marL="3657600" algn="l" defTabSz="914400" rtl="0" eaLnBrk="1" latinLnBrk="0" hangingPunct="1">
+    <a:lvl9pPr marL="3657600" algn="l" defTabSz="457200" rtl="0" eaLnBrk="1" latinLnBrk="0" hangingPunct="1">
       <a:defRPr sz="1800" kern="1200">
         <a:solidFill>
           <a:schemeClr val="tx1"/>
@@ -109,11 +110,20 @@
       </a:defRPr>
     </a:lvl9pPr>
   </p:defaultTextStyle>
+  <p:extLst>
+    <p:ext uri="{EFAFB233-063F-42B5-8137-9DF3F51BA10A}">
+      <p15:sldGuideLst xmlns:p15="http://schemas.microsoft.com/office/powerpoint/2012/main"/>
+    </p:ext>
+  </p:extLst>
 </p:presentation>
 </file>
 
+<file path=ppt/revisionInfo.xml><?xml version="1.0" encoding="utf-8"?>
+<p1510:revInfo xmlns:a="http://schemas.openxmlformats.org/drawingml/2006/main" xmlns:r="http://schemas.openxmlformats.org/officeDocument/2006/relationships" xmlns:p1510="http://schemas.microsoft.com/office/powerpoint/2015/10/main"/>
+</file>
+
 <file path=ppt/slideLayouts/slideLayout1.xml><?xml version="1.0" encoding="utf-8"?>
-<p:sldLayout xmlns:a="http://schemas.openxmlformats.org/drawingml/2006/main" xmlns:r="http://schemas.openxmlformats.org/officeDocument/2006/relationships" xmlns:p="http://schemas.openxmlformats.org/presentationml/2006/main" type="title" preserve="1">
+<p:sldLayout xmlns:a="http://schemas.openxmlformats.org/drawingml/2006/main" xmlns:r="http://schemas.openxmlformats.org/officeDocument/2006/relationships" xmlns:p="http://schemas.openxmlformats.org/presentationml/2006/main" showMasterSp="0" type="title" preserve="1">
   <p:cSld name="Titelfolie">
     <p:spTree>
       <p:nvGrpSpPr>
@@ -131,39 +141,127 @@
       </p:grpSpPr>
       <p:sp>
         <p:nvSpPr>
-          <p:cNvPr id="2" name="Titel 1"/>
-          <p:cNvSpPr>
-            <a:spLocks noGrp="1"/>
-          </p:cNvSpPr>
-          <p:nvPr>
-            <p:ph type="ctrTitle"/>
-          </p:nvPr>
+          <p:cNvPr id="7" name="Rectangle 6"/>
+          <p:cNvSpPr/>
+          <p:nvPr/>
         </p:nvSpPr>
         <p:spPr>
           <a:xfrm>
-            <a:off x="1524000" y="1122363"/>
-            <a:ext cx="9144000" cy="2387600"/>
+            <a:off x="1" y="6400800"/>
+            <a:ext cx="12192000" cy="457200"/>
+          </a:xfrm>
+          <a:prstGeom prst="rect">
+            <a:avLst/>
+          </a:prstGeom>
+          <a:solidFill>
+            <a:schemeClr val="accent2"/>
+          </a:solidFill>
+          <a:ln>
+            <a:noFill/>
+          </a:ln>
+        </p:spPr>
+        <p:style>
+          <a:lnRef idx="2">
+            <a:schemeClr val="accent1">
+              <a:shade val="50000"/>
+            </a:schemeClr>
+          </a:lnRef>
+          <a:fillRef idx="1">
+            <a:schemeClr val="accent1"/>
+          </a:fillRef>
+          <a:effectRef idx="0">
+            <a:schemeClr val="accent1"/>
+          </a:effectRef>
+          <a:fontRef idx="minor">
+            <a:schemeClr val="lt1"/>
+          </a:fontRef>
+        </p:style>
+      </p:sp>
+      <p:sp>
+        <p:nvSpPr>
+          <p:cNvPr id="8" name="Rectangle 7"/>
+          <p:cNvSpPr/>
+          <p:nvPr/>
+        </p:nvSpPr>
+        <p:spPr>
+          <a:xfrm>
+            <a:off x="1" y="6334316"/>
+            <a:ext cx="12192000" cy="66484"/>
+          </a:xfrm>
+          <a:prstGeom prst="rect">
+            <a:avLst/>
+          </a:prstGeom>
+          <a:solidFill>
+            <a:schemeClr val="accent1"/>
+          </a:solidFill>
+          <a:ln>
+            <a:noFill/>
+          </a:ln>
+        </p:spPr>
+        <p:style>
+          <a:lnRef idx="2">
+            <a:schemeClr val="accent1">
+              <a:shade val="50000"/>
+            </a:schemeClr>
+          </a:lnRef>
+          <a:fillRef idx="1">
+            <a:schemeClr val="accent1"/>
+          </a:fillRef>
+          <a:effectRef idx="0">
+            <a:schemeClr val="accent1"/>
+          </a:effectRef>
+          <a:fontRef idx="minor">
+            <a:schemeClr val="lt1"/>
+          </a:fontRef>
+        </p:style>
+      </p:sp>
+      <p:sp>
+        <p:nvSpPr>
+          <p:cNvPr id="2" name="Title 1"/>
+          <p:cNvSpPr>
+            <a:spLocks noGrp="1"/>
+          </p:cNvSpPr>
+          <p:nvPr>
+            <p:ph type="ctrTitle"/>
+          </p:nvPr>
+        </p:nvSpPr>
+        <p:spPr>
+          <a:xfrm>
+            <a:off x="1097280" y="758952"/>
+            <a:ext cx="10058400" cy="3566160"/>
           </a:xfrm>
         </p:spPr>
         <p:txBody>
-          <a:bodyPr anchor="b"/>
+          <a:bodyPr anchor="b">
+            <a:normAutofit/>
+          </a:bodyPr>
           <a:lstStyle>
-            <a:lvl1pPr algn="ctr">
-              <a:defRPr sz="6000"/>
+            <a:lvl1pPr algn="l">
+              <a:lnSpc>
+                <a:spcPct val="85000"/>
+              </a:lnSpc>
+              <a:defRPr sz="8000" spc="-50" baseline="0">
+                <a:solidFill>
+                  <a:schemeClr val="tx1">
+                    <a:lumMod val="85000"/>
+                    <a:lumOff val="15000"/>
+                  </a:schemeClr>
+                </a:solidFill>
+              </a:defRPr>
             </a:lvl1pPr>
           </a:lstStyle>
           <a:p>
             <a:r>
-              <a:rPr lang="de-DE" smtClean="0"/>
-              <a:t>Titelmasterformat durch Klicken bearbeiten</a:t>
-            </a:r>
-            <a:endParaRPr lang="de-DE"/>
-          </a:p>
-        </p:txBody>
-      </p:sp>
-      <p:sp>
-        <p:nvSpPr>
-          <p:cNvPr id="3" name="Untertitel 2"/>
+              <a:rPr lang="de-DE"/>
+              <a:t>Mastertitelformat bearbeiten</a:t>
+            </a:r>
+            <a:endParaRPr lang="en-US" dirty="0"/>
+          </a:p>
+        </p:txBody>
+      </p:sp>
+      <p:sp>
+        <p:nvSpPr>
+          <p:cNvPr id="3" name="Subtitle 2"/>
           <p:cNvSpPr>
             <a:spLocks noGrp="1"/>
           </p:cNvSpPr>
@@ -173,62 +271,69 @@
         </p:nvSpPr>
         <p:spPr>
           <a:xfrm>
-            <a:off x="1524000" y="3602038"/>
-            <a:ext cx="9144000" cy="1655762"/>
+            <a:off x="1100051" y="4455621"/>
+            <a:ext cx="10058400" cy="1143000"/>
           </a:xfrm>
         </p:spPr>
         <p:txBody>
-          <a:bodyPr/>
+          <a:bodyPr lIns="91440" rIns="91440">
+            <a:normAutofit/>
+          </a:bodyPr>
           <a:lstStyle>
-            <a:lvl1pPr marL="0" indent="0" algn="ctr">
-              <a:buNone/>
-              <a:defRPr sz="2400"/>
+            <a:lvl1pPr marL="0" indent="0" algn="l">
+              <a:buNone/>
+              <a:defRPr sz="2400" cap="all" spc="200" baseline="0">
+                <a:solidFill>
+                  <a:schemeClr val="tx2"/>
+                </a:solidFill>
+                <a:latin typeface="+mj-lt"/>
+              </a:defRPr>
             </a:lvl1pPr>
             <a:lvl2pPr marL="457200" indent="0" algn="ctr">
               <a:buNone/>
-              <a:defRPr sz="2000"/>
+              <a:defRPr sz="2400"/>
             </a:lvl2pPr>
             <a:lvl3pPr marL="914400" indent="0" algn="ctr">
               <a:buNone/>
-              <a:defRPr sz="1800"/>
+              <a:defRPr sz="2400"/>
             </a:lvl3pPr>
             <a:lvl4pPr marL="1371600" indent="0" algn="ctr">
               <a:buNone/>
-              <a:defRPr sz="1600"/>
+              <a:defRPr sz="2000"/>
             </a:lvl4pPr>
             <a:lvl5pPr marL="1828800" indent="0" algn="ctr">
               <a:buNone/>
-              <a:defRPr sz="1600"/>
+              <a:defRPr sz="2000"/>
             </a:lvl5pPr>
             <a:lvl6pPr marL="2286000" indent="0" algn="ctr">
               <a:buNone/>
-              <a:defRPr sz="1600"/>
+              <a:defRPr sz="2000"/>
             </a:lvl6pPr>
             <a:lvl7pPr marL="2743200" indent="0" algn="ctr">
               <a:buNone/>
-              <a:defRPr sz="1600"/>
+              <a:defRPr sz="2000"/>
             </a:lvl7pPr>
             <a:lvl8pPr marL="3200400" indent="0" algn="ctr">
               <a:buNone/>
-              <a:defRPr sz="1600"/>
+              <a:defRPr sz="2000"/>
             </a:lvl8pPr>
             <a:lvl9pPr marL="3657600" indent="0" algn="ctr">
               <a:buNone/>
-              <a:defRPr sz="1600"/>
+              <a:defRPr sz="2000"/>
             </a:lvl9pPr>
           </a:lstStyle>
           <a:p>
             <a:r>
-              <a:rPr lang="de-DE" smtClean="0"/>
-              <a:t>Formatvorlage des Untertitelmasters durch Klicken bearbeiten</a:t>
-            </a:r>
-            <a:endParaRPr lang="de-DE"/>
-          </a:p>
-        </p:txBody>
-      </p:sp>
-      <p:sp>
-        <p:nvSpPr>
-          <p:cNvPr id="4" name="Datumsplatzhalter 3"/>
+              <a:rPr lang="de-DE"/>
+              <a:t>Master-Untertitelformat bearbeiten</a:t>
+            </a:r>
+            <a:endParaRPr lang="en-US" dirty="0"/>
+          </a:p>
+        </p:txBody>
+      </p:sp>
+      <p:sp>
+        <p:nvSpPr>
+          <p:cNvPr id="4" name="Date Placeholder 3"/>
           <p:cNvSpPr>
             <a:spLocks noGrp="1"/>
           </p:cNvSpPr>
@@ -243,7 +348,7 @@
           <a:p>
             <a:fld id="{7EC124DD-4066-45EF-AAA0-5803FA57DC0A}" type="datetimeFigureOut">
               <a:rPr lang="de-DE" smtClean="0"/>
-              <a:t>02.02.2018</a:t>
+              <a:t>05.02.2018</a:t>
             </a:fld>
             <a:endParaRPr lang="de-DE"/>
           </a:p>
@@ -251,7 +356,7 @@
       </p:sp>
       <p:sp>
         <p:nvSpPr>
-          <p:cNvPr id="5" name="Fußzeilenplatzhalter 4"/>
+          <p:cNvPr id="5" name="Footer Placeholder 4"/>
           <p:cNvSpPr>
             <a:spLocks noGrp="1"/>
           </p:cNvSpPr>
@@ -270,7 +375,7 @@
       </p:sp>
       <p:sp>
         <p:nvSpPr>
-          <p:cNvPr id="6" name="Foliennummernplatzhalter 5"/>
+          <p:cNvPr id="6" name="Slide Number Placeholder 5"/>
           <p:cNvSpPr>
             <a:spLocks noGrp="1"/>
           </p:cNvSpPr>
@@ -291,10 +396,48 @@
           </a:p>
         </p:txBody>
       </p:sp>
+      <p:cxnSp>
+        <p:nvCxnSpPr>
+          <p:cNvPr id="9" name="Straight Connector 8"/>
+          <p:cNvCxnSpPr/>
+          <p:nvPr/>
+        </p:nvCxnSpPr>
+        <p:spPr>
+          <a:xfrm>
+            <a:off x="1207658" y="4343400"/>
+            <a:ext cx="9875520" cy="0"/>
+          </a:xfrm>
+          <a:prstGeom prst="line">
+            <a:avLst/>
+          </a:prstGeom>
+          <a:ln w="6350">
+            <a:solidFill>
+              <a:schemeClr val="tx1">
+                <a:lumMod val="50000"/>
+                <a:lumOff val="50000"/>
+              </a:schemeClr>
+            </a:solidFill>
+          </a:ln>
+        </p:spPr>
+        <p:style>
+          <a:lnRef idx="1">
+            <a:schemeClr val="accent1"/>
+          </a:lnRef>
+          <a:fillRef idx="0">
+            <a:schemeClr val="accent1"/>
+          </a:fillRef>
+          <a:effectRef idx="0">
+            <a:schemeClr val="accent1"/>
+          </a:effectRef>
+          <a:fontRef idx="minor">
+            <a:schemeClr val="tx1"/>
+          </a:fontRef>
+        </p:style>
+      </p:cxnSp>
     </p:spTree>
     <p:extLst>
       <p:ext uri="{BB962C8B-B14F-4D97-AF65-F5344CB8AC3E}">
-        <p14:creationId xmlns:p14="http://schemas.microsoft.com/office/powerpoint/2010/main" val="4219081326"/>
+        <p14:creationId xmlns:p14="http://schemas.microsoft.com/office/powerpoint/2010/main" val="599894408"/>
       </p:ext>
     </p:extLst>
   </p:cSld>
@@ -323,7 +466,7 @@
       </p:grpSpPr>
       <p:sp>
         <p:nvSpPr>
-          <p:cNvPr id="2" name="Titel 1"/>
+          <p:cNvPr id="2" name="Title 1"/>
           <p:cNvSpPr>
             <a:spLocks noGrp="1"/>
           </p:cNvSpPr>
@@ -337,16 +480,16 @@
           <a:lstStyle/>
           <a:p>
             <a:r>
-              <a:rPr lang="de-DE" smtClean="0"/>
-              <a:t>Titelmasterformat durch Klicken bearbeiten</a:t>
-            </a:r>
-            <a:endParaRPr lang="de-DE"/>
-          </a:p>
-        </p:txBody>
-      </p:sp>
-      <p:sp>
-        <p:nvSpPr>
-          <p:cNvPr id="3" name="Vertikaler Textplatzhalter 2"/>
+              <a:rPr lang="de-DE"/>
+              <a:t>Mastertitelformat bearbeiten</a:t>
+            </a:r>
+            <a:endParaRPr lang="en-US" dirty="0"/>
+          </a:p>
+        </p:txBody>
+      </p:sp>
+      <p:sp>
+        <p:nvSpPr>
+          <p:cNvPr id="3" name="Vertical Text Placeholder 2"/>
           <p:cNvSpPr>
             <a:spLocks noGrp="1"/>
           </p:cNvSpPr>
@@ -356,49 +499,49 @@
         </p:nvSpPr>
         <p:spPr/>
         <p:txBody>
-          <a:bodyPr vert="eaVert"/>
+          <a:bodyPr vert="eaVert" lIns="45720" tIns="0" rIns="45720" bIns="0"/>
           <a:lstStyle/>
           <a:p>
             <a:pPr lvl="0"/>
             <a:r>
-              <a:rPr lang="de-DE" smtClean="0"/>
-              <a:t>Formatvorlagen des Textmasters bearbeiten</a:t>
+              <a:rPr lang="de-DE"/>
+              <a:t>Mastertextformat bearbeiten</a:t>
             </a:r>
           </a:p>
           <a:p>
             <a:pPr lvl="1"/>
             <a:r>
-              <a:rPr lang="de-DE" smtClean="0"/>
+              <a:rPr lang="de-DE"/>
               <a:t>Zweite Ebene</a:t>
             </a:r>
           </a:p>
           <a:p>
             <a:pPr lvl="2"/>
             <a:r>
-              <a:rPr lang="de-DE" smtClean="0"/>
+              <a:rPr lang="de-DE"/>
               <a:t>Dritte Ebene</a:t>
             </a:r>
           </a:p>
           <a:p>
             <a:pPr lvl="3"/>
             <a:r>
-              <a:rPr lang="de-DE" smtClean="0"/>
+              <a:rPr lang="de-DE"/>
               <a:t>Vierte Ebene</a:t>
             </a:r>
           </a:p>
           <a:p>
             <a:pPr lvl="4"/>
             <a:r>
-              <a:rPr lang="de-DE" smtClean="0"/>
+              <a:rPr lang="de-DE"/>
               <a:t>Fünfte Ebene</a:t>
             </a:r>
-            <a:endParaRPr lang="de-DE"/>
-          </a:p>
-        </p:txBody>
-      </p:sp>
-      <p:sp>
-        <p:nvSpPr>
-          <p:cNvPr id="4" name="Datumsplatzhalter 3"/>
+            <a:endParaRPr lang="en-US" dirty="0"/>
+          </a:p>
+        </p:txBody>
+      </p:sp>
+      <p:sp>
+        <p:nvSpPr>
+          <p:cNvPr id="4" name="Date Placeholder 3"/>
           <p:cNvSpPr>
             <a:spLocks noGrp="1"/>
           </p:cNvSpPr>
@@ -413,7 +556,7 @@
           <a:p>
             <a:fld id="{7EC124DD-4066-45EF-AAA0-5803FA57DC0A}" type="datetimeFigureOut">
               <a:rPr lang="de-DE" smtClean="0"/>
-              <a:t>02.02.2018</a:t>
+              <a:t>05.02.2018</a:t>
             </a:fld>
             <a:endParaRPr lang="de-DE"/>
           </a:p>
@@ -421,7 +564,7 @@
       </p:sp>
       <p:sp>
         <p:nvSpPr>
-          <p:cNvPr id="5" name="Fußzeilenplatzhalter 4"/>
+          <p:cNvPr id="5" name="Footer Placeholder 4"/>
           <p:cNvSpPr>
             <a:spLocks noGrp="1"/>
           </p:cNvSpPr>
@@ -440,7 +583,7 @@
       </p:sp>
       <p:sp>
         <p:nvSpPr>
-          <p:cNvPr id="6" name="Foliennummernplatzhalter 5"/>
+          <p:cNvPr id="6" name="Slide Number Placeholder 5"/>
           <p:cNvSpPr>
             <a:spLocks noGrp="1"/>
           </p:cNvSpPr>
@@ -464,7 +607,7 @@
     </p:spTree>
     <p:extLst>
       <p:ext uri="{BB962C8B-B14F-4D97-AF65-F5344CB8AC3E}">
-        <p14:creationId xmlns:p14="http://schemas.microsoft.com/office/powerpoint/2010/main" val="1103743735"/>
+        <p14:creationId xmlns:p14="http://schemas.microsoft.com/office/powerpoint/2010/main" val="1016849468"/>
       </p:ext>
     </p:extLst>
   </p:cSld>
@@ -475,7 +618,7 @@
 </file>
 
 <file path=ppt/slideLayouts/slideLayout11.xml><?xml version="1.0" encoding="utf-8"?>
-<p:sldLayout xmlns:a="http://schemas.openxmlformats.org/drawingml/2006/main" xmlns:r="http://schemas.openxmlformats.org/officeDocument/2006/relationships" xmlns:p="http://schemas.openxmlformats.org/presentationml/2006/main" type="vertTitleAndTx" preserve="1">
+<p:sldLayout xmlns:a="http://schemas.openxmlformats.org/drawingml/2006/main" xmlns:r="http://schemas.openxmlformats.org/officeDocument/2006/relationships" xmlns:p="http://schemas.openxmlformats.org/presentationml/2006/main" showMasterSp="0" type="vertTitleAndTx" preserve="1">
   <p:cSld name="Vertikaler Titel und Text">
     <p:spTree>
       <p:nvGrpSpPr>
@@ -493,18 +636,94 @@
       </p:grpSpPr>
       <p:sp>
         <p:nvSpPr>
-          <p:cNvPr id="2" name="Vertikaler Titel 1"/>
-          <p:cNvSpPr>
-            <a:spLocks noGrp="1"/>
-          </p:cNvSpPr>
-          <p:nvPr>
-            <p:ph type="title" orient="vert"/>
-          </p:nvPr>
+          <p:cNvPr id="7" name="Rectangle 6"/>
+          <p:cNvSpPr/>
+          <p:nvPr/>
         </p:nvSpPr>
         <p:spPr>
           <a:xfrm>
-            <a:off x="8724900" y="365125"/>
-            <a:ext cx="2628900" cy="5811838"/>
+            <a:off x="3175" y="6400800"/>
+            <a:ext cx="12188825" cy="457200"/>
+          </a:xfrm>
+          <a:prstGeom prst="rect">
+            <a:avLst/>
+          </a:prstGeom>
+          <a:solidFill>
+            <a:schemeClr val="accent2"/>
+          </a:solidFill>
+          <a:ln>
+            <a:noFill/>
+          </a:ln>
+        </p:spPr>
+        <p:style>
+          <a:lnRef idx="2">
+            <a:schemeClr val="accent1">
+              <a:shade val="50000"/>
+            </a:schemeClr>
+          </a:lnRef>
+          <a:fillRef idx="1">
+            <a:schemeClr val="accent1"/>
+          </a:fillRef>
+          <a:effectRef idx="0">
+            <a:schemeClr val="accent1"/>
+          </a:effectRef>
+          <a:fontRef idx="minor">
+            <a:schemeClr val="lt1"/>
+          </a:fontRef>
+        </p:style>
+      </p:sp>
+      <p:sp>
+        <p:nvSpPr>
+          <p:cNvPr id="8" name="Rectangle 7"/>
+          <p:cNvSpPr/>
+          <p:nvPr/>
+        </p:nvSpPr>
+        <p:spPr>
+          <a:xfrm>
+            <a:off x="15" y="6334316"/>
+            <a:ext cx="12188825" cy="64008"/>
+          </a:xfrm>
+          <a:prstGeom prst="rect">
+            <a:avLst/>
+          </a:prstGeom>
+          <a:solidFill>
+            <a:schemeClr val="accent1"/>
+          </a:solidFill>
+          <a:ln>
+            <a:noFill/>
+          </a:ln>
+        </p:spPr>
+        <p:style>
+          <a:lnRef idx="2">
+            <a:schemeClr val="accent1">
+              <a:shade val="50000"/>
+            </a:schemeClr>
+          </a:lnRef>
+          <a:fillRef idx="1">
+            <a:schemeClr val="accent1"/>
+          </a:fillRef>
+          <a:effectRef idx="0">
+            <a:schemeClr val="accent1"/>
+          </a:effectRef>
+          <a:fontRef idx="minor">
+            <a:schemeClr val="lt1"/>
+          </a:fontRef>
+        </p:style>
+      </p:sp>
+      <p:sp>
+        <p:nvSpPr>
+          <p:cNvPr id="2" name="Vertical Title 1"/>
+          <p:cNvSpPr>
+            <a:spLocks noGrp="1"/>
+          </p:cNvSpPr>
+          <p:nvPr>
+            <p:ph type="title" orient="vert"/>
+          </p:nvPr>
+        </p:nvSpPr>
+        <p:spPr>
+          <a:xfrm>
+            <a:off x="8724900" y="412302"/>
+            <a:ext cx="2628900" cy="5759898"/>
           </a:xfrm>
         </p:spPr>
         <p:txBody>
@@ -512,16 +731,16 @@
           <a:lstStyle/>
           <a:p>
             <a:r>
-              <a:rPr lang="de-DE" smtClean="0"/>
-              <a:t>Titelmasterformat durch Klicken bearbeiten</a:t>
-            </a:r>
-            <a:endParaRPr lang="de-DE"/>
-          </a:p>
-        </p:txBody>
-      </p:sp>
-      <p:sp>
-        <p:nvSpPr>
-          <p:cNvPr id="3" name="Vertikaler Textplatzhalter 2"/>
+              <a:rPr lang="de-DE"/>
+              <a:t>Mastertitelformat bearbeiten</a:t>
+            </a:r>
+            <a:endParaRPr lang="en-US" dirty="0"/>
+          </a:p>
+        </p:txBody>
+      </p:sp>
+      <p:sp>
+        <p:nvSpPr>
+          <p:cNvPr id="3" name="Vertical Text Placeholder 2"/>
           <p:cNvSpPr>
             <a:spLocks noGrp="1"/>
           </p:cNvSpPr>
@@ -531,54 +750,54 @@
         </p:nvSpPr>
         <p:spPr>
           <a:xfrm>
-            <a:off x="838200" y="365125"/>
-            <a:ext cx="7734300" cy="5811838"/>
+            <a:off x="838200" y="412302"/>
+            <a:ext cx="7734300" cy="5759898"/>
           </a:xfrm>
         </p:spPr>
         <p:txBody>
-          <a:bodyPr vert="eaVert"/>
+          <a:bodyPr vert="eaVert" lIns="45720" tIns="0" rIns="45720" bIns="0"/>
           <a:lstStyle/>
           <a:p>
             <a:pPr lvl="0"/>
             <a:r>
-              <a:rPr lang="de-DE" smtClean="0"/>
-              <a:t>Formatvorlagen des Textmasters bearbeiten</a:t>
+              <a:rPr lang="de-DE"/>
+              <a:t>Mastertextformat bearbeiten</a:t>
             </a:r>
           </a:p>
           <a:p>
             <a:pPr lvl="1"/>
             <a:r>
-              <a:rPr lang="de-DE" smtClean="0"/>
+              <a:rPr lang="de-DE"/>
               <a:t>Zweite Ebene</a:t>
             </a:r>
           </a:p>
           <a:p>
             <a:pPr lvl="2"/>
             <a:r>
-              <a:rPr lang="de-DE" smtClean="0"/>
+              <a:rPr lang="de-DE"/>
               <a:t>Dritte Ebene</a:t>
             </a:r>
           </a:p>
           <a:p>
             <a:pPr lvl="3"/>
             <a:r>
-              <a:rPr lang="de-DE" smtClean="0"/>
+              <a:rPr lang="de-DE"/>
               <a:t>Vierte Ebene</a:t>
             </a:r>
           </a:p>
           <a:p>
             <a:pPr lvl="4"/>
             <a:r>
-              <a:rPr lang="de-DE" smtClean="0"/>
+              <a:rPr lang="de-DE"/>
               <a:t>Fünfte Ebene</a:t>
             </a:r>
-            <a:endParaRPr lang="de-DE"/>
-          </a:p>
-        </p:txBody>
-      </p:sp>
-      <p:sp>
-        <p:nvSpPr>
-          <p:cNvPr id="4" name="Datumsplatzhalter 3"/>
+            <a:endParaRPr lang="en-US" dirty="0"/>
+          </a:p>
+        </p:txBody>
+      </p:sp>
+      <p:sp>
+        <p:nvSpPr>
+          <p:cNvPr id="4" name="Date Placeholder 3"/>
           <p:cNvSpPr>
             <a:spLocks noGrp="1"/>
           </p:cNvSpPr>
@@ -593,7 +812,7 @@
           <a:p>
             <a:fld id="{7EC124DD-4066-45EF-AAA0-5803FA57DC0A}" type="datetimeFigureOut">
               <a:rPr lang="de-DE" smtClean="0"/>
-              <a:t>02.02.2018</a:t>
+              <a:t>05.02.2018</a:t>
             </a:fld>
             <a:endParaRPr lang="de-DE"/>
           </a:p>
@@ -601,7 +820,7 @@
       </p:sp>
       <p:sp>
         <p:nvSpPr>
-          <p:cNvPr id="5" name="Fußzeilenplatzhalter 4"/>
+          <p:cNvPr id="5" name="Footer Placeholder 4"/>
           <p:cNvSpPr>
             <a:spLocks noGrp="1"/>
           </p:cNvSpPr>
@@ -620,7 +839,7 @@
       </p:sp>
       <p:sp>
         <p:nvSpPr>
-          <p:cNvPr id="6" name="Foliennummernplatzhalter 5"/>
+          <p:cNvPr id="6" name="Slide Number Placeholder 5"/>
           <p:cNvSpPr>
             <a:spLocks noGrp="1"/>
           </p:cNvSpPr>
@@ -644,7 +863,7 @@
     </p:spTree>
     <p:extLst>
       <p:ext uri="{BB962C8B-B14F-4D97-AF65-F5344CB8AC3E}">
-        <p14:creationId xmlns:p14="http://schemas.microsoft.com/office/powerpoint/2010/main" val="3495342433"/>
+        <p14:creationId xmlns:p14="http://schemas.microsoft.com/office/powerpoint/2010/main" val="3414127684"/>
       </p:ext>
     </p:extLst>
   </p:cSld>
@@ -673,7 +892,7 @@
       </p:grpSpPr>
       <p:sp>
         <p:nvSpPr>
-          <p:cNvPr id="2" name="Titel 1"/>
+          <p:cNvPr id="2" name="Title 1"/>
           <p:cNvSpPr>
             <a:spLocks noGrp="1"/>
           </p:cNvSpPr>
@@ -687,16 +906,16 @@
           <a:lstStyle/>
           <a:p>
             <a:r>
-              <a:rPr lang="de-DE" smtClean="0"/>
-              <a:t>Titelmasterformat durch Klicken bearbeiten</a:t>
-            </a:r>
-            <a:endParaRPr lang="de-DE"/>
-          </a:p>
-        </p:txBody>
-      </p:sp>
-      <p:sp>
-        <p:nvSpPr>
-          <p:cNvPr id="3" name="Inhaltsplatzhalter 2"/>
+              <a:rPr lang="de-DE"/>
+              <a:t>Mastertitelformat bearbeiten</a:t>
+            </a:r>
+            <a:endParaRPr lang="en-US" dirty="0"/>
+          </a:p>
+        </p:txBody>
+      </p:sp>
+      <p:sp>
+        <p:nvSpPr>
+          <p:cNvPr id="3" name="Content Placeholder 2"/>
           <p:cNvSpPr>
             <a:spLocks noGrp="1"/>
           </p:cNvSpPr>
@@ -711,44 +930,44 @@
           <a:p>
             <a:pPr lvl="0"/>
             <a:r>
-              <a:rPr lang="de-DE" smtClean="0"/>
-              <a:t>Formatvorlagen des Textmasters bearbeiten</a:t>
+              <a:rPr lang="de-DE"/>
+              <a:t>Mastertextformat bearbeiten</a:t>
             </a:r>
           </a:p>
           <a:p>
             <a:pPr lvl="1"/>
             <a:r>
-              <a:rPr lang="de-DE" smtClean="0"/>
+              <a:rPr lang="de-DE"/>
               <a:t>Zweite Ebene</a:t>
             </a:r>
           </a:p>
           <a:p>
             <a:pPr lvl="2"/>
             <a:r>
-              <a:rPr lang="de-DE" smtClean="0"/>
+              <a:rPr lang="de-DE"/>
               <a:t>Dritte Ebene</a:t>
             </a:r>
           </a:p>
           <a:p>
             <a:pPr lvl="3"/>
             <a:r>
-              <a:rPr lang="de-DE" smtClean="0"/>
+              <a:rPr lang="de-DE"/>
               <a:t>Vierte Ebene</a:t>
             </a:r>
           </a:p>
           <a:p>
             <a:pPr lvl="4"/>
             <a:r>
-              <a:rPr lang="de-DE" smtClean="0"/>
+              <a:rPr lang="de-DE"/>
               <a:t>Fünfte Ebene</a:t>
             </a:r>
-            <a:endParaRPr lang="de-DE"/>
-          </a:p>
-        </p:txBody>
-      </p:sp>
-      <p:sp>
-        <p:nvSpPr>
-          <p:cNvPr id="4" name="Datumsplatzhalter 3"/>
+            <a:endParaRPr lang="en-US" dirty="0"/>
+          </a:p>
+        </p:txBody>
+      </p:sp>
+      <p:sp>
+        <p:nvSpPr>
+          <p:cNvPr id="4" name="Date Placeholder 3"/>
           <p:cNvSpPr>
             <a:spLocks noGrp="1"/>
           </p:cNvSpPr>
@@ -763,7 +982,7 @@
           <a:p>
             <a:fld id="{7EC124DD-4066-45EF-AAA0-5803FA57DC0A}" type="datetimeFigureOut">
               <a:rPr lang="de-DE" smtClean="0"/>
-              <a:t>02.02.2018</a:t>
+              <a:t>05.02.2018</a:t>
             </a:fld>
             <a:endParaRPr lang="de-DE"/>
           </a:p>
@@ -771,7 +990,7 @@
       </p:sp>
       <p:sp>
         <p:nvSpPr>
-          <p:cNvPr id="5" name="Fußzeilenplatzhalter 4"/>
+          <p:cNvPr id="5" name="Footer Placeholder 4"/>
           <p:cNvSpPr>
             <a:spLocks noGrp="1"/>
           </p:cNvSpPr>
@@ -790,7 +1009,7 @@
       </p:sp>
       <p:sp>
         <p:nvSpPr>
-          <p:cNvPr id="6" name="Foliennummernplatzhalter 5"/>
+          <p:cNvPr id="6" name="Slide Number Placeholder 5"/>
           <p:cNvSpPr>
             <a:spLocks noGrp="1"/>
           </p:cNvSpPr>
@@ -814,7 +1033,7 @@
     </p:spTree>
     <p:extLst>
       <p:ext uri="{BB962C8B-B14F-4D97-AF65-F5344CB8AC3E}">
-        <p14:creationId xmlns:p14="http://schemas.microsoft.com/office/powerpoint/2010/main" val="2814207497"/>
+        <p14:creationId xmlns:p14="http://schemas.microsoft.com/office/powerpoint/2010/main" val="2408906160"/>
       </p:ext>
     </p:extLst>
   </p:cSld>
@@ -825,8 +1044,16 @@
 </file>
 
 <file path=ppt/slideLayouts/slideLayout3.xml><?xml version="1.0" encoding="utf-8"?>
-<p:sldLayout xmlns:a="http://schemas.openxmlformats.org/drawingml/2006/main" xmlns:r="http://schemas.openxmlformats.org/officeDocument/2006/relationships" xmlns:p="http://schemas.openxmlformats.org/presentationml/2006/main" type="secHead" preserve="1">
+<p:sldLayout xmlns:a="http://schemas.openxmlformats.org/drawingml/2006/main" xmlns:r="http://schemas.openxmlformats.org/officeDocument/2006/relationships" xmlns:p="http://schemas.openxmlformats.org/presentationml/2006/main" showMasterSp="0" type="secHead" preserve="1">
   <p:cSld name="Abschnitts-&#10;überschrift">
+    <p:bg>
+      <p:bgPr>
+        <a:solidFill>
+          <a:schemeClr val="bg1"/>
+        </a:solidFill>
+        <a:effectLst/>
+      </p:bgPr>
+    </p:bg>
     <p:spTree>
       <p:nvGrpSpPr>
         <p:cNvPr id="1" name=""/>
@@ -843,68 +1070,157 @@
       </p:grpSpPr>
       <p:sp>
         <p:nvSpPr>
-          <p:cNvPr id="2" name="Titel 1"/>
-          <p:cNvSpPr>
-            <a:spLocks noGrp="1"/>
-          </p:cNvSpPr>
-          <p:nvPr>
-            <p:ph type="title"/>
-          </p:nvPr>
+          <p:cNvPr id="7" name="Rectangle 6"/>
+          <p:cNvSpPr/>
+          <p:nvPr/>
         </p:nvSpPr>
         <p:spPr>
           <a:xfrm>
-            <a:off x="831850" y="1709738"/>
-            <a:ext cx="10515600" cy="2852737"/>
+            <a:off x="3175" y="6400800"/>
+            <a:ext cx="12188825" cy="457200"/>
+          </a:xfrm>
+          <a:prstGeom prst="rect">
+            <a:avLst/>
+          </a:prstGeom>
+          <a:solidFill>
+            <a:schemeClr val="accent2"/>
+          </a:solidFill>
+          <a:ln>
+            <a:noFill/>
+          </a:ln>
+        </p:spPr>
+        <p:style>
+          <a:lnRef idx="2">
+            <a:schemeClr val="accent1">
+              <a:shade val="50000"/>
+            </a:schemeClr>
+          </a:lnRef>
+          <a:fillRef idx="1">
+            <a:schemeClr val="accent1"/>
+          </a:fillRef>
+          <a:effectRef idx="0">
+            <a:schemeClr val="accent1"/>
+          </a:effectRef>
+          <a:fontRef idx="minor">
+            <a:schemeClr val="lt1"/>
+          </a:fontRef>
+        </p:style>
+      </p:sp>
+      <p:sp>
+        <p:nvSpPr>
+          <p:cNvPr id="8" name="Rectangle 7"/>
+          <p:cNvSpPr/>
+          <p:nvPr/>
+        </p:nvSpPr>
+        <p:spPr>
+          <a:xfrm>
+            <a:off x="15" y="6334316"/>
+            <a:ext cx="12188825" cy="64008"/>
+          </a:xfrm>
+          <a:prstGeom prst="rect">
+            <a:avLst/>
+          </a:prstGeom>
+          <a:solidFill>
+            <a:schemeClr val="accent1"/>
+          </a:solidFill>
+          <a:ln>
+            <a:noFill/>
+          </a:ln>
+        </p:spPr>
+        <p:style>
+          <a:lnRef idx="2">
+            <a:schemeClr val="accent1">
+              <a:shade val="50000"/>
+            </a:schemeClr>
+          </a:lnRef>
+          <a:fillRef idx="1">
+            <a:schemeClr val="accent1"/>
+          </a:fillRef>
+          <a:effectRef idx="0">
+            <a:schemeClr val="accent1"/>
+          </a:effectRef>
+          <a:fontRef idx="minor">
+            <a:schemeClr val="lt1"/>
+          </a:fontRef>
+        </p:style>
+      </p:sp>
+      <p:sp>
+        <p:nvSpPr>
+          <p:cNvPr id="2" name="Title 1"/>
+          <p:cNvSpPr>
+            <a:spLocks noGrp="1"/>
+          </p:cNvSpPr>
+          <p:nvPr>
+            <p:ph type="title"/>
+          </p:nvPr>
+        </p:nvSpPr>
+        <p:spPr>
+          <a:xfrm>
+            <a:off x="1097280" y="758952"/>
+            <a:ext cx="10058400" cy="3566160"/>
           </a:xfrm>
         </p:spPr>
         <p:txBody>
-          <a:bodyPr anchor="b"/>
+          <a:bodyPr anchor="b" anchorCtr="0">
+            <a:normAutofit/>
+          </a:bodyPr>
           <a:lstStyle>
             <a:lvl1pPr>
-              <a:defRPr sz="6000"/>
-            </a:lvl1pPr>
-          </a:lstStyle>
-          <a:p>
-            <a:r>
-              <a:rPr lang="de-DE" smtClean="0"/>
-              <a:t>Titelmasterformat durch Klicken bearbeiten</a:t>
-            </a:r>
-            <a:endParaRPr lang="de-DE"/>
-          </a:p>
-        </p:txBody>
-      </p:sp>
-      <p:sp>
-        <p:nvSpPr>
-          <p:cNvPr id="3" name="Textplatzhalter 2"/>
-          <p:cNvSpPr>
-            <a:spLocks noGrp="1"/>
-          </p:cNvSpPr>
-          <p:nvPr>
-            <p:ph type="body" idx="1"/>
-          </p:nvPr>
-        </p:nvSpPr>
-        <p:spPr>
-          <a:xfrm>
-            <a:off x="831850" y="4589463"/>
-            <a:ext cx="10515600" cy="1500187"/>
-          </a:xfrm>
-        </p:spPr>
-        <p:txBody>
-          <a:bodyPr/>
-          <a:lstStyle>
-            <a:lvl1pPr marL="0" indent="0">
-              <a:buNone/>
-              <a:defRPr sz="2400">
+              <a:lnSpc>
+                <a:spcPct val="85000"/>
+              </a:lnSpc>
+              <a:defRPr sz="8000" b="0">
                 <a:solidFill>
                   <a:schemeClr val="tx1">
-                    <a:tint val="75000"/>
+                    <a:lumMod val="85000"/>
+                    <a:lumOff val="15000"/>
                   </a:schemeClr>
                 </a:solidFill>
               </a:defRPr>
             </a:lvl1pPr>
+          </a:lstStyle>
+          <a:p>
+            <a:r>
+              <a:rPr lang="de-DE"/>
+              <a:t>Mastertitelformat bearbeiten</a:t>
+            </a:r>
+            <a:endParaRPr lang="en-US" dirty="0"/>
+          </a:p>
+        </p:txBody>
+      </p:sp>
+      <p:sp>
+        <p:nvSpPr>
+          <p:cNvPr id="3" name="Text Placeholder 2"/>
+          <p:cNvSpPr>
+            <a:spLocks noGrp="1"/>
+          </p:cNvSpPr>
+          <p:nvPr>
+            <p:ph type="body" idx="1"/>
+          </p:nvPr>
+        </p:nvSpPr>
+        <p:spPr>
+          <a:xfrm>
+            <a:off x="1097280" y="4453128"/>
+            <a:ext cx="10058400" cy="1143000"/>
+          </a:xfrm>
+        </p:spPr>
+        <p:txBody>
+          <a:bodyPr lIns="91440" rIns="91440" anchor="t" anchorCtr="0">
+            <a:normAutofit/>
+          </a:bodyPr>
+          <a:lstStyle>
+            <a:lvl1pPr marL="0" indent="0">
+              <a:buNone/>
+              <a:defRPr sz="2400" cap="all" spc="200" baseline="0">
+                <a:solidFill>
+                  <a:schemeClr val="tx2"/>
+                </a:solidFill>
+                <a:latin typeface="+mj-lt"/>
+              </a:defRPr>
+            </a:lvl1pPr>
             <a:lvl2pPr marL="457200" indent="0">
               <a:buNone/>
-              <a:defRPr sz="2000">
+              <a:defRPr sz="1800">
                 <a:solidFill>
                   <a:schemeClr val="tx1">
                     <a:tint val="75000"/>
@@ -914,7 +1230,7 @@
             </a:lvl2pPr>
             <a:lvl3pPr marL="914400" indent="0">
               <a:buNone/>
-              <a:defRPr sz="1800">
+              <a:defRPr sz="1600">
                 <a:solidFill>
                   <a:schemeClr val="tx1">
                     <a:tint val="75000"/>
@@ -924,7 +1240,7 @@
             </a:lvl3pPr>
             <a:lvl4pPr marL="1371600" indent="0">
               <a:buNone/>
-              <a:defRPr sz="1600">
+              <a:defRPr sz="1400">
                 <a:solidFill>
                   <a:schemeClr val="tx1">
                     <a:tint val="75000"/>
@@ -934,7 +1250,7 @@
             </a:lvl4pPr>
             <a:lvl5pPr marL="1828800" indent="0">
               <a:buNone/>
-              <a:defRPr sz="1600">
+              <a:defRPr sz="1400">
                 <a:solidFill>
                   <a:schemeClr val="tx1">
                     <a:tint val="75000"/>
@@ -944,7 +1260,7 @@
             </a:lvl5pPr>
             <a:lvl6pPr marL="2286000" indent="0">
               <a:buNone/>
-              <a:defRPr sz="1600">
+              <a:defRPr sz="1400">
                 <a:solidFill>
                   <a:schemeClr val="tx1">
                     <a:tint val="75000"/>
@@ -954,7 +1270,7 @@
             </a:lvl6pPr>
             <a:lvl7pPr marL="2743200" indent="0">
               <a:buNone/>
-              <a:defRPr sz="1600">
+              <a:defRPr sz="1400">
                 <a:solidFill>
                   <a:schemeClr val="tx1">
                     <a:tint val="75000"/>
@@ -964,7 +1280,7 @@
             </a:lvl7pPr>
             <a:lvl8pPr marL="3200400" indent="0">
               <a:buNone/>
-              <a:defRPr sz="1600">
+              <a:defRPr sz="1400">
                 <a:solidFill>
                   <a:schemeClr val="tx1">
                     <a:tint val="75000"/>
@@ -974,7 +1290,7 @@
             </a:lvl8pPr>
             <a:lvl9pPr marL="3657600" indent="0">
               <a:buNone/>
-              <a:defRPr sz="1600">
+              <a:defRPr sz="1400">
                 <a:solidFill>
                   <a:schemeClr val="tx1">
                     <a:tint val="75000"/>
@@ -986,15 +1302,15 @@
           <a:p>
             <a:pPr lvl="0"/>
             <a:r>
-              <a:rPr lang="de-DE" smtClean="0"/>
-              <a:t>Formatvorlagen des Textmasters bearbeiten</a:t>
-            </a:r>
-          </a:p>
-        </p:txBody>
-      </p:sp>
-      <p:sp>
-        <p:nvSpPr>
-          <p:cNvPr id="4" name="Datumsplatzhalter 3"/>
+              <a:rPr lang="de-DE"/>
+              <a:t>Mastertextformat bearbeiten</a:t>
+            </a:r>
+          </a:p>
+        </p:txBody>
+      </p:sp>
+      <p:sp>
+        <p:nvSpPr>
+          <p:cNvPr id="4" name="Date Placeholder 3"/>
           <p:cNvSpPr>
             <a:spLocks noGrp="1"/>
           </p:cNvSpPr>
@@ -1009,7 +1325,7 @@
           <a:p>
             <a:fld id="{7EC124DD-4066-45EF-AAA0-5803FA57DC0A}" type="datetimeFigureOut">
               <a:rPr lang="de-DE" smtClean="0"/>
-              <a:t>02.02.2018</a:t>
+              <a:t>05.02.2018</a:t>
             </a:fld>
             <a:endParaRPr lang="de-DE"/>
           </a:p>
@@ -1017,7 +1333,7 @@
       </p:sp>
       <p:sp>
         <p:nvSpPr>
-          <p:cNvPr id="5" name="Fußzeilenplatzhalter 4"/>
+          <p:cNvPr id="5" name="Footer Placeholder 4"/>
           <p:cNvSpPr>
             <a:spLocks noGrp="1"/>
           </p:cNvSpPr>
@@ -1036,7 +1352,7 @@
       </p:sp>
       <p:sp>
         <p:nvSpPr>
-          <p:cNvPr id="6" name="Foliennummernplatzhalter 5"/>
+          <p:cNvPr id="6" name="Slide Number Placeholder 5"/>
           <p:cNvSpPr>
             <a:spLocks noGrp="1"/>
           </p:cNvSpPr>
@@ -1057,10 +1373,48 @@
           </a:p>
         </p:txBody>
       </p:sp>
+      <p:cxnSp>
+        <p:nvCxnSpPr>
+          <p:cNvPr id="9" name="Straight Connector 8"/>
+          <p:cNvCxnSpPr/>
+          <p:nvPr/>
+        </p:nvCxnSpPr>
+        <p:spPr>
+          <a:xfrm>
+            <a:off x="1207658" y="4343400"/>
+            <a:ext cx="9875520" cy="0"/>
+          </a:xfrm>
+          <a:prstGeom prst="line">
+            <a:avLst/>
+          </a:prstGeom>
+          <a:ln w="6350">
+            <a:solidFill>
+              <a:schemeClr val="tx1">
+                <a:lumMod val="50000"/>
+                <a:lumOff val="50000"/>
+              </a:schemeClr>
+            </a:solidFill>
+          </a:ln>
+        </p:spPr>
+        <p:style>
+          <a:lnRef idx="1">
+            <a:schemeClr val="accent1"/>
+          </a:lnRef>
+          <a:fillRef idx="0">
+            <a:schemeClr val="accent1"/>
+          </a:fillRef>
+          <a:effectRef idx="0">
+            <a:schemeClr val="accent1"/>
+          </a:effectRef>
+          <a:fontRef idx="minor">
+            <a:schemeClr val="tx1"/>
+          </a:fontRef>
+        </p:style>
+      </p:cxnSp>
     </p:spTree>
     <p:extLst>
       <p:ext uri="{BB962C8B-B14F-4D97-AF65-F5344CB8AC3E}">
-        <p14:creationId xmlns:p14="http://schemas.microsoft.com/office/powerpoint/2010/main" val="2230745505"/>
+        <p14:creationId xmlns:p14="http://schemas.microsoft.com/office/powerpoint/2010/main" val="3071435038"/>
       </p:ext>
     </p:extLst>
   </p:cSld>
@@ -1089,98 +1443,46 @@
       </p:grpSpPr>
       <p:sp>
         <p:nvSpPr>
-          <p:cNvPr id="2" name="Titel 1"/>
+          <p:cNvPr id="8" name="Title 7"/>
           <p:cNvSpPr>
             <a:spLocks noGrp="1"/>
           </p:cNvSpPr>
           <p:nvPr>
             <p:ph type="title"/>
-          </p:nvPr>
-        </p:nvSpPr>
-        <p:spPr/>
-        <p:txBody>
-          <a:bodyPr/>
-          <a:lstStyle/>
-          <a:p>
-            <a:r>
-              <a:rPr lang="de-DE" smtClean="0"/>
-              <a:t>Titelmasterformat durch Klicken bearbeiten</a:t>
-            </a:r>
-            <a:endParaRPr lang="de-DE"/>
-          </a:p>
-        </p:txBody>
-      </p:sp>
-      <p:sp>
-        <p:nvSpPr>
-          <p:cNvPr id="3" name="Inhaltsplatzhalter 2"/>
-          <p:cNvSpPr>
-            <a:spLocks noGrp="1"/>
-          </p:cNvSpPr>
-          <p:nvPr>
-            <p:ph sz="half" idx="1"/>
           </p:nvPr>
         </p:nvSpPr>
         <p:spPr>
           <a:xfrm>
-            <a:off x="838200" y="1825625"/>
-            <a:ext cx="5181600" cy="4351338"/>
+            <a:off x="1097280" y="286603"/>
+            <a:ext cx="10058400" cy="1450757"/>
           </a:xfrm>
         </p:spPr>
         <p:txBody>
           <a:bodyPr/>
           <a:lstStyle/>
           <a:p>
-            <a:pPr lvl="0"/>
-            <a:r>
-              <a:rPr lang="de-DE" smtClean="0"/>
-              <a:t>Formatvorlagen des Textmasters bearbeiten</a:t>
-            </a:r>
-          </a:p>
-          <a:p>
-            <a:pPr lvl="1"/>
-            <a:r>
-              <a:rPr lang="de-DE" smtClean="0"/>
-              <a:t>Zweite Ebene</a:t>
-            </a:r>
-          </a:p>
-          <a:p>
-            <a:pPr lvl="2"/>
-            <a:r>
-              <a:rPr lang="de-DE" smtClean="0"/>
-              <a:t>Dritte Ebene</a:t>
-            </a:r>
-          </a:p>
-          <a:p>
-            <a:pPr lvl="3"/>
-            <a:r>
-              <a:rPr lang="de-DE" smtClean="0"/>
-              <a:t>Vierte Ebene</a:t>
-            </a:r>
-          </a:p>
-          <a:p>
-            <a:pPr lvl="4"/>
-            <a:r>
-              <a:rPr lang="de-DE" smtClean="0"/>
-              <a:t>Fünfte Ebene</a:t>
-            </a:r>
-            <a:endParaRPr lang="de-DE"/>
-          </a:p>
-        </p:txBody>
-      </p:sp>
-      <p:sp>
-        <p:nvSpPr>
-          <p:cNvPr id="4" name="Inhaltsplatzhalter 3"/>
-          <p:cNvSpPr>
-            <a:spLocks noGrp="1"/>
-          </p:cNvSpPr>
-          <p:nvPr>
-            <p:ph sz="half" idx="2"/>
+            <a:r>
+              <a:rPr lang="de-DE"/>
+              <a:t>Mastertitelformat bearbeiten</a:t>
+            </a:r>
+            <a:endParaRPr lang="en-US" dirty="0"/>
+          </a:p>
+        </p:txBody>
+      </p:sp>
+      <p:sp>
+        <p:nvSpPr>
+          <p:cNvPr id="3" name="Content Placeholder 2"/>
+          <p:cNvSpPr>
+            <a:spLocks noGrp="1"/>
+          </p:cNvSpPr>
+          <p:nvPr>
+            <p:ph sz="half" idx="1"/>
           </p:nvPr>
         </p:nvSpPr>
         <p:spPr>
           <a:xfrm>
-            <a:off x="6172200" y="1825625"/>
-            <a:ext cx="5181600" cy="4351338"/>
+            <a:off x="1097280" y="1845734"/>
+            <a:ext cx="4937760" cy="4023359"/>
           </a:xfrm>
         </p:spPr>
         <p:txBody>
@@ -1189,44 +1491,101 @@
           <a:p>
             <a:pPr lvl="0"/>
             <a:r>
-              <a:rPr lang="de-DE" smtClean="0"/>
-              <a:t>Formatvorlagen des Textmasters bearbeiten</a:t>
+              <a:rPr lang="de-DE"/>
+              <a:t>Mastertextformat bearbeiten</a:t>
             </a:r>
           </a:p>
           <a:p>
             <a:pPr lvl="1"/>
             <a:r>
-              <a:rPr lang="de-DE" smtClean="0"/>
+              <a:rPr lang="de-DE"/>
               <a:t>Zweite Ebene</a:t>
             </a:r>
           </a:p>
           <a:p>
             <a:pPr lvl="2"/>
             <a:r>
-              <a:rPr lang="de-DE" smtClean="0"/>
+              <a:rPr lang="de-DE"/>
               <a:t>Dritte Ebene</a:t>
             </a:r>
           </a:p>
           <a:p>
             <a:pPr lvl="3"/>
             <a:r>
-              <a:rPr lang="de-DE" smtClean="0"/>
+              <a:rPr lang="de-DE"/>
               <a:t>Vierte Ebene</a:t>
             </a:r>
           </a:p>
           <a:p>
             <a:pPr lvl="4"/>
             <a:r>
-              <a:rPr lang="de-DE" smtClean="0"/>
+              <a:rPr lang="de-DE"/>
               <a:t>Fünfte Ebene</a:t>
             </a:r>
-            <a:endParaRPr lang="de-DE"/>
-          </a:p>
-        </p:txBody>
-      </p:sp>
-      <p:sp>
-        <p:nvSpPr>
-          <p:cNvPr id="5" name="Datumsplatzhalter 4"/>
+            <a:endParaRPr lang="en-US" dirty="0"/>
+          </a:p>
+        </p:txBody>
+      </p:sp>
+      <p:sp>
+        <p:nvSpPr>
+          <p:cNvPr id="4" name="Content Placeholder 3"/>
+          <p:cNvSpPr>
+            <a:spLocks noGrp="1"/>
+          </p:cNvSpPr>
+          <p:nvPr>
+            <p:ph sz="half" idx="2"/>
+          </p:nvPr>
+        </p:nvSpPr>
+        <p:spPr>
+          <a:xfrm>
+            <a:off x="6217920" y="1845735"/>
+            <a:ext cx="4937760" cy="4023360"/>
+          </a:xfrm>
+        </p:spPr>
+        <p:txBody>
+          <a:bodyPr/>
+          <a:lstStyle/>
+          <a:p>
+            <a:pPr lvl="0"/>
+            <a:r>
+              <a:rPr lang="de-DE"/>
+              <a:t>Mastertextformat bearbeiten</a:t>
+            </a:r>
+          </a:p>
+          <a:p>
+            <a:pPr lvl="1"/>
+            <a:r>
+              <a:rPr lang="de-DE"/>
+              <a:t>Zweite Ebene</a:t>
+            </a:r>
+          </a:p>
+          <a:p>
+            <a:pPr lvl="2"/>
+            <a:r>
+              <a:rPr lang="de-DE"/>
+              <a:t>Dritte Ebene</a:t>
+            </a:r>
+          </a:p>
+          <a:p>
+            <a:pPr lvl="3"/>
+            <a:r>
+              <a:rPr lang="de-DE"/>
+              <a:t>Vierte Ebene</a:t>
+            </a:r>
+          </a:p>
+          <a:p>
+            <a:pPr lvl="4"/>
+            <a:r>
+              <a:rPr lang="de-DE"/>
+              <a:t>Fünfte Ebene</a:t>
+            </a:r>
+            <a:endParaRPr lang="en-US" dirty="0"/>
+          </a:p>
+        </p:txBody>
+      </p:sp>
+      <p:sp>
+        <p:nvSpPr>
+          <p:cNvPr id="5" name="Date Placeholder 4"/>
           <p:cNvSpPr>
             <a:spLocks noGrp="1"/>
           </p:cNvSpPr>
@@ -1241,7 +1600,7 @@
           <a:p>
             <a:fld id="{7EC124DD-4066-45EF-AAA0-5803FA57DC0A}" type="datetimeFigureOut">
               <a:rPr lang="de-DE" smtClean="0"/>
-              <a:t>02.02.2018</a:t>
+              <a:t>05.02.2018</a:t>
             </a:fld>
             <a:endParaRPr lang="de-DE"/>
           </a:p>
@@ -1249,7 +1608,7 @@
       </p:sp>
       <p:sp>
         <p:nvSpPr>
-          <p:cNvPr id="6" name="Fußzeilenplatzhalter 5"/>
+          <p:cNvPr id="6" name="Footer Placeholder 5"/>
           <p:cNvSpPr>
             <a:spLocks noGrp="1"/>
           </p:cNvSpPr>
@@ -1268,7 +1627,7 @@
       </p:sp>
       <p:sp>
         <p:nvSpPr>
-          <p:cNvPr id="7" name="Foliennummernplatzhalter 6"/>
+          <p:cNvPr id="7" name="Slide Number Placeholder 6"/>
           <p:cNvSpPr>
             <a:spLocks noGrp="1"/>
           </p:cNvSpPr>
@@ -1292,7 +1651,7 @@
     </p:spTree>
     <p:extLst>
       <p:ext uri="{BB962C8B-B14F-4D97-AF65-F5344CB8AC3E}">
-        <p14:creationId xmlns:p14="http://schemas.microsoft.com/office/powerpoint/2010/main" val="3539418394"/>
+        <p14:creationId xmlns:p14="http://schemas.microsoft.com/office/powerpoint/2010/main" val="3733516436"/>
       </p:ext>
     </p:extLst>
   </p:cSld>
@@ -1321,7 +1680,7 @@
       </p:grpSpPr>
       <p:sp>
         <p:nvSpPr>
-          <p:cNvPr id="2" name="Titel 1"/>
+          <p:cNvPr id="10" name="Title 9"/>
           <p:cNvSpPr>
             <a:spLocks noGrp="1"/>
           </p:cNvSpPr>
@@ -1331,8 +1690,8 @@
         </p:nvSpPr>
         <p:spPr>
           <a:xfrm>
-            <a:off x="839788" y="365125"/>
-            <a:ext cx="10515600" cy="1325563"/>
+            <a:off x="1097280" y="286603"/>
+            <a:ext cx="10058400" cy="1450757"/>
           </a:xfrm>
         </p:spPr>
         <p:txBody>
@@ -1340,16 +1699,16 @@
           <a:lstStyle/>
           <a:p>
             <a:r>
-              <a:rPr lang="de-DE" smtClean="0"/>
-              <a:t>Titelmasterformat durch Klicken bearbeiten</a:t>
-            </a:r>
-            <a:endParaRPr lang="de-DE"/>
-          </a:p>
-        </p:txBody>
-      </p:sp>
-      <p:sp>
-        <p:nvSpPr>
-          <p:cNvPr id="3" name="Textplatzhalter 2"/>
+              <a:rPr lang="de-DE"/>
+              <a:t>Mastertitelformat bearbeiten</a:t>
+            </a:r>
+            <a:endParaRPr lang="en-US" dirty="0"/>
+          </a:p>
+        </p:txBody>
+      </p:sp>
+      <p:sp>
+        <p:nvSpPr>
+          <p:cNvPr id="3" name="Text Placeholder 2"/>
           <p:cNvSpPr>
             <a:spLocks noGrp="1"/>
           </p:cNvSpPr>
@@ -1359,16 +1718,22 @@
         </p:nvSpPr>
         <p:spPr>
           <a:xfrm>
-            <a:off x="839788" y="1681163"/>
-            <a:ext cx="5157787" cy="823912"/>
+            <a:off x="1097280" y="1846052"/>
+            <a:ext cx="4937760" cy="736282"/>
           </a:xfrm>
         </p:spPr>
         <p:txBody>
-          <a:bodyPr anchor="b"/>
+          <a:bodyPr lIns="91440" rIns="91440" anchor="ctr">
+            <a:normAutofit/>
+          </a:bodyPr>
           <a:lstStyle>
             <a:lvl1pPr marL="0" indent="0">
               <a:buNone/>
-              <a:defRPr sz="2400" b="1"/>
+              <a:defRPr sz="2000" b="0" cap="all" baseline="0">
+                <a:solidFill>
+                  <a:schemeClr val="tx2"/>
+                </a:solidFill>
+              </a:defRPr>
             </a:lvl1pPr>
             <a:lvl2pPr marL="457200" indent="0">
               <a:buNone/>
@@ -1406,15 +1771,15 @@
           <a:p>
             <a:pPr lvl="0"/>
             <a:r>
-              <a:rPr lang="de-DE" smtClean="0"/>
-              <a:t>Formatvorlagen des Textmasters bearbeiten</a:t>
-            </a:r>
-          </a:p>
-        </p:txBody>
-      </p:sp>
-      <p:sp>
-        <p:nvSpPr>
-          <p:cNvPr id="4" name="Inhaltsplatzhalter 3"/>
+              <a:rPr lang="de-DE"/>
+              <a:t>Mastertextformat bearbeiten</a:t>
+            </a:r>
+          </a:p>
+        </p:txBody>
+      </p:sp>
+      <p:sp>
+        <p:nvSpPr>
+          <p:cNvPr id="4" name="Content Placeholder 3"/>
           <p:cNvSpPr>
             <a:spLocks noGrp="1"/>
           </p:cNvSpPr>
@@ -1424,8 +1789,8 @@
         </p:nvSpPr>
         <p:spPr>
           <a:xfrm>
-            <a:off x="839788" y="2505075"/>
-            <a:ext cx="5157787" cy="3684588"/>
+            <a:off x="1097280" y="2582335"/>
+            <a:ext cx="4937760" cy="3286760"/>
           </a:xfrm>
         </p:spPr>
         <p:txBody>
@@ -1434,44 +1799,44 @@
           <a:p>
             <a:pPr lvl="0"/>
             <a:r>
-              <a:rPr lang="de-DE" smtClean="0"/>
-              <a:t>Formatvorlagen des Textmasters bearbeiten</a:t>
+              <a:rPr lang="de-DE"/>
+              <a:t>Mastertextformat bearbeiten</a:t>
             </a:r>
           </a:p>
           <a:p>
             <a:pPr lvl="1"/>
             <a:r>
-              <a:rPr lang="de-DE" smtClean="0"/>
+              <a:rPr lang="de-DE"/>
               <a:t>Zweite Ebene</a:t>
             </a:r>
           </a:p>
           <a:p>
             <a:pPr lvl="2"/>
             <a:r>
-              <a:rPr lang="de-DE" smtClean="0"/>
+              <a:rPr lang="de-DE"/>
               <a:t>Dritte Ebene</a:t>
             </a:r>
           </a:p>
           <a:p>
             <a:pPr lvl="3"/>
             <a:r>
-              <a:rPr lang="de-DE" smtClean="0"/>
+              <a:rPr lang="de-DE"/>
               <a:t>Vierte Ebene</a:t>
             </a:r>
           </a:p>
           <a:p>
             <a:pPr lvl="4"/>
             <a:r>
-              <a:rPr lang="de-DE" smtClean="0"/>
+              <a:rPr lang="de-DE"/>
               <a:t>Fünfte Ebene</a:t>
             </a:r>
-            <a:endParaRPr lang="de-DE"/>
-          </a:p>
-        </p:txBody>
-      </p:sp>
-      <p:sp>
-        <p:nvSpPr>
-          <p:cNvPr id="5" name="Textplatzhalter 4"/>
+            <a:endParaRPr lang="en-US" dirty="0"/>
+          </a:p>
+        </p:txBody>
+      </p:sp>
+      <p:sp>
+        <p:nvSpPr>
+          <p:cNvPr id="5" name="Text Placeholder 4"/>
           <p:cNvSpPr>
             <a:spLocks noGrp="1"/>
           </p:cNvSpPr>
@@ -1481,16 +1846,22 @@
         </p:nvSpPr>
         <p:spPr>
           <a:xfrm>
-            <a:off x="6172200" y="1681163"/>
-            <a:ext cx="5183188" cy="823912"/>
+            <a:off x="6217920" y="1846052"/>
+            <a:ext cx="4937760" cy="736282"/>
           </a:xfrm>
         </p:spPr>
         <p:txBody>
-          <a:bodyPr anchor="b"/>
+          <a:bodyPr lIns="91440" rIns="91440" anchor="ctr">
+            <a:normAutofit/>
+          </a:bodyPr>
           <a:lstStyle>
             <a:lvl1pPr marL="0" indent="0">
               <a:buNone/>
-              <a:defRPr sz="2400" b="1"/>
+              <a:defRPr sz="2000" b="0" cap="all" baseline="0">
+                <a:solidFill>
+                  <a:schemeClr val="tx2"/>
+                </a:solidFill>
+              </a:defRPr>
             </a:lvl1pPr>
             <a:lvl2pPr marL="457200" indent="0">
               <a:buNone/>
@@ -1528,15 +1899,15 @@
           <a:p>
             <a:pPr lvl="0"/>
             <a:r>
-              <a:rPr lang="de-DE" smtClean="0"/>
-              <a:t>Formatvorlagen des Textmasters bearbeiten</a:t>
-            </a:r>
-          </a:p>
-        </p:txBody>
-      </p:sp>
-      <p:sp>
-        <p:nvSpPr>
-          <p:cNvPr id="6" name="Inhaltsplatzhalter 5"/>
+              <a:rPr lang="de-DE"/>
+              <a:t>Mastertextformat bearbeiten</a:t>
+            </a:r>
+          </a:p>
+        </p:txBody>
+      </p:sp>
+      <p:sp>
+        <p:nvSpPr>
+          <p:cNvPr id="6" name="Content Placeholder 5"/>
           <p:cNvSpPr>
             <a:spLocks noGrp="1"/>
           </p:cNvSpPr>
@@ -1546,8 +1917,8 @@
         </p:nvSpPr>
         <p:spPr>
           <a:xfrm>
-            <a:off x="6172200" y="2505075"/>
-            <a:ext cx="5183188" cy="3684588"/>
+            <a:off x="6217920" y="2582334"/>
+            <a:ext cx="4937760" cy="3286760"/>
           </a:xfrm>
         </p:spPr>
         <p:txBody>
@@ -1556,44 +1927,44 @@
           <a:p>
             <a:pPr lvl="0"/>
             <a:r>
-              <a:rPr lang="de-DE" smtClean="0"/>
-              <a:t>Formatvorlagen des Textmasters bearbeiten</a:t>
+              <a:rPr lang="de-DE"/>
+              <a:t>Mastertextformat bearbeiten</a:t>
             </a:r>
           </a:p>
           <a:p>
             <a:pPr lvl="1"/>
             <a:r>
-              <a:rPr lang="de-DE" smtClean="0"/>
+              <a:rPr lang="de-DE"/>
               <a:t>Zweite Ebene</a:t>
             </a:r>
           </a:p>
           <a:p>
             <a:pPr lvl="2"/>
             <a:r>
-              <a:rPr lang="de-DE" smtClean="0"/>
+              <a:rPr lang="de-DE"/>
               <a:t>Dritte Ebene</a:t>
             </a:r>
           </a:p>
           <a:p>
             <a:pPr lvl="3"/>
             <a:r>
-              <a:rPr lang="de-DE" smtClean="0"/>
+              <a:rPr lang="de-DE"/>
               <a:t>Vierte Ebene</a:t>
             </a:r>
           </a:p>
           <a:p>
             <a:pPr lvl="4"/>
             <a:r>
-              <a:rPr lang="de-DE" smtClean="0"/>
+              <a:rPr lang="de-DE"/>
               <a:t>Fünfte Ebene</a:t>
             </a:r>
-            <a:endParaRPr lang="de-DE"/>
-          </a:p>
-        </p:txBody>
-      </p:sp>
-      <p:sp>
-        <p:nvSpPr>
-          <p:cNvPr id="7" name="Datumsplatzhalter 6"/>
+            <a:endParaRPr lang="en-US" dirty="0"/>
+          </a:p>
+        </p:txBody>
+      </p:sp>
+      <p:sp>
+        <p:nvSpPr>
+          <p:cNvPr id="7" name="Date Placeholder 6"/>
           <p:cNvSpPr>
             <a:spLocks noGrp="1"/>
           </p:cNvSpPr>
@@ -1608,7 +1979,7 @@
           <a:p>
             <a:fld id="{7EC124DD-4066-45EF-AAA0-5803FA57DC0A}" type="datetimeFigureOut">
               <a:rPr lang="de-DE" smtClean="0"/>
-              <a:t>02.02.2018</a:t>
+              <a:t>05.02.2018</a:t>
             </a:fld>
             <a:endParaRPr lang="de-DE"/>
           </a:p>
@@ -1616,7 +1987,7 @@
       </p:sp>
       <p:sp>
         <p:nvSpPr>
-          <p:cNvPr id="8" name="Fußzeilenplatzhalter 7"/>
+          <p:cNvPr id="8" name="Footer Placeholder 7"/>
           <p:cNvSpPr>
             <a:spLocks noGrp="1"/>
           </p:cNvSpPr>
@@ -1635,7 +2006,7 @@
       </p:sp>
       <p:sp>
         <p:nvSpPr>
-          <p:cNvPr id="9" name="Foliennummernplatzhalter 8"/>
+          <p:cNvPr id="9" name="Slide Number Placeholder 8"/>
           <p:cNvSpPr>
             <a:spLocks noGrp="1"/>
           </p:cNvSpPr>
@@ -1659,7 +2030,7 @@
     </p:spTree>
     <p:extLst>
       <p:ext uri="{BB962C8B-B14F-4D97-AF65-F5344CB8AC3E}">
-        <p14:creationId xmlns:p14="http://schemas.microsoft.com/office/powerpoint/2010/main" val="1852502085"/>
+        <p14:creationId xmlns:p14="http://schemas.microsoft.com/office/powerpoint/2010/main" val="274693664"/>
       </p:ext>
     </p:extLst>
   </p:cSld>
@@ -1688,7 +2059,7 @@
       </p:grpSpPr>
       <p:sp>
         <p:nvSpPr>
-          <p:cNvPr id="2" name="Titel 1"/>
+          <p:cNvPr id="2" name="Title 1"/>
           <p:cNvSpPr>
             <a:spLocks noGrp="1"/>
           </p:cNvSpPr>
@@ -1702,16 +2073,16 @@
           <a:lstStyle/>
           <a:p>
             <a:r>
-              <a:rPr lang="de-DE" smtClean="0"/>
-              <a:t>Titelmasterformat durch Klicken bearbeiten</a:t>
-            </a:r>
-            <a:endParaRPr lang="de-DE"/>
-          </a:p>
-        </p:txBody>
-      </p:sp>
-      <p:sp>
-        <p:nvSpPr>
-          <p:cNvPr id="3" name="Datumsplatzhalter 2"/>
+              <a:rPr lang="de-DE"/>
+              <a:t>Mastertitelformat bearbeiten</a:t>
+            </a:r>
+            <a:endParaRPr lang="en-US" dirty="0"/>
+          </a:p>
+        </p:txBody>
+      </p:sp>
+      <p:sp>
+        <p:nvSpPr>
+          <p:cNvPr id="3" name="Date Placeholder 2"/>
           <p:cNvSpPr>
             <a:spLocks noGrp="1"/>
           </p:cNvSpPr>
@@ -1726,7 +2097,7 @@
           <a:p>
             <a:fld id="{7EC124DD-4066-45EF-AAA0-5803FA57DC0A}" type="datetimeFigureOut">
               <a:rPr lang="de-DE" smtClean="0"/>
-              <a:t>02.02.2018</a:t>
+              <a:t>05.02.2018</a:t>
             </a:fld>
             <a:endParaRPr lang="de-DE"/>
           </a:p>
@@ -1734,7 +2105,7 @@
       </p:sp>
       <p:sp>
         <p:nvSpPr>
-          <p:cNvPr id="4" name="Fußzeilenplatzhalter 3"/>
+          <p:cNvPr id="4" name="Footer Placeholder 3"/>
           <p:cNvSpPr>
             <a:spLocks noGrp="1"/>
           </p:cNvSpPr>
@@ -1753,7 +2124,7 @@
       </p:sp>
       <p:sp>
         <p:nvSpPr>
-          <p:cNvPr id="5" name="Foliennummernplatzhalter 4"/>
+          <p:cNvPr id="5" name="Slide Number Placeholder 4"/>
           <p:cNvSpPr>
             <a:spLocks noGrp="1"/>
           </p:cNvSpPr>
@@ -1777,7 +2148,7 @@
     </p:spTree>
     <p:extLst>
       <p:ext uri="{BB962C8B-B14F-4D97-AF65-F5344CB8AC3E}">
-        <p14:creationId xmlns:p14="http://schemas.microsoft.com/office/powerpoint/2010/main" val="2987471373"/>
+        <p14:creationId xmlns:p14="http://schemas.microsoft.com/office/powerpoint/2010/main" val="3346298917"/>
       </p:ext>
     </p:extLst>
   </p:cSld>
@@ -1788,7 +2159,7 @@
 </file>
 
 <file path=ppt/slideLayouts/slideLayout7.xml><?xml version="1.0" encoding="utf-8"?>
-<p:sldLayout xmlns:a="http://schemas.openxmlformats.org/drawingml/2006/main" xmlns:r="http://schemas.openxmlformats.org/officeDocument/2006/relationships" xmlns:p="http://schemas.openxmlformats.org/presentationml/2006/main" type="blank" preserve="1">
+<p:sldLayout xmlns:a="http://schemas.openxmlformats.org/drawingml/2006/main" xmlns:r="http://schemas.openxmlformats.org/officeDocument/2006/relationships" xmlns:p="http://schemas.openxmlformats.org/presentationml/2006/main" showMasterSp="0" type="blank" preserve="1">
   <p:cSld name="Leer">
     <p:spTree>
       <p:nvGrpSpPr>
@@ -1806,7 +2177,83 @@
       </p:grpSpPr>
       <p:sp>
         <p:nvSpPr>
-          <p:cNvPr id="2" name="Datumsplatzhalter 1"/>
+          <p:cNvPr id="5" name="Rectangle 4"/>
+          <p:cNvSpPr/>
+          <p:nvPr/>
+        </p:nvSpPr>
+        <p:spPr>
+          <a:xfrm>
+            <a:off x="3175" y="6400800"/>
+            <a:ext cx="12188825" cy="457200"/>
+          </a:xfrm>
+          <a:prstGeom prst="rect">
+            <a:avLst/>
+          </a:prstGeom>
+          <a:solidFill>
+            <a:schemeClr val="accent2"/>
+          </a:solidFill>
+          <a:ln>
+            <a:noFill/>
+          </a:ln>
+        </p:spPr>
+        <p:style>
+          <a:lnRef idx="2">
+            <a:schemeClr val="accent1">
+              <a:shade val="50000"/>
+            </a:schemeClr>
+          </a:lnRef>
+          <a:fillRef idx="1">
+            <a:schemeClr val="accent1"/>
+          </a:fillRef>
+          <a:effectRef idx="0">
+            <a:schemeClr val="accent1"/>
+          </a:effectRef>
+          <a:fontRef idx="minor">
+            <a:schemeClr val="lt1"/>
+          </a:fontRef>
+        </p:style>
+      </p:sp>
+      <p:sp>
+        <p:nvSpPr>
+          <p:cNvPr id="6" name="Rectangle 5"/>
+          <p:cNvSpPr/>
+          <p:nvPr/>
+        </p:nvSpPr>
+        <p:spPr>
+          <a:xfrm>
+            <a:off x="15" y="6334316"/>
+            <a:ext cx="12188825" cy="64008"/>
+          </a:xfrm>
+          <a:prstGeom prst="rect">
+            <a:avLst/>
+          </a:prstGeom>
+          <a:solidFill>
+            <a:schemeClr val="accent1"/>
+          </a:solidFill>
+          <a:ln>
+            <a:noFill/>
+          </a:ln>
+        </p:spPr>
+        <p:style>
+          <a:lnRef idx="2">
+            <a:schemeClr val="accent1">
+              <a:shade val="50000"/>
+            </a:schemeClr>
+          </a:lnRef>
+          <a:fillRef idx="1">
+            <a:schemeClr val="accent1"/>
+          </a:fillRef>
+          <a:effectRef idx="0">
+            <a:schemeClr val="accent1"/>
+          </a:effectRef>
+          <a:fontRef idx="minor">
+            <a:schemeClr val="lt1"/>
+          </a:fontRef>
+        </p:style>
+      </p:sp>
+      <p:sp>
+        <p:nvSpPr>
+          <p:cNvPr id="7" name="Date Placeholder 6"/>
           <p:cNvSpPr>
             <a:spLocks noGrp="1"/>
           </p:cNvSpPr>
@@ -1821,7 +2268,7 @@
           <a:p>
             <a:fld id="{7EC124DD-4066-45EF-AAA0-5803FA57DC0A}" type="datetimeFigureOut">
               <a:rPr lang="de-DE" smtClean="0"/>
-              <a:t>02.02.2018</a:t>
+              <a:t>05.02.2018</a:t>
             </a:fld>
             <a:endParaRPr lang="de-DE"/>
           </a:p>
@@ -1829,7 +2276,7 @@
       </p:sp>
       <p:sp>
         <p:nvSpPr>
-          <p:cNvPr id="3" name="Fußzeilenplatzhalter 2"/>
+          <p:cNvPr id="8" name="Footer Placeholder 7"/>
           <p:cNvSpPr>
             <a:spLocks noGrp="1"/>
           </p:cNvSpPr>
@@ -1840,7 +2287,15 @@
         <p:spPr/>
         <p:txBody>
           <a:bodyPr/>
-          <a:lstStyle/>
+          <a:lstStyle>
+            <a:lvl1pPr>
+              <a:defRPr>
+                <a:solidFill>
+                  <a:srgbClr val="FFFFFF"/>
+                </a:solidFill>
+              </a:defRPr>
+            </a:lvl1pPr>
+          </a:lstStyle>
           <a:p>
             <a:endParaRPr lang="de-DE"/>
           </a:p>
@@ -1848,7 +2303,7 @@
       </p:sp>
       <p:sp>
         <p:nvSpPr>
-          <p:cNvPr id="4" name="Foliennummernplatzhalter 3"/>
+          <p:cNvPr id="9" name="Slide Number Placeholder 8"/>
           <p:cNvSpPr>
             <a:spLocks noGrp="1"/>
           </p:cNvSpPr>
@@ -1872,7 +2327,7 @@
     </p:spTree>
     <p:extLst>
       <p:ext uri="{BB962C8B-B14F-4D97-AF65-F5344CB8AC3E}">
-        <p14:creationId xmlns:p14="http://schemas.microsoft.com/office/powerpoint/2010/main" val="2481241630"/>
+        <p14:creationId xmlns:p14="http://schemas.microsoft.com/office/powerpoint/2010/main" val="1564302215"/>
       </p:ext>
     </p:extLst>
   </p:cSld>
@@ -1883,7 +2338,7 @@
 </file>
 
 <file path=ppt/slideLayouts/slideLayout8.xml><?xml version="1.0" encoding="utf-8"?>
-<p:sldLayout xmlns:a="http://schemas.openxmlformats.org/drawingml/2006/main" xmlns:r="http://schemas.openxmlformats.org/officeDocument/2006/relationships" xmlns:p="http://schemas.openxmlformats.org/presentationml/2006/main" type="objTx" preserve="1">
+<p:sldLayout xmlns:a="http://schemas.openxmlformats.org/drawingml/2006/main" xmlns:r="http://schemas.openxmlformats.org/officeDocument/2006/relationships" xmlns:p="http://schemas.openxmlformats.org/presentationml/2006/main" showMasterSp="0" type="objTx" preserve="1">
   <p:cSld name="Inhalt mit Überschrift">
     <p:spTree>
       <p:nvGrpSpPr>
@@ -1901,39 +2356,121 @@
       </p:grpSpPr>
       <p:sp>
         <p:nvSpPr>
-          <p:cNvPr id="2" name="Titel 1"/>
-          <p:cNvSpPr>
-            <a:spLocks noGrp="1"/>
-          </p:cNvSpPr>
-          <p:nvPr>
-            <p:ph type="title"/>
-          </p:nvPr>
+          <p:cNvPr id="8" name="Rectangle 7"/>
+          <p:cNvSpPr/>
+          <p:nvPr/>
         </p:nvSpPr>
         <p:spPr>
           <a:xfrm>
-            <a:off x="839788" y="457200"/>
-            <a:ext cx="3932237" cy="1600200"/>
+            <a:off x="16" y="0"/>
+            <a:ext cx="4050791" cy="6858000"/>
+          </a:xfrm>
+          <a:prstGeom prst="rect">
+            <a:avLst/>
+          </a:prstGeom>
+          <a:solidFill>
+            <a:schemeClr val="accent2"/>
+          </a:solidFill>
+          <a:ln>
+            <a:noFill/>
+          </a:ln>
+        </p:spPr>
+        <p:style>
+          <a:lnRef idx="2">
+            <a:schemeClr val="accent1">
+              <a:shade val="50000"/>
+            </a:schemeClr>
+          </a:lnRef>
+          <a:fillRef idx="1">
+            <a:schemeClr val="accent1"/>
+          </a:fillRef>
+          <a:effectRef idx="0">
+            <a:schemeClr val="accent1"/>
+          </a:effectRef>
+          <a:fontRef idx="minor">
+            <a:schemeClr val="lt1"/>
+          </a:fontRef>
+        </p:style>
+      </p:sp>
+      <p:sp>
+        <p:nvSpPr>
+          <p:cNvPr id="9" name="Rectangle 8"/>
+          <p:cNvSpPr/>
+          <p:nvPr/>
+        </p:nvSpPr>
+        <p:spPr>
+          <a:xfrm>
+            <a:off x="4040071" y="0"/>
+            <a:ext cx="64008" cy="6858000"/>
+          </a:xfrm>
+          <a:prstGeom prst="rect">
+            <a:avLst/>
+          </a:prstGeom>
+          <a:solidFill>
+            <a:schemeClr val="accent1"/>
+          </a:solidFill>
+          <a:ln>
+            <a:noFill/>
+          </a:ln>
+        </p:spPr>
+        <p:style>
+          <a:lnRef idx="2">
+            <a:schemeClr val="accent1">
+              <a:shade val="50000"/>
+            </a:schemeClr>
+          </a:lnRef>
+          <a:fillRef idx="1">
+            <a:schemeClr val="accent1"/>
+          </a:fillRef>
+          <a:effectRef idx="0">
+            <a:schemeClr val="accent1"/>
+          </a:effectRef>
+          <a:fontRef idx="minor">
+            <a:schemeClr val="lt1"/>
+          </a:fontRef>
+        </p:style>
+      </p:sp>
+      <p:sp>
+        <p:nvSpPr>
+          <p:cNvPr id="2" name="Title 1"/>
+          <p:cNvSpPr>
+            <a:spLocks noGrp="1"/>
+          </p:cNvSpPr>
+          <p:nvPr>
+            <p:ph type="title"/>
+          </p:nvPr>
+        </p:nvSpPr>
+        <p:spPr>
+          <a:xfrm>
+            <a:off x="457200" y="594359"/>
+            <a:ext cx="3200400" cy="2286000"/>
           </a:xfrm>
         </p:spPr>
         <p:txBody>
-          <a:bodyPr anchor="b"/>
+          <a:bodyPr anchor="b">
+            <a:normAutofit/>
+          </a:bodyPr>
           <a:lstStyle>
             <a:lvl1pPr>
-              <a:defRPr sz="3200"/>
+              <a:defRPr sz="3600" b="0">
+                <a:solidFill>
+                  <a:srgbClr val="FFFFFF"/>
+                </a:solidFill>
+              </a:defRPr>
             </a:lvl1pPr>
           </a:lstStyle>
           <a:p>
             <a:r>
-              <a:rPr lang="de-DE" smtClean="0"/>
-              <a:t>Titelmasterformat durch Klicken bearbeiten</a:t>
-            </a:r>
-            <a:endParaRPr lang="de-DE"/>
-          </a:p>
-        </p:txBody>
-      </p:sp>
-      <p:sp>
-        <p:nvSpPr>
-          <p:cNvPr id="3" name="Inhaltsplatzhalter 2"/>
+              <a:rPr lang="de-DE"/>
+              <a:t>Mastertitelformat bearbeiten</a:t>
+            </a:r>
+            <a:endParaRPr lang="en-US" dirty="0"/>
+          </a:p>
+        </p:txBody>
+      </p:sp>
+      <p:sp>
+        <p:nvSpPr>
+          <p:cNvPr id="3" name="Content Placeholder 2"/>
           <p:cNvSpPr>
             <a:spLocks noGrp="1"/>
           </p:cNvSpPr>
@@ -1943,200 +2480,208 @@
         </p:nvSpPr>
         <p:spPr>
           <a:xfrm>
-            <a:off x="5183188" y="987425"/>
-            <a:ext cx="6172200" cy="4873625"/>
+            <a:off x="4800600" y="731520"/>
+            <a:ext cx="6492240" cy="5257800"/>
           </a:xfrm>
         </p:spPr>
+        <p:txBody>
+          <a:bodyPr/>
+          <a:lstStyle/>
+          <a:p>
+            <a:pPr lvl="0"/>
+            <a:r>
+              <a:rPr lang="de-DE"/>
+              <a:t>Mastertextformat bearbeiten</a:t>
+            </a:r>
+          </a:p>
+          <a:p>
+            <a:pPr lvl="1"/>
+            <a:r>
+              <a:rPr lang="de-DE"/>
+              <a:t>Zweite Ebene</a:t>
+            </a:r>
+          </a:p>
+          <a:p>
+            <a:pPr lvl="2"/>
+            <a:r>
+              <a:rPr lang="de-DE"/>
+              <a:t>Dritte Ebene</a:t>
+            </a:r>
+          </a:p>
+          <a:p>
+            <a:pPr lvl="3"/>
+            <a:r>
+              <a:rPr lang="de-DE"/>
+              <a:t>Vierte Ebene</a:t>
+            </a:r>
+          </a:p>
+          <a:p>
+            <a:pPr lvl="4"/>
+            <a:r>
+              <a:rPr lang="de-DE"/>
+              <a:t>Fünfte Ebene</a:t>
+            </a:r>
+            <a:endParaRPr lang="en-US" dirty="0"/>
+          </a:p>
+        </p:txBody>
+      </p:sp>
+      <p:sp>
+        <p:nvSpPr>
+          <p:cNvPr id="4" name="Text Placeholder 3"/>
+          <p:cNvSpPr>
+            <a:spLocks noGrp="1"/>
+          </p:cNvSpPr>
+          <p:nvPr>
+            <p:ph type="body" sz="half" idx="2"/>
+          </p:nvPr>
+        </p:nvSpPr>
+        <p:spPr>
+          <a:xfrm>
+            <a:off x="457200" y="2926080"/>
+            <a:ext cx="3200400" cy="3379124"/>
+          </a:xfrm>
+        </p:spPr>
+        <p:txBody>
+          <a:bodyPr lIns="91440" rIns="91440">
+            <a:normAutofit/>
+          </a:bodyPr>
+          <a:lstStyle>
+            <a:lvl1pPr marL="0" indent="0">
+              <a:buNone/>
+              <a:defRPr sz="1500">
+                <a:solidFill>
+                  <a:srgbClr val="FFFFFF"/>
+                </a:solidFill>
+              </a:defRPr>
+            </a:lvl1pPr>
+            <a:lvl2pPr marL="457200" indent="0">
+              <a:buNone/>
+              <a:defRPr sz="1200"/>
+            </a:lvl2pPr>
+            <a:lvl3pPr marL="914400" indent="0">
+              <a:buNone/>
+              <a:defRPr sz="1000"/>
+            </a:lvl3pPr>
+            <a:lvl4pPr marL="1371600" indent="0">
+              <a:buNone/>
+              <a:defRPr sz="900"/>
+            </a:lvl4pPr>
+            <a:lvl5pPr marL="1828800" indent="0">
+              <a:buNone/>
+              <a:defRPr sz="900"/>
+            </a:lvl5pPr>
+            <a:lvl6pPr marL="2286000" indent="0">
+              <a:buNone/>
+              <a:defRPr sz="900"/>
+            </a:lvl6pPr>
+            <a:lvl7pPr marL="2743200" indent="0">
+              <a:buNone/>
+              <a:defRPr sz="900"/>
+            </a:lvl7pPr>
+            <a:lvl8pPr marL="3200400" indent="0">
+              <a:buNone/>
+              <a:defRPr sz="900"/>
+            </a:lvl8pPr>
+            <a:lvl9pPr marL="3657600" indent="0">
+              <a:buNone/>
+              <a:defRPr sz="900"/>
+            </a:lvl9pPr>
+          </a:lstStyle>
+          <a:p>
+            <a:pPr lvl="0"/>
+            <a:r>
+              <a:rPr lang="de-DE"/>
+              <a:t>Mastertextformat bearbeiten</a:t>
+            </a:r>
+          </a:p>
+        </p:txBody>
+      </p:sp>
+      <p:sp>
+        <p:nvSpPr>
+          <p:cNvPr id="5" name="Date Placeholder 4"/>
+          <p:cNvSpPr>
+            <a:spLocks noGrp="1"/>
+          </p:cNvSpPr>
+          <p:nvPr>
+            <p:ph type="dt" sz="half" idx="10"/>
+          </p:nvPr>
+        </p:nvSpPr>
+        <p:spPr>
+          <a:xfrm>
+            <a:off x="465512" y="6459785"/>
+            <a:ext cx="2618510" cy="365125"/>
+          </a:xfrm>
+        </p:spPr>
+        <p:txBody>
+          <a:bodyPr/>
+          <a:lstStyle>
+            <a:lvl1pPr algn="l">
+              <a:defRPr/>
+            </a:lvl1pPr>
+          </a:lstStyle>
+          <a:p>
+            <a:fld id="{7EC124DD-4066-45EF-AAA0-5803FA57DC0A}" type="datetimeFigureOut">
+              <a:rPr lang="de-DE" smtClean="0"/>
+              <a:t>05.02.2018</a:t>
+            </a:fld>
+            <a:endParaRPr lang="de-DE"/>
+          </a:p>
+        </p:txBody>
+      </p:sp>
+      <p:sp>
+        <p:nvSpPr>
+          <p:cNvPr id="6" name="Footer Placeholder 5"/>
+          <p:cNvSpPr>
+            <a:spLocks noGrp="1"/>
+          </p:cNvSpPr>
+          <p:nvPr>
+            <p:ph type="ftr" sz="quarter" idx="11"/>
+          </p:nvPr>
+        </p:nvSpPr>
+        <p:spPr>
+          <a:xfrm>
+            <a:off x="4800600" y="6459785"/>
+            <a:ext cx="4648200" cy="365125"/>
+          </a:xfrm>
+        </p:spPr>
+        <p:txBody>
+          <a:bodyPr/>
+          <a:lstStyle>
+            <a:lvl1pPr algn="l">
+              <a:defRPr>
+                <a:solidFill>
+                  <a:schemeClr val="tx2"/>
+                </a:solidFill>
+              </a:defRPr>
+            </a:lvl1pPr>
+          </a:lstStyle>
+          <a:p>
+            <a:endParaRPr lang="de-DE"/>
+          </a:p>
+        </p:txBody>
+      </p:sp>
+      <p:sp>
+        <p:nvSpPr>
+          <p:cNvPr id="7" name="Slide Number Placeholder 6"/>
+          <p:cNvSpPr>
+            <a:spLocks noGrp="1"/>
+          </p:cNvSpPr>
+          <p:nvPr>
+            <p:ph type="sldNum" sz="quarter" idx="12"/>
+          </p:nvPr>
+        </p:nvSpPr>
+        <p:spPr/>
         <p:txBody>
           <a:bodyPr/>
           <a:lstStyle>
             <a:lvl1pPr>
-              <a:defRPr sz="3200"/>
+              <a:defRPr>
+                <a:solidFill>
+                  <a:schemeClr val="tx2"/>
+                </a:solidFill>
+              </a:defRPr>
             </a:lvl1pPr>
-            <a:lvl2pPr>
-              <a:defRPr sz="2800"/>
-            </a:lvl2pPr>
-            <a:lvl3pPr>
-              <a:defRPr sz="2400"/>
-            </a:lvl3pPr>
-            <a:lvl4pPr>
-              <a:defRPr sz="2000"/>
-            </a:lvl4pPr>
-            <a:lvl5pPr>
-              <a:defRPr sz="2000"/>
-            </a:lvl5pPr>
-            <a:lvl6pPr>
-              <a:defRPr sz="2000"/>
-            </a:lvl6pPr>
-            <a:lvl7pPr>
-              <a:defRPr sz="2000"/>
-            </a:lvl7pPr>
-            <a:lvl8pPr>
-              <a:defRPr sz="2000"/>
-            </a:lvl8pPr>
-            <a:lvl9pPr>
-              <a:defRPr sz="2000"/>
-            </a:lvl9pPr>
           </a:lstStyle>
-          <a:p>
-            <a:pPr lvl="0"/>
-            <a:r>
-              <a:rPr lang="de-DE" smtClean="0"/>
-              <a:t>Formatvorlagen des Textmasters bearbeiten</a:t>
-            </a:r>
-          </a:p>
-          <a:p>
-            <a:pPr lvl="1"/>
-            <a:r>
-              <a:rPr lang="de-DE" smtClean="0"/>
-              <a:t>Zweite Ebene</a:t>
-            </a:r>
-          </a:p>
-          <a:p>
-            <a:pPr lvl="2"/>
-            <a:r>
-              <a:rPr lang="de-DE" smtClean="0"/>
-              <a:t>Dritte Ebene</a:t>
-            </a:r>
-          </a:p>
-          <a:p>
-            <a:pPr lvl="3"/>
-            <a:r>
-              <a:rPr lang="de-DE" smtClean="0"/>
-              <a:t>Vierte Ebene</a:t>
-            </a:r>
-          </a:p>
-          <a:p>
-            <a:pPr lvl="4"/>
-            <a:r>
-              <a:rPr lang="de-DE" smtClean="0"/>
-              <a:t>Fünfte Ebene</a:t>
-            </a:r>
-            <a:endParaRPr lang="de-DE"/>
-          </a:p>
-        </p:txBody>
-      </p:sp>
-      <p:sp>
-        <p:nvSpPr>
-          <p:cNvPr id="4" name="Textplatzhalter 3"/>
-          <p:cNvSpPr>
-            <a:spLocks noGrp="1"/>
-          </p:cNvSpPr>
-          <p:nvPr>
-            <p:ph type="body" sz="half" idx="2"/>
-          </p:nvPr>
-        </p:nvSpPr>
-        <p:spPr>
-          <a:xfrm>
-            <a:off x="839788" y="2057400"/>
-            <a:ext cx="3932237" cy="3811588"/>
-          </a:xfrm>
-        </p:spPr>
-        <p:txBody>
-          <a:bodyPr/>
-          <a:lstStyle>
-            <a:lvl1pPr marL="0" indent="0">
-              <a:buNone/>
-              <a:defRPr sz="1600"/>
-            </a:lvl1pPr>
-            <a:lvl2pPr marL="457200" indent="0">
-              <a:buNone/>
-              <a:defRPr sz="1400"/>
-            </a:lvl2pPr>
-            <a:lvl3pPr marL="914400" indent="0">
-              <a:buNone/>
-              <a:defRPr sz="1200"/>
-            </a:lvl3pPr>
-            <a:lvl4pPr marL="1371600" indent="0">
-              <a:buNone/>
-              <a:defRPr sz="1000"/>
-            </a:lvl4pPr>
-            <a:lvl5pPr marL="1828800" indent="0">
-              <a:buNone/>
-              <a:defRPr sz="1000"/>
-            </a:lvl5pPr>
-            <a:lvl6pPr marL="2286000" indent="0">
-              <a:buNone/>
-              <a:defRPr sz="1000"/>
-            </a:lvl6pPr>
-            <a:lvl7pPr marL="2743200" indent="0">
-              <a:buNone/>
-              <a:defRPr sz="1000"/>
-            </a:lvl7pPr>
-            <a:lvl8pPr marL="3200400" indent="0">
-              <a:buNone/>
-              <a:defRPr sz="1000"/>
-            </a:lvl8pPr>
-            <a:lvl9pPr marL="3657600" indent="0">
-              <a:buNone/>
-              <a:defRPr sz="1000"/>
-            </a:lvl9pPr>
-          </a:lstStyle>
-          <a:p>
-            <a:pPr lvl="0"/>
-            <a:r>
-              <a:rPr lang="de-DE" smtClean="0"/>
-              <a:t>Formatvorlagen des Textmasters bearbeiten</a:t>
-            </a:r>
-          </a:p>
-        </p:txBody>
-      </p:sp>
-      <p:sp>
-        <p:nvSpPr>
-          <p:cNvPr id="5" name="Datumsplatzhalter 4"/>
-          <p:cNvSpPr>
-            <a:spLocks noGrp="1"/>
-          </p:cNvSpPr>
-          <p:nvPr>
-            <p:ph type="dt" sz="half" idx="10"/>
-          </p:nvPr>
-        </p:nvSpPr>
-        <p:spPr/>
-        <p:txBody>
-          <a:bodyPr/>
-          <a:lstStyle/>
-          <a:p>
-            <a:fld id="{7EC124DD-4066-45EF-AAA0-5803FA57DC0A}" type="datetimeFigureOut">
-              <a:rPr lang="de-DE" smtClean="0"/>
-              <a:t>02.02.2018</a:t>
-            </a:fld>
-            <a:endParaRPr lang="de-DE"/>
-          </a:p>
-        </p:txBody>
-      </p:sp>
-      <p:sp>
-        <p:nvSpPr>
-          <p:cNvPr id="6" name="Fußzeilenplatzhalter 5"/>
-          <p:cNvSpPr>
-            <a:spLocks noGrp="1"/>
-          </p:cNvSpPr>
-          <p:nvPr>
-            <p:ph type="ftr" sz="quarter" idx="11"/>
-          </p:nvPr>
-        </p:nvSpPr>
-        <p:spPr/>
-        <p:txBody>
-          <a:bodyPr/>
-          <a:lstStyle/>
-          <a:p>
-            <a:endParaRPr lang="de-DE"/>
-          </a:p>
-        </p:txBody>
-      </p:sp>
-      <p:sp>
-        <p:nvSpPr>
-          <p:cNvPr id="7" name="Foliennummernplatzhalter 6"/>
-          <p:cNvSpPr>
-            <a:spLocks noGrp="1"/>
-          </p:cNvSpPr>
-          <p:nvPr>
-            <p:ph type="sldNum" sz="quarter" idx="12"/>
-          </p:nvPr>
-        </p:nvSpPr>
-        <p:spPr/>
-        <p:txBody>
-          <a:bodyPr/>
-          <a:lstStyle/>
           <a:p>
             <a:fld id="{40231587-B9EA-47A7-9F6F-838AD46CF145}" type="slidenum">
               <a:rPr lang="de-DE" smtClean="0"/>
@@ -2149,7 +2694,7 @@
     </p:spTree>
     <p:extLst>
       <p:ext uri="{BB962C8B-B14F-4D97-AF65-F5344CB8AC3E}">
-        <p14:creationId xmlns:p14="http://schemas.microsoft.com/office/powerpoint/2010/main" val="3410370959"/>
+        <p14:creationId xmlns:p14="http://schemas.microsoft.com/office/powerpoint/2010/main" val="4179727880"/>
       </p:ext>
     </p:extLst>
   </p:cSld>
@@ -2160,7 +2705,7 @@
 </file>
 
 <file path=ppt/slideLayouts/slideLayout9.xml><?xml version="1.0" encoding="utf-8"?>
-<p:sldLayout xmlns:a="http://schemas.openxmlformats.org/drawingml/2006/main" xmlns:r="http://schemas.openxmlformats.org/officeDocument/2006/relationships" xmlns:p="http://schemas.openxmlformats.org/presentationml/2006/main" type="picTx" preserve="1">
+<p:sldLayout xmlns:a="http://schemas.openxmlformats.org/drawingml/2006/main" xmlns:r="http://schemas.openxmlformats.org/officeDocument/2006/relationships" xmlns:p="http://schemas.openxmlformats.org/presentationml/2006/main" showMasterSp="0" type="picTx" preserve="1">
   <p:cSld name="Bild mit Überschrift">
     <p:spTree>
       <p:nvGrpSpPr>
@@ -2178,41 +2723,123 @@
       </p:grpSpPr>
       <p:sp>
         <p:nvSpPr>
-          <p:cNvPr id="2" name="Titel 1"/>
-          <p:cNvSpPr>
-            <a:spLocks noGrp="1"/>
-          </p:cNvSpPr>
-          <p:nvPr>
-            <p:ph type="title"/>
-          </p:nvPr>
+          <p:cNvPr id="8" name="Rectangle 7"/>
+          <p:cNvSpPr/>
+          <p:nvPr/>
         </p:nvSpPr>
         <p:spPr>
           <a:xfrm>
-            <a:off x="839788" y="457200"/>
-            <a:ext cx="3932237" cy="1600200"/>
+            <a:off x="0" y="4953000"/>
+            <a:ext cx="12188825" cy="1905000"/>
+          </a:xfrm>
+          <a:prstGeom prst="rect">
+            <a:avLst/>
+          </a:prstGeom>
+          <a:solidFill>
+            <a:schemeClr val="accent2"/>
+          </a:solidFill>
+          <a:ln>
+            <a:noFill/>
+          </a:ln>
+        </p:spPr>
+        <p:style>
+          <a:lnRef idx="2">
+            <a:schemeClr val="accent1">
+              <a:shade val="50000"/>
+            </a:schemeClr>
+          </a:lnRef>
+          <a:fillRef idx="1">
+            <a:schemeClr val="accent1"/>
+          </a:fillRef>
+          <a:effectRef idx="0">
+            <a:schemeClr val="accent1"/>
+          </a:effectRef>
+          <a:fontRef idx="minor">
+            <a:schemeClr val="lt1"/>
+          </a:fontRef>
+        </p:style>
+      </p:sp>
+      <p:sp>
+        <p:nvSpPr>
+          <p:cNvPr id="9" name="Rectangle 8"/>
+          <p:cNvSpPr/>
+          <p:nvPr/>
+        </p:nvSpPr>
+        <p:spPr>
+          <a:xfrm>
+            <a:off x="15" y="4915076"/>
+            <a:ext cx="12188825" cy="64008"/>
+          </a:xfrm>
+          <a:prstGeom prst="rect">
+            <a:avLst/>
+          </a:prstGeom>
+          <a:solidFill>
+            <a:schemeClr val="accent1"/>
+          </a:solidFill>
+          <a:ln>
+            <a:noFill/>
+          </a:ln>
+        </p:spPr>
+        <p:style>
+          <a:lnRef idx="2">
+            <a:schemeClr val="accent1">
+              <a:shade val="50000"/>
+            </a:schemeClr>
+          </a:lnRef>
+          <a:fillRef idx="1">
+            <a:schemeClr val="accent1"/>
+          </a:fillRef>
+          <a:effectRef idx="0">
+            <a:schemeClr val="accent1"/>
+          </a:effectRef>
+          <a:fontRef idx="minor">
+            <a:schemeClr val="lt1"/>
+          </a:fontRef>
+        </p:style>
+      </p:sp>
+      <p:sp>
+        <p:nvSpPr>
+          <p:cNvPr id="2" name="Title 1"/>
+          <p:cNvSpPr>
+            <a:spLocks noGrp="1"/>
+          </p:cNvSpPr>
+          <p:nvPr>
+            <p:ph type="title"/>
+          </p:nvPr>
+        </p:nvSpPr>
+        <p:spPr>
+          <a:xfrm>
+            <a:off x="1097280" y="5074920"/>
+            <a:ext cx="10113645" cy="822960"/>
           </a:xfrm>
         </p:spPr>
         <p:txBody>
-          <a:bodyPr anchor="b"/>
+          <a:bodyPr tIns="0" bIns="0" anchor="b">
+            <a:noAutofit/>
+          </a:bodyPr>
           <a:lstStyle>
             <a:lvl1pPr>
-              <a:defRPr sz="3200"/>
+              <a:defRPr sz="3600" b="0">
+                <a:solidFill>
+                  <a:srgbClr val="FFFFFF"/>
+                </a:solidFill>
+              </a:defRPr>
             </a:lvl1pPr>
           </a:lstStyle>
           <a:p>
             <a:r>
-              <a:rPr lang="de-DE" smtClean="0"/>
-              <a:t>Titelmasterformat durch Klicken bearbeiten</a:t>
-            </a:r>
-            <a:endParaRPr lang="de-DE"/>
-          </a:p>
-        </p:txBody>
-      </p:sp>
-      <p:sp>
-        <p:nvSpPr>
-          <p:cNvPr id="3" name="Bildplatzhalter 2"/>
-          <p:cNvSpPr>
-            <a:spLocks noGrp="1"/>
+              <a:rPr lang="de-DE"/>
+              <a:t>Mastertitelformat bearbeiten</a:t>
+            </a:r>
+            <a:endParaRPr lang="en-US" dirty="0"/>
+          </a:p>
+        </p:txBody>
+      </p:sp>
+      <p:sp>
+        <p:nvSpPr>
+          <p:cNvPr id="3" name="Picture Placeholder 2"/>
+          <p:cNvSpPr>
+            <a:spLocks noGrp="1" noChangeAspect="1"/>
           </p:cNvSpPr>
           <p:nvPr>
             <p:ph type="pic" idx="1"/>
@@ -2220,12 +2847,17 @@
         </p:nvSpPr>
         <p:spPr>
           <a:xfrm>
-            <a:off x="5183188" y="987425"/>
-            <a:ext cx="6172200" cy="4873625"/>
+            <a:off x="15" y="0"/>
+            <a:ext cx="12191985" cy="4915076"/>
           </a:xfrm>
+          <a:solidFill>
+            <a:schemeClr val="bg2">
+              <a:lumMod val="90000"/>
+            </a:schemeClr>
+          </a:solidFill>
         </p:spPr>
         <p:txBody>
-          <a:bodyPr/>
+          <a:bodyPr lIns="457200" tIns="457200" anchor="t"/>
           <a:lstStyle>
             <a:lvl1pPr marL="0" indent="0">
               <a:buNone/>
@@ -2265,13 +2897,17 @@
             </a:lvl9pPr>
           </a:lstStyle>
           <a:p>
-            <a:endParaRPr lang="de-DE"/>
-          </a:p>
-        </p:txBody>
-      </p:sp>
-      <p:sp>
-        <p:nvSpPr>
-          <p:cNvPr id="4" name="Textplatzhalter 3"/>
+            <a:r>
+              <a:rPr lang="de-DE"/>
+              <a:t>Bild durch Klicken auf Symbol hinzufügen</a:t>
+            </a:r>
+            <a:endParaRPr lang="en-US" dirty="0"/>
+          </a:p>
+        </p:txBody>
+      </p:sp>
+      <p:sp>
+        <p:nvSpPr>
+          <p:cNvPr id="4" name="Text Placeholder 3"/>
           <p:cNvSpPr>
             <a:spLocks noGrp="1"/>
           </p:cNvSpPr>
@@ -2281,62 +2917,74 @@
         </p:nvSpPr>
         <p:spPr>
           <a:xfrm>
-            <a:off x="839788" y="2057400"/>
-            <a:ext cx="3932237" cy="3811588"/>
+            <a:off x="1097280" y="5907024"/>
+            <a:ext cx="10113264" cy="594360"/>
           </a:xfrm>
         </p:spPr>
         <p:txBody>
-          <a:bodyPr/>
+          <a:bodyPr lIns="91440" tIns="0" rIns="91440" bIns="0">
+            <a:normAutofit/>
+          </a:bodyPr>
           <a:lstStyle>
             <a:lvl1pPr marL="0" indent="0">
-              <a:buNone/>
-              <a:defRPr sz="1600"/>
+              <a:spcBef>
+                <a:spcPts val="0"/>
+              </a:spcBef>
+              <a:spcAft>
+                <a:spcPts val="600"/>
+              </a:spcAft>
+              <a:buNone/>
+              <a:defRPr sz="1500">
+                <a:solidFill>
+                  <a:srgbClr val="FFFFFF"/>
+                </a:solidFill>
+              </a:defRPr>
             </a:lvl1pPr>
             <a:lvl2pPr marL="457200" indent="0">
               <a:buNone/>
-              <a:defRPr sz="1400"/>
+              <a:defRPr sz="1200"/>
             </a:lvl2pPr>
             <a:lvl3pPr marL="914400" indent="0">
               <a:buNone/>
-              <a:defRPr sz="1200"/>
+              <a:defRPr sz="1000"/>
             </a:lvl3pPr>
             <a:lvl4pPr marL="1371600" indent="0">
               <a:buNone/>
-              <a:defRPr sz="1000"/>
+              <a:defRPr sz="900"/>
             </a:lvl4pPr>
             <a:lvl5pPr marL="1828800" indent="0">
               <a:buNone/>
-              <a:defRPr sz="1000"/>
+              <a:defRPr sz="900"/>
             </a:lvl5pPr>
             <a:lvl6pPr marL="2286000" indent="0">
               <a:buNone/>
-              <a:defRPr sz="1000"/>
+              <a:defRPr sz="900"/>
             </a:lvl6pPr>
             <a:lvl7pPr marL="2743200" indent="0">
               <a:buNone/>
-              <a:defRPr sz="1000"/>
+              <a:defRPr sz="900"/>
             </a:lvl7pPr>
             <a:lvl8pPr marL="3200400" indent="0">
               <a:buNone/>
-              <a:defRPr sz="1000"/>
+              <a:defRPr sz="900"/>
             </a:lvl8pPr>
             <a:lvl9pPr marL="3657600" indent="0">
               <a:buNone/>
-              <a:defRPr sz="1000"/>
+              <a:defRPr sz="900"/>
             </a:lvl9pPr>
           </a:lstStyle>
           <a:p>
             <a:pPr lvl="0"/>
             <a:r>
-              <a:rPr lang="de-DE" smtClean="0"/>
-              <a:t>Formatvorlagen des Textmasters bearbeiten</a:t>
-            </a:r>
-          </a:p>
-        </p:txBody>
-      </p:sp>
-      <p:sp>
-        <p:nvSpPr>
-          <p:cNvPr id="5" name="Datumsplatzhalter 4"/>
+              <a:rPr lang="de-DE"/>
+              <a:t>Mastertextformat bearbeiten</a:t>
+            </a:r>
+          </a:p>
+        </p:txBody>
+      </p:sp>
+      <p:sp>
+        <p:nvSpPr>
+          <p:cNvPr id="5" name="Date Placeholder 4"/>
           <p:cNvSpPr>
             <a:spLocks noGrp="1"/>
           </p:cNvSpPr>
@@ -2351,7 +2999,7 @@
           <a:p>
             <a:fld id="{7EC124DD-4066-45EF-AAA0-5803FA57DC0A}" type="datetimeFigureOut">
               <a:rPr lang="de-DE" smtClean="0"/>
-              <a:t>02.02.2018</a:t>
+              <a:t>05.02.2018</a:t>
             </a:fld>
             <a:endParaRPr lang="de-DE"/>
           </a:p>
@@ -2359,7 +3007,7 @@
       </p:sp>
       <p:sp>
         <p:nvSpPr>
-          <p:cNvPr id="6" name="Fußzeilenplatzhalter 5"/>
+          <p:cNvPr id="6" name="Footer Placeholder 5"/>
           <p:cNvSpPr>
             <a:spLocks noGrp="1"/>
           </p:cNvSpPr>
@@ -2378,7 +3026,7 @@
       </p:sp>
       <p:sp>
         <p:nvSpPr>
-          <p:cNvPr id="7" name="Foliennummernplatzhalter 6"/>
+          <p:cNvPr id="7" name="Slide Number Placeholder 6"/>
           <p:cNvSpPr>
             <a:spLocks noGrp="1"/>
           </p:cNvSpPr>
@@ -2402,7 +3050,7 @@
     </p:spTree>
     <p:extLst>
       <p:ext uri="{BB962C8B-B14F-4D97-AF65-F5344CB8AC3E}">
-        <p14:creationId xmlns:p14="http://schemas.microsoft.com/office/powerpoint/2010/main" val="139711234"/>
+        <p14:creationId xmlns:p14="http://schemas.microsoft.com/office/powerpoint/2010/main" val="3419596912"/>
       </p:ext>
     </p:extLst>
   </p:cSld>
@@ -2436,40 +3084,116 @@
       </p:grpSpPr>
       <p:sp>
         <p:nvSpPr>
-          <p:cNvPr id="2" name="Titelplatzhalter 1"/>
-          <p:cNvSpPr>
-            <a:spLocks noGrp="1"/>
-          </p:cNvSpPr>
-          <p:nvPr>
-            <p:ph type="title"/>
-          </p:nvPr>
+          <p:cNvPr id="7" name="Rectangle 6"/>
+          <p:cNvSpPr/>
+          <p:nvPr/>
         </p:nvSpPr>
         <p:spPr>
           <a:xfrm>
-            <a:off x="838200" y="365125"/>
-            <a:ext cx="10515600" cy="1325563"/>
+            <a:off x="3175" y="6400800"/>
+            <a:ext cx="12188825" cy="457200"/>
+          </a:xfrm>
+          <a:prstGeom prst="rect">
+            <a:avLst/>
+          </a:prstGeom>
+          <a:solidFill>
+            <a:schemeClr val="accent2"/>
+          </a:solidFill>
+          <a:ln>
+            <a:noFill/>
+          </a:ln>
+        </p:spPr>
+        <p:style>
+          <a:lnRef idx="2">
+            <a:schemeClr val="accent1">
+              <a:shade val="50000"/>
+            </a:schemeClr>
+          </a:lnRef>
+          <a:fillRef idx="1">
+            <a:schemeClr val="accent1"/>
+          </a:fillRef>
+          <a:effectRef idx="0">
+            <a:schemeClr val="accent1"/>
+          </a:effectRef>
+          <a:fontRef idx="minor">
+            <a:schemeClr val="lt1"/>
+          </a:fontRef>
+        </p:style>
+      </p:sp>
+      <p:sp>
+        <p:nvSpPr>
+          <p:cNvPr id="9" name="Rectangle 8"/>
+          <p:cNvSpPr/>
+          <p:nvPr/>
+        </p:nvSpPr>
+        <p:spPr>
+          <a:xfrm>
+            <a:off x="15" y="6334316"/>
+            <a:ext cx="12188825" cy="64008"/>
+          </a:xfrm>
+          <a:prstGeom prst="rect">
+            <a:avLst/>
+          </a:prstGeom>
+          <a:solidFill>
+            <a:schemeClr val="accent1"/>
+          </a:solidFill>
+          <a:ln>
+            <a:noFill/>
+          </a:ln>
+        </p:spPr>
+        <p:style>
+          <a:lnRef idx="2">
+            <a:schemeClr val="accent1">
+              <a:shade val="50000"/>
+            </a:schemeClr>
+          </a:lnRef>
+          <a:fillRef idx="1">
+            <a:schemeClr val="accent1"/>
+          </a:fillRef>
+          <a:effectRef idx="0">
+            <a:schemeClr val="accent1"/>
+          </a:effectRef>
+          <a:fontRef idx="minor">
+            <a:schemeClr val="lt1"/>
+          </a:fontRef>
+        </p:style>
+      </p:sp>
+      <p:sp>
+        <p:nvSpPr>
+          <p:cNvPr id="2" name="Title Placeholder 1"/>
+          <p:cNvSpPr>
+            <a:spLocks noGrp="1"/>
+          </p:cNvSpPr>
+          <p:nvPr>
+            <p:ph type="title"/>
+          </p:nvPr>
+        </p:nvSpPr>
+        <p:spPr>
+          <a:xfrm>
+            <a:off x="1097280" y="286603"/>
+            <a:ext cx="10058400" cy="1450757"/>
           </a:xfrm>
           <a:prstGeom prst="rect">
             <a:avLst/>
           </a:prstGeom>
         </p:spPr>
         <p:txBody>
-          <a:bodyPr vert="horz" lIns="91440" tIns="45720" rIns="91440" bIns="45720" rtlCol="0" anchor="ctr">
+          <a:bodyPr vert="horz" lIns="91440" tIns="45720" rIns="91440" bIns="45720" rtlCol="0" anchor="b">
             <a:normAutofit/>
           </a:bodyPr>
           <a:lstStyle/>
           <a:p>
             <a:r>
-              <a:rPr lang="de-DE" smtClean="0"/>
-              <a:t>Titelmasterformat durch Klicken bearbeiten</a:t>
-            </a:r>
-            <a:endParaRPr lang="de-DE"/>
-          </a:p>
-        </p:txBody>
-      </p:sp>
-      <p:sp>
-        <p:nvSpPr>
-          <p:cNvPr id="3" name="Textplatzhalter 2"/>
+              <a:rPr lang="de-DE"/>
+              <a:t>Mastertitelformat bearbeiten</a:t>
+            </a:r>
+            <a:endParaRPr lang="en-US" dirty="0"/>
+          </a:p>
+        </p:txBody>
+      </p:sp>
+      <p:sp>
+        <p:nvSpPr>
+          <p:cNvPr id="3" name="Text Placeholder 2"/>
           <p:cNvSpPr>
             <a:spLocks noGrp="1"/>
           </p:cNvSpPr>
@@ -2479,59 +3203,59 @@
         </p:nvSpPr>
         <p:spPr>
           <a:xfrm>
-            <a:off x="838200" y="1825625"/>
-            <a:ext cx="10515600" cy="4351338"/>
+            <a:off x="1097280" y="1845734"/>
+            <a:ext cx="10058400" cy="4023360"/>
           </a:xfrm>
           <a:prstGeom prst="rect">
             <a:avLst/>
           </a:prstGeom>
         </p:spPr>
         <p:txBody>
-          <a:bodyPr vert="horz" lIns="91440" tIns="45720" rIns="91440" bIns="45720" rtlCol="0">
+          <a:bodyPr vert="horz" lIns="0" tIns="45720" rIns="0" bIns="45720" rtlCol="0">
             <a:normAutofit/>
           </a:bodyPr>
           <a:lstStyle/>
           <a:p>
             <a:pPr lvl="0"/>
             <a:r>
-              <a:rPr lang="de-DE" smtClean="0"/>
-              <a:t>Formatvorlagen des Textmasters bearbeiten</a:t>
+              <a:rPr lang="de-DE"/>
+              <a:t>Mastertextformat bearbeiten</a:t>
             </a:r>
           </a:p>
           <a:p>
             <a:pPr lvl="1"/>
             <a:r>
-              <a:rPr lang="de-DE" smtClean="0"/>
+              <a:rPr lang="de-DE"/>
               <a:t>Zweite Ebene</a:t>
             </a:r>
           </a:p>
           <a:p>
             <a:pPr lvl="2"/>
             <a:r>
-              <a:rPr lang="de-DE" smtClean="0"/>
+              <a:rPr lang="de-DE"/>
               <a:t>Dritte Ebene</a:t>
             </a:r>
           </a:p>
           <a:p>
             <a:pPr lvl="3"/>
             <a:r>
-              <a:rPr lang="de-DE" smtClean="0"/>
+              <a:rPr lang="de-DE"/>
               <a:t>Vierte Ebene</a:t>
             </a:r>
           </a:p>
           <a:p>
             <a:pPr lvl="4"/>
             <a:r>
-              <a:rPr lang="de-DE" smtClean="0"/>
+              <a:rPr lang="de-DE"/>
               <a:t>Fünfte Ebene</a:t>
             </a:r>
-            <a:endParaRPr lang="de-DE"/>
-          </a:p>
-        </p:txBody>
-      </p:sp>
-      <p:sp>
-        <p:nvSpPr>
-          <p:cNvPr id="4" name="Datumsplatzhalter 3"/>
+            <a:endParaRPr lang="en-US" dirty="0"/>
+          </a:p>
+        </p:txBody>
+      </p:sp>
+      <p:sp>
+        <p:nvSpPr>
+          <p:cNvPr id="4" name="Date Placeholder 3"/>
           <p:cNvSpPr>
             <a:spLocks noGrp="1"/>
           </p:cNvSpPr>
@@ -2541,8 +3265,8 @@
         </p:nvSpPr>
         <p:spPr>
           <a:xfrm>
-            <a:off x="838200" y="6356350"/>
-            <a:ext cx="2743200" cy="365125"/>
+            <a:off x="1097280" y="6459785"/>
+            <a:ext cx="2472271" cy="365125"/>
           </a:xfrm>
           <a:prstGeom prst="rect">
             <a:avLst/>
@@ -2552,11 +3276,9 @@
           <a:bodyPr vert="horz" lIns="91440" tIns="45720" rIns="91440" bIns="45720" rtlCol="0" anchor="ctr"/>
           <a:lstStyle>
             <a:lvl1pPr algn="l">
-              <a:defRPr sz="1200">
+              <a:defRPr sz="900">
                 <a:solidFill>
-                  <a:schemeClr val="tx1">
-                    <a:tint val="75000"/>
-                  </a:schemeClr>
+                  <a:srgbClr val="FFFFFF"/>
                 </a:solidFill>
               </a:defRPr>
             </a:lvl1pPr>
@@ -2564,7 +3286,7 @@
           <a:p>
             <a:fld id="{7EC124DD-4066-45EF-AAA0-5803FA57DC0A}" type="datetimeFigureOut">
               <a:rPr lang="de-DE" smtClean="0"/>
-              <a:t>02.02.2018</a:t>
+              <a:t>05.02.2018</a:t>
             </a:fld>
             <a:endParaRPr lang="de-DE"/>
           </a:p>
@@ -2572,7 +3294,7 @@
       </p:sp>
       <p:sp>
         <p:nvSpPr>
-          <p:cNvPr id="5" name="Fußzeilenplatzhalter 4"/>
+          <p:cNvPr id="5" name="Footer Placeholder 4"/>
           <p:cNvSpPr>
             <a:spLocks noGrp="1"/>
           </p:cNvSpPr>
@@ -2582,8 +3304,8 @@
         </p:nvSpPr>
         <p:spPr>
           <a:xfrm>
-            <a:off x="4038600" y="6356350"/>
-            <a:ext cx="4114800" cy="365125"/>
+            <a:off x="3686185" y="6459785"/>
+            <a:ext cx="4822804" cy="365125"/>
           </a:xfrm>
           <a:prstGeom prst="rect">
             <a:avLst/>
@@ -2593,11 +3315,9 @@
           <a:bodyPr vert="horz" lIns="91440" tIns="45720" rIns="91440" bIns="45720" rtlCol="0" anchor="ctr"/>
           <a:lstStyle>
             <a:lvl1pPr algn="ctr">
-              <a:defRPr sz="1200">
+              <a:defRPr sz="900" cap="all" baseline="0">
                 <a:solidFill>
-                  <a:schemeClr val="tx1">
-                    <a:tint val="75000"/>
-                  </a:schemeClr>
+                  <a:srgbClr val="FFFFFF"/>
                 </a:solidFill>
               </a:defRPr>
             </a:lvl1pPr>
@@ -2609,7 +3329,7 @@
       </p:sp>
       <p:sp>
         <p:nvSpPr>
-          <p:cNvPr id="6" name="Foliennummernplatzhalter 5"/>
+          <p:cNvPr id="6" name="Slide Number Placeholder 5"/>
           <p:cNvSpPr>
             <a:spLocks noGrp="1"/>
           </p:cNvSpPr>
@@ -2619,8 +3339,8 @@
         </p:nvSpPr>
         <p:spPr>
           <a:xfrm>
-            <a:off x="8610600" y="6356350"/>
-            <a:ext cx="2743200" cy="365125"/>
+            <a:off x="9900458" y="6459785"/>
+            <a:ext cx="1312025" cy="365125"/>
           </a:xfrm>
           <a:prstGeom prst="rect">
             <a:avLst/>
@@ -2630,11 +3350,9 @@
           <a:bodyPr vert="horz" lIns="91440" tIns="45720" rIns="91440" bIns="45720" rtlCol="0" anchor="ctr"/>
           <a:lstStyle>
             <a:lvl1pPr algn="r">
-              <a:defRPr sz="1200">
+              <a:defRPr sz="1050">
                 <a:solidFill>
-                  <a:schemeClr val="tx1">
-                    <a:tint val="75000"/>
-                  </a:schemeClr>
+                  <a:srgbClr val="FFFFFF"/>
                 </a:solidFill>
               </a:defRPr>
             </a:lvl1pPr>
@@ -2648,40 +3366,81 @@
           </a:p>
         </p:txBody>
       </p:sp>
+      <p:cxnSp>
+        <p:nvCxnSpPr>
+          <p:cNvPr id="10" name="Straight Connector 9"/>
+          <p:cNvCxnSpPr/>
+          <p:nvPr/>
+        </p:nvCxnSpPr>
+        <p:spPr>
+          <a:xfrm>
+            <a:off x="1193532" y="1737845"/>
+            <a:ext cx="9966960" cy="0"/>
+          </a:xfrm>
+          <a:prstGeom prst="line">
+            <a:avLst/>
+          </a:prstGeom>
+          <a:ln w="6350">
+            <a:solidFill>
+              <a:schemeClr val="tx1">
+                <a:lumMod val="50000"/>
+                <a:lumOff val="50000"/>
+              </a:schemeClr>
+            </a:solidFill>
+          </a:ln>
+        </p:spPr>
+        <p:style>
+          <a:lnRef idx="1">
+            <a:schemeClr val="accent1"/>
+          </a:lnRef>
+          <a:fillRef idx="0">
+            <a:schemeClr val="accent1"/>
+          </a:fillRef>
+          <a:effectRef idx="0">
+            <a:schemeClr val="accent1"/>
+          </a:effectRef>
+          <a:fontRef idx="minor">
+            <a:schemeClr val="tx1"/>
+          </a:fontRef>
+        </p:style>
+      </p:cxnSp>
     </p:spTree>
     <p:extLst>
       <p:ext uri="{BB962C8B-B14F-4D97-AF65-F5344CB8AC3E}">
-        <p14:creationId xmlns:p14="http://schemas.microsoft.com/office/powerpoint/2010/main" val="4269986947"/>
+        <p14:creationId xmlns:p14="http://schemas.microsoft.com/office/powerpoint/2010/main" val="1012225575"/>
       </p:ext>
     </p:extLst>
   </p:cSld>
   <p:clrMap bg1="lt1" tx1="dk1" bg2="lt2" tx2="dk2" accent1="accent1" accent2="accent2" accent3="accent3" accent4="accent4" accent5="accent5" accent6="accent6" hlink="hlink" folHlink="folHlink"/>
   <p:sldLayoutIdLst>
-    <p:sldLayoutId id="2147483649" r:id="rId1"/>
-    <p:sldLayoutId id="2147483650" r:id="rId2"/>
-    <p:sldLayoutId id="2147483651" r:id="rId3"/>
-    <p:sldLayoutId id="2147483652" r:id="rId4"/>
-    <p:sldLayoutId id="2147483653" r:id="rId5"/>
-    <p:sldLayoutId id="2147483654" r:id="rId6"/>
-    <p:sldLayoutId id="2147483655" r:id="rId7"/>
-    <p:sldLayoutId id="2147483656" r:id="rId8"/>
-    <p:sldLayoutId id="2147483657" r:id="rId9"/>
-    <p:sldLayoutId id="2147483658" r:id="rId10"/>
-    <p:sldLayoutId id="2147483659" r:id="rId11"/>
+    <p:sldLayoutId id="2147483714" r:id="rId1"/>
+    <p:sldLayoutId id="2147483715" r:id="rId2"/>
+    <p:sldLayoutId id="2147483716" r:id="rId3"/>
+    <p:sldLayoutId id="2147483717" r:id="rId4"/>
+    <p:sldLayoutId id="2147483718" r:id="rId5"/>
+    <p:sldLayoutId id="2147483719" r:id="rId6"/>
+    <p:sldLayoutId id="2147483720" r:id="rId7"/>
+    <p:sldLayoutId id="2147483721" r:id="rId8"/>
+    <p:sldLayoutId id="2147483722" r:id="rId9"/>
+    <p:sldLayoutId id="2147483723" r:id="rId10"/>
+    <p:sldLayoutId id="2147483724" r:id="rId11"/>
   </p:sldLayoutIdLst>
   <p:txStyles>
     <p:titleStyle>
       <a:lvl1pPr algn="l" defTabSz="914400" rtl="0" eaLnBrk="1" latinLnBrk="0" hangingPunct="1">
         <a:lnSpc>
-          <a:spcPct val="90000"/>
+          <a:spcPct val="85000"/>
         </a:lnSpc>
         <a:spcBef>
           <a:spcPct val="0"/>
         </a:spcBef>
         <a:buNone/>
-        <a:defRPr sz="4400" kern="1200">
+        <a:defRPr sz="4800" kern="1200" spc="-50" baseline="0">
           <a:solidFill>
-            <a:schemeClr val="tx1"/>
+            <a:schemeClr val="tx1">
+              <a:lumMod val="75000"/>
+              <a:lumOff val="25000"/>
+            </a:schemeClr>
           </a:solidFill>
           <a:latin typeface="+mj-lt"/>
           <a:ea typeface="+mj-ea"/>
@@ -2690,162 +3449,244 @@
       </a:lvl1pPr>
     </p:titleStyle>
     <p:bodyStyle>
-      <a:lvl1pPr marL="228600" indent="-228600" algn="l" defTabSz="914400" rtl="0" eaLnBrk="1" latinLnBrk="0" hangingPunct="1">
+      <a:lvl1pPr marL="91440" indent="-91440" algn="l" defTabSz="914400" rtl="0" eaLnBrk="1" latinLnBrk="0" hangingPunct="1">
         <a:lnSpc>
           <a:spcPct val="90000"/>
         </a:lnSpc>
         <a:spcBef>
-          <a:spcPts val="1000"/>
+          <a:spcPts val="1200"/>
         </a:spcBef>
-        <a:buFont typeface="Arial" panose="020B0604020202020204" pitchFamily="34" charset="0"/>
-        <a:buChar char="•"/>
-        <a:defRPr sz="2800" kern="1200">
+        <a:spcAft>
+          <a:spcPts val="200"/>
+        </a:spcAft>
+        <a:buClr>
+          <a:schemeClr val="accent1"/>
+        </a:buClr>
+        <a:buSzPct val="100000"/>
+        <a:buFont typeface="Calibri" panose="020F0502020204030204" pitchFamily="34" charset="0"/>
+        <a:buChar char=" "/>
+        <a:defRPr sz="2000" kern="1200">
           <a:solidFill>
-            <a:schemeClr val="tx1"/>
+            <a:schemeClr val="tx1">
+              <a:lumMod val="75000"/>
+              <a:lumOff val="25000"/>
+            </a:schemeClr>
           </a:solidFill>
           <a:latin typeface="+mn-lt"/>
           <a:ea typeface="+mn-ea"/>
           <a:cs typeface="+mn-cs"/>
         </a:defRPr>
       </a:lvl1pPr>
-      <a:lvl2pPr marL="685800" indent="-228600" algn="l" defTabSz="914400" rtl="0" eaLnBrk="1" latinLnBrk="0" hangingPunct="1">
+      <a:lvl2pPr marL="384048" indent="-182880" algn="l" defTabSz="914400" rtl="0" eaLnBrk="1" latinLnBrk="0" hangingPunct="1">
         <a:lnSpc>
           <a:spcPct val="90000"/>
         </a:lnSpc>
         <a:spcBef>
-          <a:spcPts val="500"/>
+          <a:spcPts val="200"/>
         </a:spcBef>
-        <a:buFont typeface="Arial" panose="020B0604020202020204" pitchFamily="34" charset="0"/>
-        <a:buChar char="•"/>
-        <a:defRPr sz="2400" kern="1200">
+        <a:spcAft>
+          <a:spcPts val="400"/>
+        </a:spcAft>
+        <a:buClr>
+          <a:schemeClr val="accent1"/>
+        </a:buClr>
+        <a:buFont typeface="Calibri" pitchFamily="34" charset="0"/>
+        <a:buChar char="◦"/>
+        <a:defRPr sz="1800" kern="1200">
           <a:solidFill>
-            <a:schemeClr val="tx1"/>
+            <a:schemeClr val="tx1">
+              <a:lumMod val="75000"/>
+              <a:lumOff val="25000"/>
+            </a:schemeClr>
           </a:solidFill>
           <a:latin typeface="+mn-lt"/>
           <a:ea typeface="+mn-ea"/>
           <a:cs typeface="+mn-cs"/>
         </a:defRPr>
       </a:lvl2pPr>
-      <a:lvl3pPr marL="1143000" indent="-228600" algn="l" defTabSz="914400" rtl="0" eaLnBrk="1" latinLnBrk="0" hangingPunct="1">
+      <a:lvl3pPr marL="566928" indent="-182880" algn="l" defTabSz="914400" rtl="0" eaLnBrk="1" latinLnBrk="0" hangingPunct="1">
         <a:lnSpc>
           <a:spcPct val="90000"/>
         </a:lnSpc>
         <a:spcBef>
-          <a:spcPts val="500"/>
+          <a:spcPts val="200"/>
         </a:spcBef>
-        <a:buFont typeface="Arial" panose="020B0604020202020204" pitchFamily="34" charset="0"/>
-        <a:buChar char="•"/>
-        <a:defRPr sz="2000" kern="1200">
+        <a:spcAft>
+          <a:spcPts val="400"/>
+        </a:spcAft>
+        <a:buClr>
+          <a:schemeClr val="accent1"/>
+        </a:buClr>
+        <a:buFont typeface="Calibri" pitchFamily="34" charset="0"/>
+        <a:buChar char="◦"/>
+        <a:defRPr sz="1400" kern="1200">
           <a:solidFill>
-            <a:schemeClr val="tx1"/>
+            <a:schemeClr val="tx1">
+              <a:lumMod val="75000"/>
+              <a:lumOff val="25000"/>
+            </a:schemeClr>
           </a:solidFill>
           <a:latin typeface="+mn-lt"/>
           <a:ea typeface="+mn-ea"/>
           <a:cs typeface="+mn-cs"/>
         </a:defRPr>
       </a:lvl3pPr>
-      <a:lvl4pPr marL="1600200" indent="-228600" algn="l" defTabSz="914400" rtl="0" eaLnBrk="1" latinLnBrk="0" hangingPunct="1">
+      <a:lvl4pPr marL="749808" indent="-182880" algn="l" defTabSz="914400" rtl="0" eaLnBrk="1" latinLnBrk="0" hangingPunct="1">
         <a:lnSpc>
           <a:spcPct val="90000"/>
         </a:lnSpc>
         <a:spcBef>
-          <a:spcPts val="500"/>
+          <a:spcPts val="200"/>
         </a:spcBef>
-        <a:buFont typeface="Arial" panose="020B0604020202020204" pitchFamily="34" charset="0"/>
-        <a:buChar char="•"/>
-        <a:defRPr sz="1800" kern="1200">
+        <a:spcAft>
+          <a:spcPts val="400"/>
+        </a:spcAft>
+        <a:buClr>
+          <a:schemeClr val="accent1"/>
+        </a:buClr>
+        <a:buFont typeface="Calibri" pitchFamily="34" charset="0"/>
+        <a:buChar char="◦"/>
+        <a:defRPr sz="1400" kern="1200">
           <a:solidFill>
-            <a:schemeClr val="tx1"/>
+            <a:schemeClr val="tx1">
+              <a:lumMod val="75000"/>
+              <a:lumOff val="25000"/>
+            </a:schemeClr>
           </a:solidFill>
           <a:latin typeface="+mn-lt"/>
           <a:ea typeface="+mn-ea"/>
           <a:cs typeface="+mn-cs"/>
         </a:defRPr>
       </a:lvl4pPr>
-      <a:lvl5pPr marL="2057400" indent="-228600" algn="l" defTabSz="914400" rtl="0" eaLnBrk="1" latinLnBrk="0" hangingPunct="1">
+      <a:lvl5pPr marL="932688" indent="-182880" algn="l" defTabSz="914400" rtl="0" eaLnBrk="1" latinLnBrk="0" hangingPunct="1">
         <a:lnSpc>
           <a:spcPct val="90000"/>
         </a:lnSpc>
         <a:spcBef>
-          <a:spcPts val="500"/>
+          <a:spcPts val="200"/>
         </a:spcBef>
-        <a:buFont typeface="Arial" panose="020B0604020202020204" pitchFamily="34" charset="0"/>
-        <a:buChar char="•"/>
-        <a:defRPr sz="1800" kern="1200">
+        <a:spcAft>
+          <a:spcPts val="400"/>
+        </a:spcAft>
+        <a:buClr>
+          <a:schemeClr val="accent1"/>
+        </a:buClr>
+        <a:buFont typeface="Calibri" pitchFamily="34" charset="0"/>
+        <a:buChar char="◦"/>
+        <a:defRPr sz="1400" kern="1200">
           <a:solidFill>
-            <a:schemeClr val="tx1"/>
+            <a:schemeClr val="tx1">
+              <a:lumMod val="75000"/>
+              <a:lumOff val="25000"/>
+            </a:schemeClr>
           </a:solidFill>
           <a:latin typeface="+mn-lt"/>
           <a:ea typeface="+mn-ea"/>
           <a:cs typeface="+mn-cs"/>
         </a:defRPr>
       </a:lvl5pPr>
-      <a:lvl6pPr marL="2514600" indent="-228600" algn="l" defTabSz="914400" rtl="0" eaLnBrk="1" latinLnBrk="0" hangingPunct="1">
+      <a:lvl6pPr marL="1100000" indent="-228600" algn="l" defTabSz="914400" rtl="0" eaLnBrk="1" latinLnBrk="0" hangingPunct="1">
         <a:lnSpc>
           <a:spcPct val="90000"/>
         </a:lnSpc>
         <a:spcBef>
-          <a:spcPts val="500"/>
+          <a:spcPts val="200"/>
         </a:spcBef>
-        <a:buFont typeface="Arial" panose="020B0604020202020204" pitchFamily="34" charset="0"/>
-        <a:buChar char="•"/>
-        <a:defRPr sz="1800" kern="1200">
+        <a:spcAft>
+          <a:spcPts val="400"/>
+        </a:spcAft>
+        <a:buClr>
+          <a:schemeClr val="accent1"/>
+        </a:buClr>
+        <a:buFont typeface="Calibri" pitchFamily="34" charset="0"/>
+        <a:buChar char="◦"/>
+        <a:defRPr sz="1400" kern="1200">
           <a:solidFill>
-            <a:schemeClr val="tx1"/>
+            <a:schemeClr val="tx1">
+              <a:lumMod val="75000"/>
+              <a:lumOff val="25000"/>
+            </a:schemeClr>
           </a:solidFill>
           <a:latin typeface="+mn-lt"/>
           <a:ea typeface="+mn-ea"/>
           <a:cs typeface="+mn-cs"/>
         </a:defRPr>
       </a:lvl6pPr>
-      <a:lvl7pPr marL="2971800" indent="-228600" algn="l" defTabSz="914400" rtl="0" eaLnBrk="1" latinLnBrk="0" hangingPunct="1">
+      <a:lvl7pPr marL="1300000" indent="-228600" algn="l" defTabSz="914400" rtl="0" eaLnBrk="1" latinLnBrk="0" hangingPunct="1">
         <a:lnSpc>
           <a:spcPct val="90000"/>
         </a:lnSpc>
         <a:spcBef>
-          <a:spcPts val="500"/>
+          <a:spcPts val="200"/>
         </a:spcBef>
-        <a:buFont typeface="Arial" panose="020B0604020202020204" pitchFamily="34" charset="0"/>
-        <a:buChar char="•"/>
-        <a:defRPr sz="1800" kern="1200">
+        <a:spcAft>
+          <a:spcPts val="400"/>
+        </a:spcAft>
+        <a:buClr>
+          <a:schemeClr val="accent1"/>
+        </a:buClr>
+        <a:buFont typeface="Calibri" pitchFamily="34" charset="0"/>
+        <a:buChar char="◦"/>
+        <a:defRPr sz="1400" kern="1200">
           <a:solidFill>
-            <a:schemeClr val="tx1"/>
+            <a:schemeClr val="tx1">
+              <a:lumMod val="75000"/>
+              <a:lumOff val="25000"/>
+            </a:schemeClr>
           </a:solidFill>
           <a:latin typeface="+mn-lt"/>
           <a:ea typeface="+mn-ea"/>
           <a:cs typeface="+mn-cs"/>
         </a:defRPr>
       </a:lvl7pPr>
-      <a:lvl8pPr marL="3429000" indent="-228600" algn="l" defTabSz="914400" rtl="0" eaLnBrk="1" latinLnBrk="0" hangingPunct="1">
+      <a:lvl8pPr marL="1500000" indent="-228600" algn="l" defTabSz="914400" rtl="0" eaLnBrk="1" latinLnBrk="0" hangingPunct="1">
         <a:lnSpc>
           <a:spcPct val="90000"/>
         </a:lnSpc>
         <a:spcBef>
-          <a:spcPts val="500"/>
+          <a:spcPts val="200"/>
         </a:spcBef>
-        <a:buFont typeface="Arial" panose="020B0604020202020204" pitchFamily="34" charset="0"/>
-        <a:buChar char="•"/>
-        <a:defRPr sz="1800" kern="1200">
+        <a:spcAft>
+          <a:spcPts val="400"/>
+        </a:spcAft>
+        <a:buClr>
+          <a:schemeClr val="accent1"/>
+        </a:buClr>
+        <a:buFont typeface="Calibri" pitchFamily="34" charset="0"/>
+        <a:buChar char="◦"/>
+        <a:defRPr sz="1400" kern="1200">
           <a:solidFill>
-            <a:schemeClr val="tx1"/>
+            <a:schemeClr val="tx1">
+              <a:lumMod val="75000"/>
+              <a:lumOff val="25000"/>
+            </a:schemeClr>
           </a:solidFill>
           <a:latin typeface="+mn-lt"/>
           <a:ea typeface="+mn-ea"/>
           <a:cs typeface="+mn-cs"/>
         </a:defRPr>
       </a:lvl8pPr>
-      <a:lvl9pPr marL="3886200" indent="-228600" algn="l" defTabSz="914400" rtl="0" eaLnBrk="1" latinLnBrk="0" hangingPunct="1">
+      <a:lvl9pPr marL="1700000" indent="-228600" algn="l" defTabSz="914400" rtl="0" eaLnBrk="1" latinLnBrk="0" hangingPunct="1">
         <a:lnSpc>
           <a:spcPct val="90000"/>
         </a:lnSpc>
         <a:spcBef>
-          <a:spcPts val="500"/>
+          <a:spcPts val="200"/>
         </a:spcBef>
-        <a:buFont typeface="Arial" panose="020B0604020202020204" pitchFamily="34" charset="0"/>
-        <a:buChar char="•"/>
-        <a:defRPr sz="1800" kern="1200">
+        <a:spcAft>
+          <a:spcPts val="400"/>
+        </a:spcAft>
+        <a:buClr>
+          <a:schemeClr val="accent1"/>
+        </a:buClr>
+        <a:buFont typeface="Calibri" pitchFamily="34" charset="0"/>
+        <a:buChar char="◦"/>
+        <a:defRPr sz="1400" kern="1200">
           <a:solidFill>
-            <a:schemeClr val="tx1"/>
+            <a:schemeClr val="tx1">
+              <a:lumMod val="75000"/>
+              <a:lumOff val="25000"/>
+            </a:schemeClr>
           </a:solidFill>
           <a:latin typeface="+mn-lt"/>
           <a:ea typeface="+mn-ea"/>
@@ -2855,7 +3696,7 @@
     </p:bodyStyle>
     <p:otherStyle>
       <a:defPPr>
-        <a:defRPr lang="de-DE"/>
+        <a:defRPr lang="en-US"/>
       </a:defPPr>
       <a:lvl1pPr marL="0" algn="l" defTabSz="914400" rtl="0" eaLnBrk="1" latinLnBrk="0" hangingPunct="1">
         <a:defRPr sz="1800" kern="1200">
@@ -2982,29 +3823,24 @@
         <p:spPr/>
         <p:txBody>
           <a:bodyPr>
-            <a:normAutofit fontScale="90000"/>
+            <a:normAutofit/>
           </a:bodyPr>
           <a:lstStyle/>
           <a:p>
             <a:r>
-              <a:rPr lang="de-DE" dirty="0" smtClean="0"/>
+              <a:rPr lang="de-DE" dirty="0"/>
               <a:t>Big Data</a:t>
             </a:r>
             <a:br>
-              <a:rPr lang="de-DE" dirty="0" smtClean="0"/>
+              <a:rPr lang="de-DE" dirty="0"/>
             </a:br>
-            <a:r>
-              <a:rPr lang="de-DE" dirty="0" smtClean="0"/>
-              <a:t/>
-            </a:r>
             <a:br>
-              <a:rPr lang="de-DE" dirty="0" smtClean="0"/>
+              <a:rPr lang="de-DE" dirty="0"/>
             </a:br>
             <a:r>
-              <a:rPr lang="de-DE" b="1" dirty="0" smtClean="0"/>
+              <a:rPr lang="de-DE" b="1" dirty="0"/>
               <a:t>Bitcoin Kurse &amp; Twitter</a:t>
             </a:r>
-            <a:endParaRPr lang="de-DE" b="1" dirty="0"/>
           </a:p>
         </p:txBody>
       </p:sp>
@@ -3021,35 +3857,34 @@
         <p:spPr/>
         <p:txBody>
           <a:bodyPr>
-            <a:normAutofit lnSpcReduction="10000"/>
+            <a:normAutofit fontScale="47500" lnSpcReduction="20000"/>
           </a:bodyPr>
           <a:lstStyle/>
           <a:p>
-            <a:endParaRPr lang="de-DE" dirty="0" smtClean="0"/>
-          </a:p>
-          <a:p>
-            <a:r>
-              <a:rPr lang="de-DE" dirty="0" smtClean="0"/>
+            <a:endParaRPr lang="de-DE" dirty="0"/>
+          </a:p>
+          <a:p>
+            <a:r>
+              <a:rPr lang="de-DE" dirty="0"/>
               <a:t>Alicia Hirt</a:t>
             </a:r>
           </a:p>
           <a:p>
             <a:r>
-              <a:rPr lang="de-DE" dirty="0" smtClean="0"/>
+              <a:rPr lang="de-DE" dirty="0"/>
               <a:t>Jan-Philipp </a:t>
             </a:r>
             <a:r>
-              <a:rPr lang="de-DE" dirty="0" err="1" smtClean="0"/>
+              <a:rPr lang="de-DE" dirty="0" err="1"/>
               <a:t>Praetorius</a:t>
             </a:r>
-            <a:endParaRPr lang="de-DE" dirty="0" smtClean="0"/>
-          </a:p>
-          <a:p>
-            <a:r>
-              <a:rPr lang="de-DE" dirty="0" smtClean="0"/>
+            <a:endParaRPr lang="de-DE" dirty="0"/>
+          </a:p>
+          <a:p>
+            <a:r>
+              <a:rPr lang="de-DE" dirty="0"/>
               <a:t>Tristan Kreuziger</a:t>
             </a:r>
-            <a:endParaRPr lang="de-DE" dirty="0"/>
           </a:p>
         </p:txBody>
       </p:sp>
@@ -3085,7 +3920,13 @@
       </p:grpSpPr>
       <p:sp>
         <p:nvSpPr>
-          <p:cNvPr id="2" name="Titel 1"/>
+          <p:cNvPr id="2" name="Titel 1">
+            <a:extLst>
+              <a:ext uri="{FF2B5EF4-FFF2-40B4-BE49-F238E27FC236}">
+                <a16:creationId xmlns:a16="http://schemas.microsoft.com/office/drawing/2014/main" id="{408EDFF4-B654-46B0-AB1C-47F3A338B71E}"/>
+              </a:ext>
+            </a:extLst>
+          </p:cNvPr>
           <p:cNvSpPr>
             <a:spLocks noGrp="1"/>
           </p:cNvSpPr>
@@ -3099,16 +3940,21 @@
           <a:lstStyle/>
           <a:p>
             <a:r>
-              <a:rPr lang="de-DE" dirty="0" smtClean="0"/>
-              <a:t>Data Input</a:t>
-            </a:r>
-            <a:endParaRPr lang="de-DE" dirty="0"/>
-          </a:p>
-        </p:txBody>
-      </p:sp>
-      <p:sp>
-        <p:nvSpPr>
-          <p:cNvPr id="3" name="Inhaltsplatzhalter 2"/>
+              <a:rPr lang="de-DE" dirty="0"/>
+              <a:t>Zielsetzung</a:t>
+            </a:r>
+          </a:p>
+        </p:txBody>
+      </p:sp>
+      <p:sp>
+        <p:nvSpPr>
+          <p:cNvPr id="3" name="Inhaltsplatzhalter 2">
+            <a:extLst>
+              <a:ext uri="{FF2B5EF4-FFF2-40B4-BE49-F238E27FC236}">
+                <a16:creationId xmlns:a16="http://schemas.microsoft.com/office/drawing/2014/main" id="{3C54702B-0853-4D08-AB2C-32641E788F89}"/>
+              </a:ext>
+            </a:extLst>
+          </p:cNvPr>
           <p:cNvSpPr>
             <a:spLocks noGrp="1"/>
           </p:cNvSpPr>
@@ -3118,29 +3964,15 @@
         </p:nvSpPr>
         <p:spPr/>
         <p:txBody>
-          <a:bodyPr/>
-          <a:lstStyle/>
-          <a:p>
-            <a:r>
-              <a:rPr lang="de-DE" dirty="0" smtClean="0"/>
-              <a:t>Twitter ausgelesen </a:t>
-            </a:r>
-            <a:r>
-              <a:rPr lang="de-DE" dirty="0" err="1" smtClean="0"/>
-              <a:t>viaTweepy</a:t>
-            </a:r>
-            <a:endParaRPr lang="de-DE" dirty="0" smtClean="0"/>
-          </a:p>
-          <a:p>
-            <a:r>
-              <a:rPr lang="de-DE" dirty="0" smtClean="0"/>
-              <a:t>Output als JSON mit vielen Attributen</a:t>
-            </a:r>
-          </a:p>
-          <a:p>
-            <a:r>
-              <a:rPr lang="de-DE" dirty="0" smtClean="0"/>
-              <a:t>Reduktion auf Datum &amp; Zeit, Text</a:t>
+          <a:bodyPr anchor="ctr">
+            <a:normAutofit/>
+          </a:bodyPr>
+          <a:lstStyle/>
+          <a:p>
+            <a:pPr algn="ctr"/>
+            <a:r>
+              <a:rPr lang="de-DE" sz="4400" b="1" i="1" dirty="0"/>
+              <a:t>Gibt es einen Zusammenhang zwischen der Stimmung der Twitter User und dem Bitcoin Kurs?</a:t>
             </a:r>
           </a:p>
         </p:txBody>
@@ -3148,7 +3980,7 @@
     </p:spTree>
     <p:extLst>
       <p:ext uri="{BB962C8B-B14F-4D97-AF65-F5344CB8AC3E}">
-        <p14:creationId xmlns:p14="http://schemas.microsoft.com/office/powerpoint/2010/main" val="2088131933"/>
+        <p14:creationId xmlns:p14="http://schemas.microsoft.com/office/powerpoint/2010/main" val="1345807764"/>
       </p:ext>
     </p:extLst>
   </p:cSld>
@@ -3191,10 +4023,9 @@
           <a:lstStyle/>
           <a:p>
             <a:r>
-              <a:rPr lang="de-DE" dirty="0" smtClean="0"/>
-              <a:t>Bitcoin Stack</a:t>
-            </a:r>
-            <a:endParaRPr lang="de-DE" dirty="0"/>
+              <a:rPr lang="de-DE" dirty="0"/>
+              <a:t>Daten</a:t>
+            </a:r>
           </a:p>
         </p:txBody>
       </p:sp>
@@ -3208,52 +4039,136 @@
             <p:ph idx="1"/>
           </p:nvPr>
         </p:nvSpPr>
-        <p:spPr/>
-        <p:txBody>
-          <a:bodyPr/>
-          <a:lstStyle/>
-          <a:p>
-            <a:pPr marL="0" indent="0">
-              <a:buNone/>
-            </a:pPr>
-            <a:r>
-              <a:rPr lang="de-DE" dirty="0" smtClean="0">
-                <a:hlinkClick r:id="rId2"/>
-              </a:rPr>
-              <a:t>www.coindesk.com</a:t>
-            </a:r>
-            <a:endParaRPr lang="de-DE" dirty="0" smtClean="0"/>
-          </a:p>
-        </p:txBody>
-      </p:sp>
-      <p:pic>
-        <p:nvPicPr>
-          <p:cNvPr id="4" name="Grafik 3"/>
-          <p:cNvPicPr>
-            <a:picLocks noChangeAspect="1"/>
-          </p:cNvPicPr>
-          <p:nvPr/>
-        </p:nvPicPr>
-        <p:blipFill>
-          <a:blip r:embed="rId3"/>
-          <a:stretch>
-            <a:fillRect/>
-          </a:stretch>
-        </p:blipFill>
         <p:spPr>
           <a:xfrm>
-            <a:off x="4653534" y="2465260"/>
-            <a:ext cx="3086100" cy="3609975"/>
+            <a:off x="1097280" y="1845734"/>
+            <a:ext cx="10058400" cy="4244348"/>
           </a:xfrm>
-          <a:prstGeom prst="rect">
+        </p:spPr>
+        <p:txBody>
+          <a:bodyPr>
+            <a:normAutofit/>
+          </a:bodyPr>
+          <a:lstStyle/>
+          <a:p>
+            <a:r>
+              <a:rPr lang="de-DE" b="1" dirty="0"/>
+              <a:t>Twitter Daten,</a:t>
+            </a:r>
+            <a:r>
+              <a:rPr lang="de-DE" dirty="0"/>
+              <a:t> ausgelesen via </a:t>
+            </a:r>
+            <a:r>
+              <a:rPr lang="de-DE" dirty="0" err="1"/>
+              <a:t>Tweepy</a:t>
+            </a:r>
+            <a:endParaRPr lang="de-DE" dirty="0"/>
+          </a:p>
+          <a:p>
+            <a:pPr lvl="1"/>
+            <a:r>
+              <a:rPr lang="de-DE" dirty="0"/>
+              <a:t>#Bitcoin, Bitcoin</a:t>
+            </a:r>
+          </a:p>
+          <a:p>
+            <a:pPr lvl="1"/>
+            <a:r>
+              <a:rPr lang="de-DE" dirty="0" err="1"/>
+              <a:t>Cryptocurrency</a:t>
+            </a:r>
+            <a:endParaRPr lang="de-DE" dirty="0"/>
+          </a:p>
+          <a:p>
+            <a:pPr lvl="1"/>
+            <a:r>
+              <a:rPr lang="de-DE" dirty="0"/>
+              <a:t>…</a:t>
+            </a:r>
+          </a:p>
+          <a:p>
+            <a:r>
+              <a:rPr lang="de-DE" dirty="0"/>
+              <a:t>Output als JSON mit vielen Attributen</a:t>
+            </a:r>
+          </a:p>
+          <a:p>
+            <a:r>
+              <a:rPr lang="de-DE" dirty="0"/>
+              <a:t>             Reduktion auf Datum &amp; Uhrzeit, Text</a:t>
+            </a:r>
+          </a:p>
+          <a:p>
+            <a:endParaRPr lang="de-DE" dirty="0"/>
+          </a:p>
+          <a:p>
+            <a:r>
+              <a:rPr lang="de-DE" dirty="0"/>
+              <a:t>Zeitraum: 18.01.2018 – 01.02.2018</a:t>
+            </a:r>
+          </a:p>
+          <a:p>
+            <a:r>
+              <a:rPr lang="de-DE" dirty="0"/>
+              <a:t>Etwa 120.000 Tweets</a:t>
+            </a:r>
+          </a:p>
+          <a:p>
+            <a:endParaRPr lang="de-DE" dirty="0"/>
+          </a:p>
+        </p:txBody>
+      </p:sp>
+      <p:sp>
+        <p:nvSpPr>
+          <p:cNvPr id="5" name="Pfeil: nach oben gebogen 4">
+            <a:extLst>
+              <a:ext uri="{FF2B5EF4-FFF2-40B4-BE49-F238E27FC236}">
+                <a16:creationId xmlns:a16="http://schemas.microsoft.com/office/drawing/2014/main" id="{F133AB24-377D-4176-8AA6-B3EECAEE0ED8}"/>
+              </a:ext>
+            </a:extLst>
+          </p:cNvPr>
+          <p:cNvSpPr/>
+          <p:nvPr/>
+        </p:nvSpPr>
+        <p:spPr>
+          <a:xfrm rot="5400000">
+            <a:off x="1438182" y="3622089"/>
+            <a:ext cx="355107" cy="408373"/>
+          </a:xfrm>
+          <a:prstGeom prst="bentUpArrow">
             <a:avLst/>
           </a:prstGeom>
         </p:spPr>
-      </p:pic>
+        <p:style>
+          <a:lnRef idx="2">
+            <a:schemeClr val="accent1">
+              <a:shade val="50000"/>
+            </a:schemeClr>
+          </a:lnRef>
+          <a:fillRef idx="1">
+            <a:schemeClr val="accent1"/>
+          </a:fillRef>
+          <a:effectRef idx="0">
+            <a:schemeClr val="accent1"/>
+          </a:effectRef>
+          <a:fontRef idx="minor">
+            <a:schemeClr val="lt1"/>
+          </a:fontRef>
+        </p:style>
+        <p:txBody>
+          <a:bodyPr rtlCol="0" anchor="ctr"/>
+          <a:lstStyle/>
+          <a:p>
+            <a:pPr algn="ctr"/>
+            <a:endParaRPr lang="de-DE"/>
+          </a:p>
+        </p:txBody>
+      </p:sp>
     </p:spTree>
     <p:extLst>
       <p:ext uri="{BB962C8B-B14F-4D97-AF65-F5344CB8AC3E}">
-        <p14:creationId xmlns:p14="http://schemas.microsoft.com/office/powerpoint/2010/main" val="872664027"/>
+        <p14:creationId xmlns:p14="http://schemas.microsoft.com/office/powerpoint/2010/main" val="2088131933"/>
       </p:ext>
     </p:extLst>
   </p:cSld>
@@ -3296,10 +4211,9 @@
           <a:lstStyle/>
           <a:p>
             <a:r>
-              <a:rPr lang="de-DE" dirty="0" smtClean="0"/>
-              <a:t>Spark Workflow</a:t>
-            </a:r>
-            <a:endParaRPr lang="de-DE" dirty="0"/>
+              <a:rPr lang="de-DE" dirty="0"/>
+              <a:t>Daten</a:t>
+            </a:r>
           </a:p>
         </p:txBody>
       </p:sp>
@@ -3315,566 +4229,688 @@
         </p:nvSpPr>
         <p:spPr>
           <a:xfrm>
-            <a:off x="838200" y="1825624"/>
-            <a:ext cx="10515600" cy="4849495"/>
+            <a:off x="1097280" y="1845734"/>
+            <a:ext cx="10058400" cy="4244348"/>
           </a:xfrm>
         </p:spPr>
         <p:txBody>
           <a:bodyPr>
-            <a:normAutofit fontScale="85000" lnSpcReduction="20000"/>
+            <a:normAutofit/>
           </a:bodyPr>
           <a:lstStyle/>
           <a:p>
-            <a:pPr marL="0" indent="0">
-              <a:buNone/>
-            </a:pPr>
-            <a:r>
-              <a:rPr lang="de-DE" sz="2000" dirty="0" err="1" smtClean="0">
-                <a:latin typeface="Lucida Console" panose="020B0609040504020204" pitchFamily="49" charset="0"/>
-              </a:rPr>
-              <a:t>data_lines</a:t>
-            </a:r>
-            <a:r>
-              <a:rPr lang="de-DE" sz="2000" dirty="0" smtClean="0">
-                <a:latin typeface="Lucida Console" panose="020B0609040504020204" pitchFamily="49" charset="0"/>
-              </a:rPr>
-              <a:t> = </a:t>
-            </a:r>
-            <a:r>
-              <a:rPr lang="de-DE" sz="2000" dirty="0" err="1" smtClean="0">
-                <a:latin typeface="Lucida Console" panose="020B0609040504020204" pitchFamily="49" charset="0"/>
-              </a:rPr>
-              <a:t>sc.textFile</a:t>
-            </a:r>
-            <a:r>
-              <a:rPr lang="de-DE" sz="2000" dirty="0" smtClean="0">
-                <a:latin typeface="Lucida Console" panose="020B0609040504020204" pitchFamily="49" charset="0"/>
-              </a:rPr>
-              <a:t>(</a:t>
-            </a:r>
-            <a:r>
-              <a:rPr lang="de-DE" sz="2000" dirty="0" err="1" smtClean="0">
-                <a:latin typeface="Lucida Console" panose="020B0609040504020204" pitchFamily="49" charset="0"/>
-              </a:rPr>
-              <a:t>txt</a:t>
-            </a:r>
-            <a:r>
-              <a:rPr lang="de-DE" sz="2000" dirty="0" smtClean="0">
-                <a:latin typeface="Lucida Console" panose="020B0609040504020204" pitchFamily="49" charset="0"/>
-              </a:rPr>
-              <a:t>)</a:t>
-            </a:r>
-          </a:p>
-          <a:p>
-            <a:pPr marL="0" indent="0">
-              <a:buNone/>
-            </a:pPr>
-            <a:endParaRPr lang="de-DE" sz="2000" dirty="0">
-              <a:latin typeface="Lucida Console" panose="020B0609040504020204" pitchFamily="49" charset="0"/>
-            </a:endParaRPr>
-          </a:p>
-          <a:p>
-            <a:pPr marL="0" indent="0">
-              <a:buNone/>
-            </a:pPr>
-            <a:r>
-              <a:rPr lang="de-DE" sz="2000" dirty="0" err="1" smtClean="0">
-                <a:latin typeface="Lucida Console" panose="020B0609040504020204" pitchFamily="49" charset="0"/>
-              </a:rPr>
-              <a:t>prepared</a:t>
-            </a:r>
-            <a:r>
-              <a:rPr lang="de-DE" sz="2000" dirty="0" smtClean="0">
-                <a:latin typeface="Lucida Console" panose="020B0609040504020204" pitchFamily="49" charset="0"/>
-              </a:rPr>
-              <a:t> = </a:t>
-            </a:r>
-            <a:r>
-              <a:rPr lang="de-DE" sz="2000" dirty="0" err="1" smtClean="0">
-                <a:latin typeface="Lucida Console" panose="020B0609040504020204" pitchFamily="49" charset="0"/>
-              </a:rPr>
-              <a:t>data_lines.map</a:t>
-            </a:r>
-            <a:r>
-              <a:rPr lang="de-DE" sz="2000" dirty="0" smtClean="0">
-                <a:latin typeface="Lucida Console" panose="020B0609040504020204" pitchFamily="49" charset="0"/>
-              </a:rPr>
-              <a:t>(</a:t>
-            </a:r>
-            <a:r>
-              <a:rPr lang="de-DE" sz="2000" dirty="0" err="1" smtClean="0">
-                <a:latin typeface="Lucida Console" panose="020B0609040504020204" pitchFamily="49" charset="0"/>
-              </a:rPr>
-              <a:t>lambda</a:t>
-            </a:r>
-            <a:r>
-              <a:rPr lang="de-DE" sz="2000" dirty="0" smtClean="0">
-                <a:latin typeface="Lucida Console" panose="020B0609040504020204" pitchFamily="49" charset="0"/>
-              </a:rPr>
-              <a:t> x: </a:t>
-            </a:r>
-            <a:r>
-              <a:rPr lang="de-DE" sz="2000" dirty="0" err="1" smtClean="0">
-                <a:latin typeface="Lucida Console" panose="020B0609040504020204" pitchFamily="49" charset="0"/>
-              </a:rPr>
-              <a:t>split_data_line</a:t>
-            </a:r>
-            <a:r>
-              <a:rPr lang="de-DE" sz="2000" dirty="0" smtClean="0">
-                <a:latin typeface="Lucida Console" panose="020B0609040504020204" pitchFamily="49" charset="0"/>
-              </a:rPr>
-              <a:t>(x))</a:t>
-            </a:r>
-          </a:p>
-          <a:p>
-            <a:pPr marL="0" indent="0">
-              <a:buNone/>
-            </a:pPr>
-            <a:r>
-              <a:rPr lang="en-US" sz="2000" dirty="0" smtClean="0">
-                <a:latin typeface="Lucida Console" panose="020B0609040504020204" pitchFamily="49" charset="0"/>
-              </a:rPr>
-              <a:t>converted = </a:t>
-            </a:r>
-            <a:r>
-              <a:rPr lang="en-US" sz="2000" dirty="0" err="1" smtClean="0">
-                <a:latin typeface="Lucida Console" panose="020B0609040504020204" pitchFamily="49" charset="0"/>
-              </a:rPr>
-              <a:t>prepared.map</a:t>
-            </a:r>
-            <a:r>
-              <a:rPr lang="en-US" sz="2000" dirty="0" smtClean="0">
-                <a:latin typeface="Lucida Console" panose="020B0609040504020204" pitchFamily="49" charset="0"/>
-              </a:rPr>
-              <a:t>(lambda x: </a:t>
-            </a:r>
-            <a:r>
-              <a:rPr lang="en-US" sz="2000" dirty="0" err="1" smtClean="0">
-                <a:latin typeface="Lucida Console" panose="020B0609040504020204" pitchFamily="49" charset="0"/>
-              </a:rPr>
-              <a:t>convert_date</a:t>
-            </a:r>
-            <a:r>
-              <a:rPr lang="en-US" sz="2000" dirty="0" smtClean="0">
-                <a:latin typeface="Lucida Console" panose="020B0609040504020204" pitchFamily="49" charset="0"/>
-              </a:rPr>
-              <a:t>(x))</a:t>
-            </a:r>
-          </a:p>
-          <a:p>
-            <a:pPr marL="0" indent="0">
-              <a:buNone/>
-            </a:pPr>
-            <a:r>
-              <a:rPr lang="en-US" sz="2000" dirty="0">
-                <a:latin typeface="Lucida Console" panose="020B0609040504020204" pitchFamily="49" charset="0"/>
-              </a:rPr>
-              <a:t>	</a:t>
-            </a:r>
-            <a:r>
-              <a:rPr lang="en-US" sz="2000" dirty="0" smtClean="0">
-                <a:latin typeface="Lucida Console" panose="020B0609040504020204" pitchFamily="49" charset="0"/>
-              </a:rPr>
-              <a:t>.filter(lambda x: x[0].year != 1990)</a:t>
-            </a:r>
-          </a:p>
-          <a:p>
-            <a:pPr marL="0" indent="0">
-              <a:buNone/>
-            </a:pPr>
-            <a:r>
-              <a:rPr lang="fr-FR" sz="2000" dirty="0" smtClean="0">
-                <a:latin typeface="Lucida Console" panose="020B0609040504020204" pitchFamily="49" charset="0"/>
-              </a:rPr>
-              <a:t>sentiments = </a:t>
-            </a:r>
-            <a:r>
-              <a:rPr lang="fr-FR" sz="2000" dirty="0" err="1" smtClean="0">
-                <a:latin typeface="Lucida Console" panose="020B0609040504020204" pitchFamily="49" charset="0"/>
-              </a:rPr>
-              <a:t>converted.map</a:t>
-            </a:r>
-            <a:r>
-              <a:rPr lang="fr-FR" sz="2000" dirty="0" smtClean="0">
-                <a:latin typeface="Lucida Console" panose="020B0609040504020204" pitchFamily="49" charset="0"/>
-              </a:rPr>
-              <a:t>(lambda x: </a:t>
-            </a:r>
-            <a:r>
-              <a:rPr lang="fr-FR" sz="2000" dirty="0" err="1" smtClean="0">
-                <a:latin typeface="Lucida Console" panose="020B0609040504020204" pitchFamily="49" charset="0"/>
-              </a:rPr>
-              <a:t>check_sentiment</a:t>
-            </a:r>
-            <a:r>
-              <a:rPr lang="fr-FR" sz="2000" dirty="0" smtClean="0">
-                <a:latin typeface="Lucida Console" panose="020B0609040504020204" pitchFamily="49" charset="0"/>
-              </a:rPr>
-              <a:t>(x))</a:t>
-            </a:r>
-          </a:p>
-          <a:p>
-            <a:pPr marL="0" indent="0">
-              <a:buNone/>
-            </a:pPr>
-            <a:r>
-              <a:rPr lang="fr-FR" sz="2000" dirty="0">
-                <a:latin typeface="Lucida Console" panose="020B0609040504020204" pitchFamily="49" charset="0"/>
-              </a:rPr>
-              <a:t>	</a:t>
-            </a:r>
-            <a:r>
-              <a:rPr lang="fr-FR" sz="2000" dirty="0" smtClean="0">
-                <a:latin typeface="Lucida Console" panose="020B0609040504020204" pitchFamily="49" charset="0"/>
-              </a:rPr>
-              <a:t>.</a:t>
-            </a:r>
-            <a:r>
-              <a:rPr lang="fr-FR" sz="2000" dirty="0" err="1" smtClean="0">
-                <a:latin typeface="Lucida Console" panose="020B0609040504020204" pitchFamily="49" charset="0"/>
-              </a:rPr>
-              <a:t>filter</a:t>
-            </a:r>
-            <a:r>
-              <a:rPr lang="fr-FR" sz="2000" dirty="0" smtClean="0">
-                <a:latin typeface="Lucida Console" panose="020B0609040504020204" pitchFamily="49" charset="0"/>
-              </a:rPr>
-              <a:t>(lambda x: x[1] != 666)</a:t>
-            </a:r>
-          </a:p>
-          <a:p>
-            <a:pPr marL="0" indent="0">
-              <a:buNone/>
-            </a:pPr>
-            <a:r>
-              <a:rPr lang="fr-FR" sz="2000" dirty="0" smtClean="0">
-                <a:latin typeface="Lucida Console" panose="020B0609040504020204" pitchFamily="49" charset="0"/>
-              </a:rPr>
-              <a:t>sentiments = </a:t>
-            </a:r>
-            <a:r>
-              <a:rPr lang="fr-FR" sz="2000" dirty="0" err="1" smtClean="0">
-                <a:latin typeface="Lucida Console" panose="020B0609040504020204" pitchFamily="49" charset="0"/>
-              </a:rPr>
-              <a:t>sentiments.map</a:t>
-            </a:r>
-            <a:r>
-              <a:rPr lang="fr-FR" sz="2000" dirty="0" smtClean="0">
-                <a:latin typeface="Lucida Console" panose="020B0609040504020204" pitchFamily="49" charset="0"/>
-              </a:rPr>
-              <a:t>(lambda x: </a:t>
-            </a:r>
-            <a:r>
-              <a:rPr lang="fr-FR" sz="2000" dirty="0" err="1" smtClean="0">
-                <a:latin typeface="Lucida Console" panose="020B0609040504020204" pitchFamily="49" charset="0"/>
-              </a:rPr>
-              <a:t>cluster_sentiment</a:t>
-            </a:r>
-            <a:r>
-              <a:rPr lang="fr-FR" sz="2000" dirty="0" smtClean="0">
-                <a:latin typeface="Lucida Console" panose="020B0609040504020204" pitchFamily="49" charset="0"/>
-              </a:rPr>
-              <a:t>(x, </a:t>
-            </a:r>
-            <a:r>
-              <a:rPr lang="fr-FR" sz="2000" dirty="0" err="1" smtClean="0">
-                <a:latin typeface="Lucida Console" panose="020B0609040504020204" pitchFamily="49" charset="0"/>
-              </a:rPr>
-              <a:t>levels</a:t>
-            </a:r>
-            <a:r>
-              <a:rPr lang="fr-FR" sz="2000" dirty="0" smtClean="0">
-                <a:latin typeface="Lucida Console" panose="020B0609040504020204" pitchFamily="49" charset="0"/>
-              </a:rPr>
-              <a:t>))</a:t>
-            </a:r>
-          </a:p>
-          <a:p>
-            <a:pPr marL="0" indent="0">
-              <a:buNone/>
-            </a:pPr>
-            <a:r>
-              <a:rPr lang="fr-FR" sz="2000" dirty="0" smtClean="0">
-                <a:latin typeface="Lucida Console" panose="020B0609040504020204" pitchFamily="49" charset="0"/>
-              </a:rPr>
-              <a:t>sentiments = </a:t>
-            </a:r>
-            <a:r>
-              <a:rPr lang="fr-FR" sz="2000" dirty="0" err="1" smtClean="0">
-                <a:latin typeface="Lucida Console" panose="020B0609040504020204" pitchFamily="49" charset="0"/>
-              </a:rPr>
-              <a:t>sentiments.map</a:t>
-            </a:r>
-            <a:r>
-              <a:rPr lang="fr-FR" sz="2000" dirty="0" smtClean="0">
-                <a:latin typeface="Lucida Console" panose="020B0609040504020204" pitchFamily="49" charset="0"/>
-              </a:rPr>
-              <a:t>(lambda x: </a:t>
-            </a:r>
-            <a:r>
-              <a:rPr lang="fr-FR" sz="2000" dirty="0" err="1" smtClean="0">
-                <a:latin typeface="Lucida Console" panose="020B0609040504020204" pitchFamily="49" charset="0"/>
-              </a:rPr>
-              <a:t>cluster_date</a:t>
-            </a:r>
-            <a:r>
-              <a:rPr lang="fr-FR" sz="2000" dirty="0" smtClean="0">
-                <a:latin typeface="Lucida Console" panose="020B0609040504020204" pitchFamily="49" charset="0"/>
-              </a:rPr>
-              <a:t>(x, </a:t>
-            </a:r>
-            <a:r>
-              <a:rPr lang="fr-FR" sz="2000" dirty="0" err="1" smtClean="0">
-                <a:latin typeface="Lucida Console" panose="020B0609040504020204" pitchFamily="49" charset="0"/>
-              </a:rPr>
-              <a:t>levels</a:t>
-            </a:r>
-            <a:r>
-              <a:rPr lang="fr-FR" sz="2000" dirty="0" smtClean="0">
-                <a:latin typeface="Lucida Console" panose="020B0609040504020204" pitchFamily="49" charset="0"/>
-              </a:rPr>
-              <a:t>))</a:t>
-            </a:r>
-          </a:p>
-          <a:p>
-            <a:pPr marL="0" indent="0">
-              <a:buNone/>
-            </a:pPr>
-            <a:endParaRPr lang="fr-FR" sz="2000" dirty="0" smtClean="0">
-              <a:latin typeface="Lucida Console" panose="020B0609040504020204" pitchFamily="49" charset="0"/>
-            </a:endParaRPr>
-          </a:p>
-          <a:p>
-            <a:pPr marL="0" indent="0">
-              <a:buNone/>
-            </a:pPr>
-            <a:r>
-              <a:rPr lang="de-DE" sz="2000" dirty="0" err="1" smtClean="0">
-                <a:latin typeface="Lucida Console" panose="020B0609040504020204" pitchFamily="49" charset="0"/>
-              </a:rPr>
-              <a:t>for</a:t>
-            </a:r>
-            <a:r>
-              <a:rPr lang="de-DE" sz="2000" dirty="0" smtClean="0">
-                <a:latin typeface="Lucida Console" panose="020B0609040504020204" pitchFamily="49" charset="0"/>
-              </a:rPr>
-              <a:t> i in </a:t>
-            </a:r>
-            <a:r>
-              <a:rPr lang="de-DE" sz="2000" dirty="0" err="1" smtClean="0">
-                <a:latin typeface="Lucida Console" panose="020B0609040504020204" pitchFamily="49" charset="0"/>
-              </a:rPr>
-              <a:t>range</a:t>
-            </a:r>
-            <a:r>
-              <a:rPr lang="de-DE" sz="2000" dirty="0" smtClean="0">
-                <a:latin typeface="Lucida Console" panose="020B0609040504020204" pitchFamily="49" charset="0"/>
-              </a:rPr>
-              <a:t>(</a:t>
-            </a:r>
-            <a:r>
-              <a:rPr lang="de-DE" sz="2000" dirty="0" err="1" smtClean="0">
-                <a:latin typeface="Lucida Console" panose="020B0609040504020204" pitchFamily="49" charset="0"/>
-              </a:rPr>
-              <a:t>len</a:t>
-            </a:r>
-            <a:r>
-              <a:rPr lang="de-DE" sz="2000" dirty="0" smtClean="0">
-                <a:latin typeface="Lucida Console" panose="020B0609040504020204" pitchFamily="49" charset="0"/>
-              </a:rPr>
-              <a:t>(</a:t>
-            </a:r>
-            <a:r>
-              <a:rPr lang="de-DE" sz="2000" dirty="0" err="1" smtClean="0">
-                <a:latin typeface="Lucida Console" panose="020B0609040504020204" pitchFamily="49" charset="0"/>
-              </a:rPr>
-              <a:t>sent_levels</a:t>
-            </a:r>
-            <a:r>
-              <a:rPr lang="de-DE" sz="2000" dirty="0" smtClean="0">
-                <a:latin typeface="Lucida Console" panose="020B0609040504020204" pitchFamily="49" charset="0"/>
-              </a:rPr>
-              <a:t>)):</a:t>
-            </a:r>
-          </a:p>
-          <a:p>
-            <a:pPr marL="0" indent="0">
-              <a:buNone/>
-            </a:pPr>
-            <a:r>
-              <a:rPr lang="de-DE" sz="2000" dirty="0" smtClean="0">
-                <a:latin typeface="Lucida Console" panose="020B0609040504020204" pitchFamily="49" charset="0"/>
-              </a:rPr>
-              <a:t>   </a:t>
-            </a:r>
-            <a:r>
-              <a:rPr lang="de-DE" sz="2000" dirty="0" err="1" smtClean="0">
-                <a:latin typeface="Lucida Console" panose="020B0609040504020204" pitchFamily="49" charset="0"/>
-              </a:rPr>
-              <a:t>temp</a:t>
-            </a:r>
-            <a:r>
-              <a:rPr lang="de-DE" sz="2000" dirty="0" smtClean="0">
-                <a:latin typeface="Lucida Console" panose="020B0609040504020204" pitchFamily="49" charset="0"/>
-              </a:rPr>
-              <a:t> = </a:t>
-            </a:r>
-            <a:r>
-              <a:rPr lang="de-DE" sz="2000" dirty="0" err="1" smtClean="0">
-                <a:latin typeface="Lucida Console" panose="020B0609040504020204" pitchFamily="49" charset="0"/>
-              </a:rPr>
-              <a:t>s.filter</a:t>
-            </a:r>
-            <a:r>
-              <a:rPr lang="de-DE" sz="2000" dirty="0" smtClean="0">
-                <a:latin typeface="Lucida Console" panose="020B0609040504020204" pitchFamily="49" charset="0"/>
-              </a:rPr>
-              <a:t>(</a:t>
-            </a:r>
-            <a:r>
-              <a:rPr lang="de-DE" sz="2000" dirty="0" err="1" smtClean="0">
-                <a:latin typeface="Lucida Console" panose="020B0609040504020204" pitchFamily="49" charset="0"/>
-              </a:rPr>
-              <a:t>lambda</a:t>
-            </a:r>
-            <a:r>
-              <a:rPr lang="de-DE" sz="2000" dirty="0" smtClean="0">
-                <a:latin typeface="Lucida Console" panose="020B0609040504020204" pitchFamily="49" charset="0"/>
-              </a:rPr>
-              <a:t> x: x[1] == i)</a:t>
-            </a:r>
-          </a:p>
-          <a:p>
-            <a:pPr marL="0" indent="0">
-              <a:buNone/>
-            </a:pPr>
-            <a:r>
-              <a:rPr lang="de-DE" sz="2000" dirty="0">
-                <a:latin typeface="Lucida Console" panose="020B0609040504020204" pitchFamily="49" charset="0"/>
-              </a:rPr>
-              <a:t>	</a:t>
-            </a:r>
-            <a:r>
-              <a:rPr lang="de-DE" sz="2000" dirty="0" smtClean="0">
-                <a:latin typeface="Lucida Console" panose="020B0609040504020204" pitchFamily="49" charset="0"/>
-              </a:rPr>
-              <a:t>	.</a:t>
-            </a:r>
-            <a:r>
-              <a:rPr lang="de-DE" sz="2000" dirty="0" err="1" smtClean="0">
-                <a:latin typeface="Lucida Console" panose="020B0609040504020204" pitchFamily="49" charset="0"/>
-              </a:rPr>
-              <a:t>groupByKey</a:t>
-            </a:r>
-            <a:r>
-              <a:rPr lang="de-DE" sz="2000" dirty="0" smtClean="0">
-                <a:latin typeface="Lucida Console" panose="020B0609040504020204" pitchFamily="49" charset="0"/>
-              </a:rPr>
-              <a:t>()</a:t>
-            </a:r>
-          </a:p>
-          <a:p>
-            <a:pPr marL="0" indent="0">
-              <a:buNone/>
-            </a:pPr>
-            <a:r>
-              <a:rPr lang="de-DE" sz="2000" dirty="0">
-                <a:latin typeface="Lucida Console" panose="020B0609040504020204" pitchFamily="49" charset="0"/>
-              </a:rPr>
-              <a:t>	</a:t>
-            </a:r>
-            <a:r>
-              <a:rPr lang="de-DE" sz="2000" dirty="0" smtClean="0">
-                <a:latin typeface="Lucida Console" panose="020B0609040504020204" pitchFamily="49" charset="0"/>
-              </a:rPr>
-              <a:t>	.</a:t>
-            </a:r>
-            <a:r>
-              <a:rPr lang="de-DE" sz="2000" dirty="0" err="1" smtClean="0">
-                <a:latin typeface="Lucida Console" panose="020B0609040504020204" pitchFamily="49" charset="0"/>
-              </a:rPr>
-              <a:t>map</a:t>
-            </a:r>
-            <a:r>
-              <a:rPr lang="de-DE" sz="2000" dirty="0" smtClean="0">
-                <a:latin typeface="Lucida Console" panose="020B0609040504020204" pitchFamily="49" charset="0"/>
-              </a:rPr>
-              <a:t>(</a:t>
-            </a:r>
-            <a:r>
-              <a:rPr lang="de-DE" sz="2000" dirty="0" err="1" smtClean="0">
-                <a:latin typeface="Lucida Console" panose="020B0609040504020204" pitchFamily="49" charset="0"/>
-              </a:rPr>
-              <a:t>lambda</a:t>
-            </a:r>
-            <a:r>
-              <a:rPr lang="de-DE" sz="2000" dirty="0" smtClean="0">
-                <a:latin typeface="Lucida Console" panose="020B0609040504020204" pitchFamily="49" charset="0"/>
-              </a:rPr>
-              <a:t> x: (x[0], (i, </a:t>
-            </a:r>
-            <a:r>
-              <a:rPr lang="de-DE" sz="2000" dirty="0" err="1" smtClean="0">
-                <a:latin typeface="Lucida Console" panose="020B0609040504020204" pitchFamily="49" charset="0"/>
-              </a:rPr>
-              <a:t>len</a:t>
-            </a:r>
-            <a:r>
-              <a:rPr lang="de-DE" sz="2000" dirty="0" smtClean="0">
-                <a:latin typeface="Lucida Console" panose="020B0609040504020204" pitchFamily="49" charset="0"/>
-              </a:rPr>
-              <a:t>(</a:t>
-            </a:r>
-            <a:r>
-              <a:rPr lang="de-DE" sz="2000" dirty="0" err="1" smtClean="0">
-                <a:latin typeface="Lucida Console" panose="020B0609040504020204" pitchFamily="49" charset="0"/>
-              </a:rPr>
-              <a:t>list</a:t>
-            </a:r>
-            <a:r>
-              <a:rPr lang="de-DE" sz="2000" dirty="0" smtClean="0">
-                <a:latin typeface="Lucida Console" panose="020B0609040504020204" pitchFamily="49" charset="0"/>
-              </a:rPr>
-              <a:t>(x[1])) - 1)))</a:t>
-            </a:r>
-          </a:p>
-          <a:p>
-            <a:pPr marL="0" indent="0">
-              <a:buNone/>
-            </a:pPr>
-            <a:r>
-              <a:rPr lang="de-DE" sz="2000" dirty="0" smtClean="0">
-                <a:latin typeface="Lucida Console" panose="020B0609040504020204" pitchFamily="49" charset="0"/>
-              </a:rPr>
-              <a:t>   final = </a:t>
-            </a:r>
-            <a:r>
-              <a:rPr lang="de-DE" sz="2000" dirty="0" err="1" smtClean="0">
-                <a:latin typeface="Lucida Console" panose="020B0609040504020204" pitchFamily="49" charset="0"/>
-              </a:rPr>
-              <a:t>final.union</a:t>
-            </a:r>
-            <a:r>
-              <a:rPr lang="de-DE" sz="2000" dirty="0" smtClean="0">
-                <a:latin typeface="Lucida Console" panose="020B0609040504020204" pitchFamily="49" charset="0"/>
-              </a:rPr>
-              <a:t>(</a:t>
-            </a:r>
-            <a:r>
-              <a:rPr lang="de-DE" sz="2000" dirty="0" err="1" smtClean="0">
-                <a:latin typeface="Lucida Console" panose="020B0609040504020204" pitchFamily="49" charset="0"/>
-              </a:rPr>
-              <a:t>temp</a:t>
-            </a:r>
-            <a:r>
-              <a:rPr lang="de-DE" sz="2000" dirty="0" smtClean="0">
-                <a:latin typeface="Lucida Console" panose="020B0609040504020204" pitchFamily="49" charset="0"/>
-              </a:rPr>
-              <a:t>)</a:t>
-            </a:r>
-          </a:p>
-        </p:txBody>
-      </p:sp>
+            <a:endParaRPr lang="de-DE" b="1" dirty="0"/>
+          </a:p>
+          <a:p>
+            <a:r>
+              <a:rPr lang="de-DE" b="1" dirty="0"/>
+              <a:t>Bitcoin Kurs</a:t>
+            </a:r>
+            <a:r>
+              <a:rPr lang="de-DE" dirty="0"/>
+              <a:t> von www.coindesk.com</a:t>
+            </a:r>
+          </a:p>
+          <a:p>
+            <a:pPr lvl="1"/>
+            <a:r>
+              <a:rPr lang="de-DE" dirty="0"/>
+              <a:t>Datum &amp; Uhrzeit </a:t>
+            </a:r>
+          </a:p>
+          <a:p>
+            <a:pPr lvl="1"/>
+            <a:r>
+              <a:rPr lang="de-DE" dirty="0"/>
+              <a:t>Open Preis</a:t>
+            </a:r>
+          </a:p>
+          <a:p>
+            <a:pPr lvl="1"/>
+            <a:r>
+              <a:rPr lang="de-DE" dirty="0"/>
+              <a:t>Close Preis</a:t>
+            </a:r>
+          </a:p>
+        </p:txBody>
+      </p:sp>
+      <p:pic>
+        <p:nvPicPr>
+          <p:cNvPr id="6" name="Grafik 5">
+            <a:extLst>
+              <a:ext uri="{FF2B5EF4-FFF2-40B4-BE49-F238E27FC236}">
+                <a16:creationId xmlns:a16="http://schemas.microsoft.com/office/drawing/2014/main" id="{30C9D889-6912-4C99-9D83-45927E696F01}"/>
+              </a:ext>
+            </a:extLst>
+          </p:cNvPr>
+          <p:cNvPicPr>
+            <a:picLocks noChangeAspect="1"/>
+          </p:cNvPicPr>
+          <p:nvPr/>
+        </p:nvPicPr>
+        <p:blipFill>
+          <a:blip r:embed="rId2"/>
+          <a:stretch>
+            <a:fillRect/>
+          </a:stretch>
+        </p:blipFill>
+        <p:spPr>
+          <a:xfrm>
+            <a:off x="6579988" y="2162920"/>
+            <a:ext cx="3086100" cy="3609975"/>
+          </a:xfrm>
+          <a:prstGeom prst="rect">
+            <a:avLst/>
+          </a:prstGeom>
+        </p:spPr>
+      </p:pic>
+    </p:spTree>
+    <p:extLst>
+      <p:ext uri="{BB962C8B-B14F-4D97-AF65-F5344CB8AC3E}">
+        <p14:creationId xmlns:p14="http://schemas.microsoft.com/office/powerpoint/2010/main" val="2203674854"/>
+      </p:ext>
+    </p:extLst>
+  </p:cSld>
+  <p:clrMapOvr>
+    <a:masterClrMapping/>
+  </p:clrMapOvr>
+</p:sld>
+</file>
+
+<file path=ppt/slides/slide5.xml><?xml version="1.0" encoding="utf-8"?>
+<p:sld xmlns:a="http://schemas.openxmlformats.org/drawingml/2006/main" xmlns:r="http://schemas.openxmlformats.org/officeDocument/2006/relationships" xmlns:p="http://schemas.openxmlformats.org/presentationml/2006/main">
+  <p:cSld>
+    <p:spTree>
+      <p:nvGrpSpPr>
+        <p:cNvPr id="1" name=""/>
+        <p:cNvGrpSpPr/>
+        <p:nvPr/>
+      </p:nvGrpSpPr>
+      <p:grpSpPr>
+        <a:xfrm>
+          <a:off x="0" y="0"/>
+          <a:ext cx="0" cy="0"/>
+          <a:chOff x="0" y="0"/>
+          <a:chExt cx="0" cy="0"/>
+        </a:xfrm>
+      </p:grpSpPr>
+      <p:sp>
+        <p:nvSpPr>
+          <p:cNvPr id="2" name="Titel 1"/>
+          <p:cNvSpPr>
+            <a:spLocks noGrp="1"/>
+          </p:cNvSpPr>
+          <p:nvPr>
+            <p:ph type="title"/>
+          </p:nvPr>
+        </p:nvSpPr>
+        <p:spPr/>
+        <p:txBody>
+          <a:bodyPr/>
+          <a:lstStyle/>
+          <a:p>
+            <a:r>
+              <a:rPr lang="de-DE" dirty="0"/>
+              <a:t>Spark Workflow</a:t>
+            </a:r>
+          </a:p>
+        </p:txBody>
+      </p:sp>
+      <p:graphicFrame>
+        <p:nvGraphicFramePr>
+          <p:cNvPr id="4" name="Tabelle 3">
+            <a:extLst>
+              <a:ext uri="{FF2B5EF4-FFF2-40B4-BE49-F238E27FC236}">
+                <a16:creationId xmlns:a16="http://schemas.microsoft.com/office/drawing/2014/main" id="{CBD073EE-72CF-4BC2-AEA6-ADEE199D1075}"/>
+              </a:ext>
+            </a:extLst>
+          </p:cNvPr>
+          <p:cNvGraphicFramePr>
+            <a:graphicFrameLocks noGrp="1"/>
+          </p:cNvGraphicFramePr>
+          <p:nvPr>
+            <p:extLst>
+              <p:ext uri="{D42A27DB-BD31-4B8C-83A1-F6EECF244321}">
+                <p14:modId xmlns:p14="http://schemas.microsoft.com/office/powerpoint/2010/main" val="2160344385"/>
+              </p:ext>
+            </p:extLst>
+          </p:nvPr>
+        </p:nvGraphicFramePr>
+        <p:xfrm>
+          <a:off x="559292" y="1825742"/>
+          <a:ext cx="11265764" cy="4077589"/>
+        </p:xfrm>
+        <a:graphic>
+          <a:graphicData uri="http://schemas.openxmlformats.org/drawingml/2006/table">
+            <a:tbl>
+              <a:tblPr firstCol="1" bandRow="1">
+                <a:tableStyleId>{21E4AEA4-8DFA-4A89-87EB-49C32662AFE0}</a:tableStyleId>
+              </a:tblPr>
+              <a:tblGrid>
+                <a:gridCol w="1775535">
+                  <a:extLst>
+                    <a:ext uri="{9D8B030D-6E8A-4147-A177-3AD203B41FA5}">
+                      <a16:colId xmlns:a16="http://schemas.microsoft.com/office/drawing/2014/main" val="3739113362"/>
+                    </a:ext>
+                  </a:extLst>
+                </a:gridCol>
+                <a:gridCol w="9490229">
+                  <a:extLst>
+                    <a:ext uri="{9D8B030D-6E8A-4147-A177-3AD203B41FA5}">
+                      <a16:colId xmlns:a16="http://schemas.microsoft.com/office/drawing/2014/main" val="2317159415"/>
+                    </a:ext>
+                  </a:extLst>
+                </a:gridCol>
+              </a:tblGrid>
+              <a:tr h="370840">
+                <a:tc>
+                  <a:txBody>
+                    <a:bodyPr/>
+                    <a:lstStyle/>
+                    <a:p>
+                      <a:pPr>
+                        <a:lnSpc>
+                          <a:spcPct val="150000"/>
+                        </a:lnSpc>
+                      </a:pPr>
+                      <a:r>
+                        <a:rPr lang="de-DE" dirty="0"/>
+                        <a:t>Daten einlesen</a:t>
+                      </a:r>
+                    </a:p>
+                  </a:txBody>
+                  <a:tcPr/>
+                </a:tc>
+                <a:tc>
+                  <a:txBody>
+                    <a:bodyPr/>
+                    <a:lstStyle/>
+                    <a:p>
+                      <a:pPr marL="0" indent="0">
+                        <a:lnSpc>
+                          <a:spcPct val="150000"/>
+                        </a:lnSpc>
+                        <a:buNone/>
+                      </a:pPr>
+                      <a:r>
+                        <a:rPr lang="de-DE" sz="1800" dirty="0" err="1"/>
+                        <a:t>data_lines</a:t>
+                      </a:r>
+                      <a:r>
+                        <a:rPr lang="de-DE" sz="1800" dirty="0"/>
+                        <a:t> = </a:t>
+                      </a:r>
+                      <a:r>
+                        <a:rPr lang="de-DE" sz="1800" dirty="0" err="1"/>
+                        <a:t>sc.textFile</a:t>
+                      </a:r>
+                      <a:r>
+                        <a:rPr lang="de-DE" sz="1800" dirty="0"/>
+                        <a:t>(</a:t>
+                      </a:r>
+                      <a:r>
+                        <a:rPr lang="de-DE" sz="1800" dirty="0" err="1"/>
+                        <a:t>txt</a:t>
+                      </a:r>
+                      <a:r>
+                        <a:rPr lang="de-DE" sz="1800" dirty="0"/>
+                        <a:t>)</a:t>
+                      </a:r>
+                      <a:endParaRPr lang="de-DE" sz="1800" dirty="0">
+                        <a:latin typeface="Lucida Console" panose="020B0609040504020204" pitchFamily="49" charset="0"/>
+                      </a:endParaRPr>
+                    </a:p>
+                  </a:txBody>
+                  <a:tcPr/>
+                </a:tc>
+                <a:extLst>
+                  <a:ext uri="{0D108BD9-81ED-4DB2-BD59-A6C34878D82A}">
+                    <a16:rowId xmlns:a16="http://schemas.microsoft.com/office/drawing/2014/main" val="2346873982"/>
+                  </a:ext>
+                </a:extLst>
+              </a:tr>
+              <a:tr h="370840">
+                <a:tc>
+                  <a:txBody>
+                    <a:bodyPr/>
+                    <a:lstStyle/>
+                    <a:p>
+                      <a:pPr>
+                        <a:lnSpc>
+                          <a:spcPct val="150000"/>
+                        </a:lnSpc>
+                      </a:pPr>
+                      <a:r>
+                        <a:rPr lang="de-DE" dirty="0"/>
+                        <a:t>Vorverarbeitung</a:t>
+                      </a:r>
+                    </a:p>
+                  </a:txBody>
+                  <a:tcPr/>
+                </a:tc>
+                <a:tc>
+                  <a:txBody>
+                    <a:bodyPr/>
+                    <a:lstStyle/>
+                    <a:p>
+                      <a:pPr marL="0" indent="0">
+                        <a:lnSpc>
+                          <a:spcPct val="150000"/>
+                        </a:lnSpc>
+                        <a:buNone/>
+                      </a:pPr>
+                      <a:r>
+                        <a:rPr lang="de-DE" sz="1800" dirty="0" err="1"/>
+                        <a:t>prepared</a:t>
+                      </a:r>
+                      <a:r>
+                        <a:rPr lang="de-DE" sz="1800" dirty="0"/>
+                        <a:t> = </a:t>
+                      </a:r>
+                      <a:r>
+                        <a:rPr lang="de-DE" sz="1800" dirty="0" err="1"/>
+                        <a:t>data_lines.map</a:t>
+                      </a:r>
+                      <a:r>
+                        <a:rPr lang="de-DE" sz="1800" dirty="0"/>
+                        <a:t>(</a:t>
+                      </a:r>
+                      <a:r>
+                        <a:rPr lang="de-DE" sz="1800" dirty="0" err="1"/>
+                        <a:t>lambda</a:t>
+                      </a:r>
+                      <a:r>
+                        <a:rPr lang="de-DE" sz="1800" dirty="0"/>
+                        <a:t> x: </a:t>
+                      </a:r>
+                      <a:r>
+                        <a:rPr lang="de-DE" sz="1800" dirty="0" err="1"/>
+                        <a:t>split_data_line</a:t>
+                      </a:r>
+                      <a:r>
+                        <a:rPr lang="de-DE" sz="1800" dirty="0"/>
+                        <a:t>(x))</a:t>
+                      </a:r>
+                    </a:p>
+                    <a:p>
+                      <a:pPr marL="0" indent="0">
+                        <a:lnSpc>
+                          <a:spcPct val="150000"/>
+                        </a:lnSpc>
+                        <a:buNone/>
+                      </a:pPr>
+                      <a:r>
+                        <a:rPr lang="en-US" sz="1800" dirty="0"/>
+                        <a:t>converted = </a:t>
+                      </a:r>
+                      <a:r>
+                        <a:rPr lang="en-US" sz="1800" dirty="0" err="1"/>
+                        <a:t>prepared.map</a:t>
+                      </a:r>
+                      <a:r>
+                        <a:rPr lang="en-US" sz="1800" dirty="0"/>
+                        <a:t>(lambda x: </a:t>
+                      </a:r>
+                      <a:r>
+                        <a:rPr lang="en-US" sz="1800" dirty="0" err="1"/>
+                        <a:t>convert_date</a:t>
+                      </a:r>
+                      <a:r>
+                        <a:rPr lang="en-US" sz="1800" dirty="0"/>
+                        <a:t>(x))</a:t>
+                      </a:r>
+                      <a:endParaRPr lang="en-US" sz="1800" dirty="0">
+                        <a:latin typeface="Lucida Console" panose="020B0609040504020204" pitchFamily="49" charset="0"/>
+                      </a:endParaRPr>
+                    </a:p>
+                  </a:txBody>
+                  <a:tcPr/>
+                </a:tc>
+                <a:extLst>
+                  <a:ext uri="{0D108BD9-81ED-4DB2-BD59-A6C34878D82A}">
+                    <a16:rowId xmlns:a16="http://schemas.microsoft.com/office/drawing/2014/main" val="1095214441"/>
+                  </a:ext>
+                </a:extLst>
+              </a:tr>
+              <a:tr h="370840">
+                <a:tc>
+                  <a:txBody>
+                    <a:bodyPr/>
+                    <a:lstStyle/>
+                    <a:p>
+                      <a:pPr marL="0" marR="0" lvl="0" indent="0" algn="l" defTabSz="914400" rtl="0" eaLnBrk="1" fontAlgn="auto" latinLnBrk="0" hangingPunct="1">
+                        <a:lnSpc>
+                          <a:spcPct val="150000"/>
+                        </a:lnSpc>
+                        <a:spcBef>
+                          <a:spcPts val="0"/>
+                        </a:spcBef>
+                        <a:spcAft>
+                          <a:spcPts val="0"/>
+                        </a:spcAft>
+                        <a:buClrTx/>
+                        <a:buSzTx/>
+                        <a:buFontTx/>
+                        <a:buNone/>
+                        <a:tabLst/>
+                        <a:defRPr/>
+                      </a:pPr>
+                      <a:r>
+                        <a:rPr lang="de-DE" dirty="0"/>
+                        <a:t>Sentiment - Analyse</a:t>
+                      </a:r>
+                    </a:p>
+                  </a:txBody>
+                  <a:tcPr/>
+                </a:tc>
+                <a:tc>
+                  <a:txBody>
+                    <a:bodyPr/>
+                    <a:lstStyle/>
+                    <a:p>
+                      <a:pPr marL="0" indent="0">
+                        <a:lnSpc>
+                          <a:spcPct val="150000"/>
+                        </a:lnSpc>
+                        <a:buNone/>
+                      </a:pPr>
+                      <a:r>
+                        <a:rPr lang="fr-FR" sz="1800" dirty="0"/>
+                        <a:t>sentiments = </a:t>
+                      </a:r>
+                      <a:r>
+                        <a:rPr lang="fr-FR" sz="1800" dirty="0" err="1"/>
+                        <a:t>converted.map</a:t>
+                      </a:r>
+                      <a:r>
+                        <a:rPr lang="fr-FR" sz="1800" dirty="0"/>
+                        <a:t>(lambda x: </a:t>
+                      </a:r>
+                      <a:r>
+                        <a:rPr lang="fr-FR" sz="1800" dirty="0" err="1"/>
+                        <a:t>check_sentiment</a:t>
+                      </a:r>
+                      <a:r>
+                        <a:rPr lang="fr-FR" sz="1800" dirty="0"/>
+                        <a:t>(x))</a:t>
+                      </a:r>
+                    </a:p>
+                    <a:p>
+                      <a:pPr marL="0" indent="0">
+                        <a:lnSpc>
+                          <a:spcPct val="150000"/>
+                        </a:lnSpc>
+                        <a:buNone/>
+                      </a:pPr>
+                      <a:r>
+                        <a:rPr lang="fr-FR" sz="1800" dirty="0"/>
+                        <a:t>sentiments = </a:t>
+                      </a:r>
+                      <a:r>
+                        <a:rPr lang="fr-FR" sz="1800" dirty="0" err="1"/>
+                        <a:t>sentiments.map</a:t>
+                      </a:r>
+                      <a:r>
+                        <a:rPr lang="fr-FR" sz="1800" dirty="0"/>
+                        <a:t>(lambda x: </a:t>
+                      </a:r>
+                      <a:r>
+                        <a:rPr lang="fr-FR" sz="1800" dirty="0" err="1"/>
+                        <a:t>cluster_sentiment</a:t>
+                      </a:r>
+                      <a:r>
+                        <a:rPr lang="fr-FR" sz="1800" dirty="0"/>
+                        <a:t>(x, </a:t>
+                      </a:r>
+                      <a:r>
+                        <a:rPr lang="fr-FR" sz="1800" dirty="0" err="1"/>
+                        <a:t>levels</a:t>
+                      </a:r>
+                      <a:r>
+                        <a:rPr lang="fr-FR" sz="1800" dirty="0"/>
+                        <a:t>))</a:t>
+                      </a:r>
+                    </a:p>
+                    <a:p>
+                      <a:pPr marL="0" indent="0">
+                        <a:lnSpc>
+                          <a:spcPct val="150000"/>
+                        </a:lnSpc>
+                        <a:buNone/>
+                      </a:pPr>
+                      <a:r>
+                        <a:rPr lang="fr-FR" sz="1800" dirty="0"/>
+                        <a:t>sentiments = </a:t>
+                      </a:r>
+                      <a:r>
+                        <a:rPr lang="fr-FR" sz="1800" dirty="0" err="1"/>
+                        <a:t>sentiments.map</a:t>
+                      </a:r>
+                      <a:r>
+                        <a:rPr lang="fr-FR" sz="1800" dirty="0"/>
+                        <a:t>(lambda x: </a:t>
+                      </a:r>
+                      <a:r>
+                        <a:rPr lang="fr-FR" sz="1800" dirty="0" err="1"/>
+                        <a:t>cluster_date</a:t>
+                      </a:r>
+                      <a:r>
+                        <a:rPr lang="fr-FR" sz="1800" dirty="0"/>
+                        <a:t>(x, </a:t>
+                      </a:r>
+                      <a:r>
+                        <a:rPr lang="fr-FR" sz="1800" dirty="0" err="1"/>
+                        <a:t>levels</a:t>
+                      </a:r>
+                      <a:r>
+                        <a:rPr lang="fr-FR" sz="1800" dirty="0"/>
+                        <a:t>))</a:t>
+                      </a:r>
+                      <a:endParaRPr lang="fr-FR" sz="1800" dirty="0">
+                        <a:latin typeface="Lucida Console" panose="020B0609040504020204" pitchFamily="49" charset="0"/>
+                      </a:endParaRPr>
+                    </a:p>
+                  </a:txBody>
+                  <a:tcPr/>
+                </a:tc>
+                <a:extLst>
+                  <a:ext uri="{0D108BD9-81ED-4DB2-BD59-A6C34878D82A}">
+                    <a16:rowId xmlns:a16="http://schemas.microsoft.com/office/drawing/2014/main" val="2487181902"/>
+                  </a:ext>
+                </a:extLst>
+              </a:tr>
+              <a:tr h="370840">
+                <a:tc>
+                  <a:txBody>
+                    <a:bodyPr/>
+                    <a:lstStyle/>
+                    <a:p>
+                      <a:pPr>
+                        <a:lnSpc>
+                          <a:spcPct val="150000"/>
+                        </a:lnSpc>
+                      </a:pPr>
+                      <a:r>
+                        <a:rPr lang="de-DE" dirty="0"/>
+                        <a:t>Sentiments zählen</a:t>
+                      </a:r>
+                    </a:p>
+                  </a:txBody>
+                  <a:tcPr/>
+                </a:tc>
+                <a:tc>
+                  <a:txBody>
+                    <a:bodyPr/>
+                    <a:lstStyle/>
+                    <a:p>
+                      <a:pPr marL="0" indent="0">
+                        <a:buNone/>
+                      </a:pPr>
+                      <a:r>
+                        <a:rPr lang="de-DE" sz="1800" dirty="0" err="1"/>
+                        <a:t>for</a:t>
+                      </a:r>
+                      <a:r>
+                        <a:rPr lang="de-DE" sz="1800" dirty="0"/>
+                        <a:t> i in </a:t>
+                      </a:r>
+                      <a:r>
+                        <a:rPr lang="de-DE" sz="1800" dirty="0" err="1"/>
+                        <a:t>range</a:t>
+                      </a:r>
+                      <a:r>
+                        <a:rPr lang="de-DE" sz="1800" dirty="0"/>
+                        <a:t>(</a:t>
+                      </a:r>
+                      <a:r>
+                        <a:rPr lang="de-DE" sz="1800" dirty="0" err="1"/>
+                        <a:t>len</a:t>
+                      </a:r>
+                      <a:r>
+                        <a:rPr lang="de-DE" sz="1800" dirty="0"/>
+                        <a:t>(</a:t>
+                      </a:r>
+                      <a:r>
+                        <a:rPr lang="de-DE" sz="1800" dirty="0" err="1"/>
+                        <a:t>sent_levels</a:t>
+                      </a:r>
+                      <a:r>
+                        <a:rPr lang="de-DE" sz="1800" dirty="0"/>
+                        <a:t>)):</a:t>
+                      </a:r>
+                    </a:p>
+                    <a:p>
+                      <a:pPr marL="0" indent="0">
+                        <a:buNone/>
+                      </a:pPr>
+                      <a:r>
+                        <a:rPr lang="de-DE" sz="1800" dirty="0"/>
+                        <a:t>   </a:t>
+                      </a:r>
+                      <a:r>
+                        <a:rPr lang="de-DE" sz="1800" dirty="0" err="1"/>
+                        <a:t>temp</a:t>
+                      </a:r>
+                      <a:r>
+                        <a:rPr lang="de-DE" sz="1800" dirty="0"/>
+                        <a:t> = </a:t>
+                      </a:r>
+                      <a:r>
+                        <a:rPr lang="de-DE" sz="1800" dirty="0" err="1"/>
+                        <a:t>s.filter</a:t>
+                      </a:r>
+                      <a:r>
+                        <a:rPr lang="de-DE" sz="1800" dirty="0"/>
+                        <a:t>(</a:t>
+                      </a:r>
+                      <a:r>
+                        <a:rPr lang="de-DE" sz="1800" dirty="0" err="1"/>
+                        <a:t>lambda</a:t>
+                      </a:r>
+                      <a:r>
+                        <a:rPr lang="de-DE" sz="1800" dirty="0"/>
+                        <a:t> x: x[1] == i)</a:t>
+                      </a:r>
+                    </a:p>
+                    <a:p>
+                      <a:pPr marL="0" indent="0">
+                        <a:buNone/>
+                      </a:pPr>
+                      <a:r>
+                        <a:rPr lang="de-DE" sz="1800" dirty="0"/>
+                        <a:t>	    .</a:t>
+                      </a:r>
+                      <a:r>
+                        <a:rPr lang="de-DE" sz="1800" dirty="0" err="1"/>
+                        <a:t>groupByKey</a:t>
+                      </a:r>
+                      <a:r>
+                        <a:rPr lang="de-DE" sz="1800" dirty="0"/>
+                        <a:t>()</a:t>
+                      </a:r>
+                    </a:p>
+                    <a:p>
+                      <a:pPr marL="0" indent="0">
+                        <a:buNone/>
+                      </a:pPr>
+                      <a:r>
+                        <a:rPr lang="de-DE" sz="1800" dirty="0"/>
+                        <a:t>	    .</a:t>
+                      </a:r>
+                      <a:r>
+                        <a:rPr lang="de-DE" sz="1800" dirty="0" err="1"/>
+                        <a:t>map</a:t>
+                      </a:r>
+                      <a:r>
+                        <a:rPr lang="de-DE" sz="1800" dirty="0"/>
+                        <a:t>(</a:t>
+                      </a:r>
+                      <a:r>
+                        <a:rPr lang="de-DE" sz="1800" dirty="0" err="1"/>
+                        <a:t>lambda</a:t>
+                      </a:r>
+                      <a:r>
+                        <a:rPr lang="de-DE" sz="1800" dirty="0"/>
+                        <a:t> x: (x[0], (i, </a:t>
+                      </a:r>
+                      <a:r>
+                        <a:rPr lang="de-DE" sz="1800" dirty="0" err="1"/>
+                        <a:t>len</a:t>
+                      </a:r>
+                      <a:r>
+                        <a:rPr lang="de-DE" sz="1800" dirty="0"/>
+                        <a:t>(</a:t>
+                      </a:r>
+                      <a:r>
+                        <a:rPr lang="de-DE" sz="1800" dirty="0" err="1"/>
+                        <a:t>list</a:t>
+                      </a:r>
+                      <a:r>
+                        <a:rPr lang="de-DE" sz="1800" dirty="0"/>
+                        <a:t>(x[1])))))</a:t>
+                      </a:r>
+                    </a:p>
+                    <a:p>
+                      <a:pPr marL="0" indent="0">
+                        <a:buNone/>
+                      </a:pPr>
+                      <a:r>
+                        <a:rPr lang="de-DE" sz="1800" dirty="0"/>
+                        <a:t>   final = </a:t>
+                      </a:r>
+                      <a:r>
+                        <a:rPr lang="de-DE" sz="1800" dirty="0" err="1"/>
+                        <a:t>final.union</a:t>
+                      </a:r>
+                      <a:r>
+                        <a:rPr lang="de-DE" sz="1800" dirty="0"/>
+                        <a:t>(</a:t>
+                      </a:r>
+                      <a:r>
+                        <a:rPr lang="de-DE" sz="1800" dirty="0" err="1"/>
+                        <a:t>temp</a:t>
+                      </a:r>
+                      <a:r>
+                        <a:rPr lang="de-DE" sz="1800" dirty="0"/>
+                        <a:t>)</a:t>
+                      </a:r>
+                      <a:endParaRPr lang="de-DE" sz="1800" dirty="0">
+                        <a:latin typeface="Lucida Console" panose="020B0609040504020204" pitchFamily="49" charset="0"/>
+                      </a:endParaRPr>
+                    </a:p>
+                  </a:txBody>
+                  <a:tcPr/>
+                </a:tc>
+                <a:extLst>
+                  <a:ext uri="{0D108BD9-81ED-4DB2-BD59-A6C34878D82A}">
+                    <a16:rowId xmlns:a16="http://schemas.microsoft.com/office/drawing/2014/main" val="3797853064"/>
+                  </a:ext>
+                </a:extLst>
+              </a:tr>
+            </a:tbl>
+          </a:graphicData>
+        </a:graphic>
+      </p:graphicFrame>
     </p:spTree>
     <p:extLst>
       <p:ext uri="{BB962C8B-B14F-4D97-AF65-F5344CB8AC3E}">
@@ -3888,7 +4924,7 @@
 </p:sld>
 </file>
 
-<file path=ppt/slides/slide5.xml><?xml version="1.0" encoding="utf-8"?>
+<file path=ppt/slides/slide6.xml><?xml version="1.0" encoding="utf-8"?>
 <p:sld xmlns:a="http://schemas.openxmlformats.org/drawingml/2006/main" xmlns:r="http://schemas.openxmlformats.org/officeDocument/2006/relationships" xmlns:p="http://schemas.openxmlformats.org/presentationml/2006/main">
   <p:cSld>
     <p:spTree>
@@ -3927,8 +4963,8 @@
         </p:blipFill>
         <p:spPr>
           <a:xfrm>
-            <a:off x="0" y="664464"/>
-            <a:ext cx="12192000" cy="6096000"/>
+            <a:off x="0" y="976662"/>
+            <a:ext cx="11567604" cy="5783802"/>
           </a:xfrm>
           <a:prstGeom prst="rect">
             <a:avLst/>
@@ -3951,10 +4987,9 @@
           <a:lstStyle/>
           <a:p>
             <a:r>
-              <a:rPr lang="de-DE" dirty="0" err="1" smtClean="0"/>
-              <a:t>Result</a:t>
-            </a:r>
-            <a:endParaRPr lang="de-DE" dirty="0"/>
+              <a:rPr lang="de-DE" dirty="0"/>
+              <a:t>Ergebnis</a:t>
+            </a:r>
           </a:p>
         </p:txBody>
       </p:sp>
@@ -3971,7 +5006,7 @@
 </p:sld>
 </file>
 
-<file path=ppt/slides/slide6.xml><?xml version="1.0" encoding="utf-8"?>
+<file path=ppt/slides/slide7.xml><?xml version="1.0" encoding="utf-8"?>
 <p:sld xmlns:a="http://schemas.openxmlformats.org/drawingml/2006/main" xmlns:r="http://schemas.openxmlformats.org/officeDocument/2006/relationships" xmlns:p="http://schemas.openxmlformats.org/presentationml/2006/main">
   <p:cSld>
     <p:spTree>
@@ -4004,44 +5039,75 @@
           <a:lstStyle/>
           <a:p>
             <a:r>
-              <a:rPr lang="de-DE" dirty="0" smtClean="0"/>
+              <a:rPr lang="de-DE" dirty="0"/>
               <a:t>Ausblick</a:t>
             </a:r>
+          </a:p>
+        </p:txBody>
+      </p:sp>
+      <p:sp>
+        <p:nvSpPr>
+          <p:cNvPr id="3" name="Inhaltsplatzhalter 2"/>
+          <p:cNvSpPr>
+            <a:spLocks noGrp="1"/>
+          </p:cNvSpPr>
+          <p:nvPr>
+            <p:ph idx="1"/>
+          </p:nvPr>
+        </p:nvSpPr>
+        <p:spPr/>
+        <p:txBody>
+          <a:bodyPr/>
+          <a:lstStyle/>
+          <a:p>
+            <a:r>
+              <a:rPr lang="de-DE" dirty="0"/>
+              <a:t>Mehr Daten aus unterschiedlichen Quellen (</a:t>
+            </a:r>
+            <a:r>
+              <a:rPr lang="de-DE" dirty="0" err="1"/>
+              <a:t>facebook</a:t>
+            </a:r>
+            <a:r>
+              <a:rPr lang="de-DE" dirty="0"/>
+              <a:t>, RSS)</a:t>
+            </a:r>
+          </a:p>
+          <a:p>
+            <a:r>
+              <a:rPr lang="de-DE" dirty="0"/>
+              <a:t>Konsistenz der Daten</a:t>
+            </a:r>
+          </a:p>
+          <a:p>
+            <a:r>
+              <a:rPr lang="de-DE" dirty="0"/>
+              <a:t>Bessere Sentiment-Analyse</a:t>
+            </a:r>
+          </a:p>
+          <a:p>
+            <a:pPr lvl="1"/>
+            <a:r>
+              <a:rPr lang="de-DE" dirty="0"/>
+              <a:t>Bisher: </a:t>
+            </a:r>
+            <a:r>
+              <a:rPr lang="de-DE" dirty="0" err="1"/>
+              <a:t>textblob</a:t>
+            </a:r>
             <a:endParaRPr lang="de-DE" dirty="0"/>
           </a:p>
-        </p:txBody>
-      </p:sp>
-      <p:sp>
-        <p:nvSpPr>
-          <p:cNvPr id="3" name="Inhaltsplatzhalter 2"/>
-          <p:cNvSpPr>
-            <a:spLocks noGrp="1"/>
-          </p:cNvSpPr>
-          <p:nvPr>
-            <p:ph idx="1"/>
-          </p:nvPr>
-        </p:nvSpPr>
-        <p:spPr/>
-        <p:txBody>
-          <a:bodyPr/>
-          <a:lstStyle/>
-          <a:p>
-            <a:r>
-              <a:rPr lang="de-DE" dirty="0" smtClean="0"/>
-              <a:t>Mehr Daten aus unterschiedlichen Quellen</a:t>
-            </a:r>
-          </a:p>
-          <a:p>
-            <a:r>
-              <a:rPr lang="de-DE" dirty="0" smtClean="0"/>
-              <a:t>Konsistenz</a:t>
-            </a:r>
-          </a:p>
-          <a:p>
-            <a:r>
-              <a:rPr lang="de-DE" dirty="0" smtClean="0"/>
-              <a:t>Bessere Sentiment-Analyse</a:t>
-            </a:r>
+          <a:p>
+            <a:pPr lvl="1"/>
+            <a:r>
+              <a:rPr lang="de-DE" dirty="0"/>
+              <a:t>eigener </a:t>
+            </a:r>
+            <a:r>
+              <a:rPr lang="de-DE" dirty="0" err="1"/>
+              <a:t>Classifier</a:t>
+            </a:r>
+            <a:endParaRPr lang="de-DE" dirty="0"/>
           </a:p>
         </p:txBody>
       </p:sp>
@@ -4059,9 +5125,9 @@
 </file>
 
 <file path=ppt/theme/theme1.xml><?xml version="1.0" encoding="utf-8"?>
-<a:theme xmlns:a="http://schemas.openxmlformats.org/drawingml/2006/main" name="Office">
+<a:theme xmlns:a="http://schemas.openxmlformats.org/drawingml/2006/main" name="Rückblick">
   <a:themeElements>
-    <a:clrScheme name="Office">
+    <a:clrScheme name="Rückblick">
       <a:dk1>
         <a:sysClr val="windowText" lastClr="000000"/>
       </a:dk1>
@@ -4069,44 +5135,44 @@
         <a:sysClr val="window" lastClr="FFFFFF"/>
       </a:lt1>
       <a:dk2>
-        <a:srgbClr val="44546A"/>
+        <a:srgbClr val="344068"/>
       </a:dk2>
       <a:lt2>
-        <a:srgbClr val="E7E6E6"/>
+        <a:srgbClr val="D9E0E6"/>
       </a:lt2>
       <a:accent1>
-        <a:srgbClr val="5B9BD5"/>
+        <a:srgbClr val="1CADE4"/>
       </a:accent1>
       <a:accent2>
-        <a:srgbClr val="ED7D31"/>
+        <a:srgbClr val="2683C6"/>
       </a:accent2>
       <a:accent3>
-        <a:srgbClr val="A5A5A5"/>
+        <a:srgbClr val="28C4CC"/>
       </a:accent3>
       <a:accent4>
-        <a:srgbClr val="FFC000"/>
+        <a:srgbClr val="42BA97"/>
       </a:accent4>
       <a:accent5>
-        <a:srgbClr val="4472C4"/>
+        <a:srgbClr val="3E8853"/>
       </a:accent5>
       <a:accent6>
-        <a:srgbClr val="70AD47"/>
+        <a:srgbClr val="62A39F"/>
       </a:accent6>
       <a:hlink>
-        <a:srgbClr val="0563C1"/>
+        <a:srgbClr val="6EAC1C"/>
       </a:hlink>
       <a:folHlink>
-        <a:srgbClr val="954F72"/>
+        <a:srgbClr val="B26B02"/>
       </a:folHlink>
     </a:clrScheme>
-    <a:fontScheme name="Office">
+    <a:fontScheme name="Rückblick">
       <a:majorFont>
         <a:latin typeface="Calibri Light" panose="020F0302020204030204"/>
         <a:ea typeface=""/>
         <a:cs typeface=""/>
-        <a:font script="Jpan" typeface="游ゴシック Light"/>
+        <a:font script="Jpan" typeface="ＭＳ Ｐゴシック"/>
         <a:font script="Hang" typeface="맑은 고딕"/>
-        <a:font script="Hans" typeface="等线 Light"/>
+        <a:font script="Hans" typeface="宋体"/>
         <a:font script="Hant" typeface="新細明體"/>
         <a:font script="Arab" typeface="Times New Roman"/>
         <a:font script="Hebr" typeface="Times New Roman"/>
@@ -4139,9 +5205,9 @@
         <a:latin typeface="Calibri" panose="020F0502020204030204"/>
         <a:ea typeface=""/>
         <a:cs typeface=""/>
-        <a:font script="Jpan" typeface="游ゴシック"/>
+        <a:font script="Jpan" typeface="ＭＳ Ｐゴシック"/>
         <a:font script="Hang" typeface="맑은 고딕"/>
-        <a:font script="Hans" typeface="等线"/>
+        <a:font script="Hans" typeface="宋体"/>
         <a:font script="Hant" typeface="新細明體"/>
         <a:font script="Arab" typeface="Arial"/>
         <a:font script="Hebr" typeface="Arial"/>
@@ -4171,7 +5237,7 @@
         <a:font script="Geor" typeface="Sylfaen"/>
       </a:minorFont>
     </a:fontScheme>
-    <a:fmtScheme name="Office">
+    <a:fmtScheme name="Rückblick">
       <a:fillStyleLst>
         <a:solidFill>
           <a:schemeClr val="phClr"/>
@@ -4180,76 +5246,81 @@
           <a:gsLst>
             <a:gs pos="0">
               <a:schemeClr val="phClr">
-                <a:lumMod val="110000"/>
-                <a:satMod val="105000"/>
-                <a:tint val="67000"/>
+                <a:tint val="65000"/>
+                <a:shade val="92000"/>
+                <a:satMod val="130000"/>
               </a:schemeClr>
             </a:gs>
-            <a:gs pos="50000">
+            <a:gs pos="45000">
               <a:schemeClr val="phClr">
-                <a:lumMod val="105000"/>
-                <a:satMod val="103000"/>
-                <a:tint val="73000"/>
+                <a:tint val="60000"/>
+                <a:shade val="99000"/>
+                <a:satMod val="120000"/>
               </a:schemeClr>
             </a:gs>
             <a:gs pos="100000">
               <a:schemeClr val="phClr">
-                <a:lumMod val="105000"/>
-                <a:satMod val="109000"/>
-                <a:tint val="81000"/>
+                <a:tint val="55000"/>
+                <a:satMod val="140000"/>
               </a:schemeClr>
             </a:gs>
           </a:gsLst>
-          <a:lin ang="5400000" scaled="0"/>
+          <a:path path="circle">
+            <a:fillToRect l="100000" t="100000" r="100000" b="100000"/>
+          </a:path>
         </a:gradFill>
         <a:gradFill rotWithShape="1">
           <a:gsLst>
             <a:gs pos="0">
               <a:schemeClr val="phClr">
-                <a:satMod val="103000"/>
-                <a:lumMod val="102000"/>
-                <a:tint val="94000"/>
+                <a:shade val="85000"/>
+                <a:satMod val="130000"/>
               </a:schemeClr>
             </a:gs>
-            <a:gs pos="50000">
+            <a:gs pos="34000">
               <a:schemeClr val="phClr">
-                <a:satMod val="110000"/>
-                <a:lumMod val="100000"/>
-                <a:shade val="100000"/>
+                <a:shade val="87000"/>
+                <a:satMod val="125000"/>
+              </a:schemeClr>
+            </a:gs>
+            <a:gs pos="70000">
+              <a:schemeClr val="phClr">
+                <a:tint val="100000"/>
+                <a:shade val="90000"/>
+                <a:satMod val="130000"/>
               </a:schemeClr>
             </a:gs>
             <a:gs pos="100000">
               <a:schemeClr val="phClr">
-                <a:lumMod val="99000"/>
-                <a:satMod val="120000"/>
-                <a:shade val="78000"/>
+                <a:tint val="100000"/>
+                <a:shade val="100000"/>
+                <a:satMod val="110000"/>
               </a:schemeClr>
             </a:gs>
           </a:gsLst>
-          <a:lin ang="5400000" scaled="0"/>
+          <a:path path="circle">
+            <a:fillToRect l="100000" t="100000" r="100000" b="100000"/>
+          </a:path>
         </a:gradFill>
       </a:fillStyleLst>
       <a:lnStyleLst>
-        <a:ln w="6350" cap="flat" cmpd="sng" algn="ctr">
-          <a:solidFill>
-            <a:schemeClr val="phClr"/>
-          </a:solidFill>
-          <a:prstDash val="solid"/>
-          <a:miter lim="800000"/>
-        </a:ln>
         <a:ln w="12700" cap="flat" cmpd="sng" algn="ctr">
           <a:solidFill>
             <a:schemeClr val="phClr"/>
           </a:solidFill>
           <a:prstDash val="solid"/>
-          <a:miter lim="800000"/>
         </a:ln>
-        <a:ln w="19050" cap="flat" cmpd="sng" algn="ctr">
+        <a:ln w="15875" cap="flat" cmpd="sng" algn="ctr">
           <a:solidFill>
             <a:schemeClr val="phClr"/>
           </a:solidFill>
           <a:prstDash val="solid"/>
-          <a:miter lim="800000"/>
+        </a:ln>
+        <a:ln w="25400" cap="flat" cmpd="sng" algn="ctr">
+          <a:solidFill>
+            <a:schemeClr val="phClr"/>
+          </a:solidFill>
+          <a:prstDash val="solid"/>
         </a:ln>
       </a:lnStyleLst>
       <a:effectStyleLst>
@@ -4257,16 +5328,33 @@
           <a:effectLst/>
         </a:effectStyle>
         <a:effectStyle>
-          <a:effectLst/>
+          <a:effectLst>
+            <a:outerShdw blurRad="38100" dist="25400" dir="2700000" algn="br" rotWithShape="0">
+              <a:srgbClr val="000000">
+                <a:alpha val="60000"/>
+              </a:srgbClr>
+            </a:outerShdw>
+          </a:effectLst>
         </a:effectStyle>
         <a:effectStyle>
           <a:effectLst>
-            <a:outerShdw blurRad="57150" dist="19050" dir="5400000" algn="ctr" rotWithShape="0">
+            <a:outerShdw blurRad="44450" dist="25400" dir="2700000" algn="br" rotWithShape="0">
               <a:srgbClr val="000000">
-                <a:alpha val="63000"/>
+                <a:alpha val="60000"/>
               </a:srgbClr>
             </a:outerShdw>
           </a:effectLst>
+          <a:scene3d>
+            <a:camera prst="orthographicFront">
+              <a:rot lat="0" lon="0" rev="0"/>
+            </a:camera>
+            <a:lightRig rig="threePt" dir="t">
+              <a:rot lat="0" lon="0" rev="19800000"/>
+            </a:lightRig>
+          </a:scene3d>
+          <a:sp3d prstMaterial="flat">
+            <a:bevelT w="25400" h="31750"/>
+          </a:sp3d>
         </a:effectStyle>
       </a:effectStyleLst>
       <a:bgFillStyleLst>
@@ -4275,36 +5363,36 @@
         </a:solidFill>
         <a:solidFill>
           <a:schemeClr val="phClr">
-            <a:tint val="95000"/>
-            <a:satMod val="170000"/>
+            <a:tint val="90000"/>
+            <a:shade val="97000"/>
+            <a:satMod val="130000"/>
           </a:schemeClr>
         </a:solidFill>
         <a:gradFill rotWithShape="1">
           <a:gsLst>
             <a:gs pos="0">
               <a:schemeClr val="phClr">
-                <a:tint val="93000"/>
-                <a:satMod val="150000"/>
-                <a:shade val="98000"/>
-                <a:lumMod val="102000"/>
+                <a:tint val="96000"/>
+                <a:shade val="99000"/>
+                <a:satMod val="140000"/>
               </a:schemeClr>
             </a:gs>
-            <a:gs pos="50000">
+            <a:gs pos="65000">
               <a:schemeClr val="phClr">
-                <a:tint val="98000"/>
+                <a:tint val="100000"/>
+                <a:shade val="80000"/>
                 <a:satMod val="130000"/>
-                <a:shade val="90000"/>
-                <a:lumMod val="103000"/>
               </a:schemeClr>
             </a:gs>
             <a:gs pos="100000">
               <a:schemeClr val="phClr">
-                <a:shade val="63000"/>
+                <a:tint val="100000"/>
+                <a:shade val="48000"/>
                 <a:satMod val="120000"/>
               </a:schemeClr>
             </a:gs>
           </a:gsLst>
-          <a:lin ang="5400000" scaled="0"/>
+          <a:lin ang="16200000" scaled="0"/>
         </a:gradFill>
       </a:bgFillStyleLst>
     </a:fmtScheme>
@@ -4313,7 +5401,7 @@
   <a:extraClrSchemeLst/>
   <a:extLst>
     <a:ext uri="{05A4C25C-085E-4340-85A3-A5531E510DB2}">
-      <thm15:themeFamily xmlns:thm15="http://schemas.microsoft.com/office/thememl/2012/main" name="Office Theme" id="{62F939B6-93AF-4DB8-9C6B-D6C7DFDC589F}" vid="{4A3C46E8-61CC-4603-A589-7422A47A8E4A}"/>
+      <thm15:themeFamily xmlns:thm15="http://schemas.microsoft.com/office/thememl/2012/main" name="Retrospect" id="{5F128B03-DCCA-4EEB-AB3B-CF2899314A46}" vid="{9CC26709-368C-4D72-9060-94E5B3FF3CD6}"/>
     </a:ext>
   </a:extLst>
 </a:theme>
